--- a/Decks/ContractTalk-Empathy.pptx
+++ b/Decks/ContractTalk-Empathy.pptx
@@ -5,62 +5,64 @@
     <p:sldMasterId id="2147483648" r:id="rId1"/>
   </p:sldMasterIdLst>
   <p:notesMasterIdLst>
-    <p:notesMasterId r:id="rId28"/>
+    <p:notesMasterId r:id="rId30"/>
   </p:notesMasterIdLst>
   <p:sldIdLst>
-    <p:sldId id="256" r:id="rId2"/>
-    <p:sldId id="265" r:id="rId3"/>
-    <p:sldId id="266" r:id="rId4"/>
-    <p:sldId id="267" r:id="rId5"/>
-    <p:sldId id="268" r:id="rId6"/>
-    <p:sldId id="273" r:id="rId7"/>
-    <p:sldId id="269" r:id="rId8"/>
-    <p:sldId id="270" r:id="rId9"/>
-    <p:sldId id="271" r:id="rId10"/>
-    <p:sldId id="272" r:id="rId11"/>
-    <p:sldId id="274" r:id="rId12"/>
-    <p:sldId id="275" r:id="rId13"/>
-    <p:sldId id="276" r:id="rId14"/>
-    <p:sldId id="277" r:id="rId15"/>
-    <p:sldId id="278" r:id="rId16"/>
-    <p:sldId id="264" r:id="rId17"/>
-    <p:sldId id="279" r:id="rId18"/>
-    <p:sldId id="257" r:id="rId19"/>
-    <p:sldId id="281" r:id="rId20"/>
-    <p:sldId id="282" r:id="rId21"/>
-    <p:sldId id="259" r:id="rId22"/>
-    <p:sldId id="283" r:id="rId23"/>
-    <p:sldId id="260" r:id="rId24"/>
-    <p:sldId id="284" r:id="rId25"/>
-    <p:sldId id="261" r:id="rId26"/>
-    <p:sldId id="280" r:id="rId27"/>
+    <p:sldId id="313" r:id="rId2"/>
+    <p:sldId id="314" r:id="rId3"/>
+    <p:sldId id="315" r:id="rId4"/>
+    <p:sldId id="316" r:id="rId5"/>
+    <p:sldId id="317" r:id="rId6"/>
+    <p:sldId id="318" r:id="rId7"/>
+    <p:sldId id="319" r:id="rId8"/>
+    <p:sldId id="320" r:id="rId9"/>
+    <p:sldId id="321" r:id="rId10"/>
+    <p:sldId id="322" r:id="rId11"/>
+    <p:sldId id="323" r:id="rId12"/>
+    <p:sldId id="324" r:id="rId13"/>
+    <p:sldId id="325" r:id="rId14"/>
+    <p:sldId id="326" r:id="rId15"/>
+    <p:sldId id="327" r:id="rId16"/>
+    <p:sldId id="328" r:id="rId17"/>
+    <p:sldId id="329" r:id="rId18"/>
+    <p:sldId id="330" r:id="rId19"/>
+    <p:sldId id="331" r:id="rId20"/>
+    <p:sldId id="332" r:id="rId21"/>
+    <p:sldId id="333" r:id="rId22"/>
+    <p:sldId id="334" r:id="rId23"/>
+    <p:sldId id="335" r:id="rId24"/>
+    <p:sldId id="336" r:id="rId25"/>
+    <p:sldId id="337" r:id="rId26"/>
+    <p:sldId id="338" r:id="rId27"/>
+    <p:sldId id="339" r:id="rId28"/>
+    <p:sldId id="340" r:id="rId29"/>
   </p:sldIdLst>
   <p:sldSz cx="12192000" cy="6858000"/>
   <p:notesSz cx="6858000" cy="9296400"/>
   <p:embeddedFontLst>
     <p:embeddedFont>
       <p:font typeface="Calibri" panose="020F0502020204030204" pitchFamily="34" charset="0"/>
-      <p:regular r:id="rId29"/>
-      <p:bold r:id="rId30"/>
-      <p:italic r:id="rId31"/>
-      <p:boldItalic r:id="rId32"/>
+      <p:regular r:id="rId31"/>
+      <p:bold r:id="rId32"/>
+      <p:italic r:id="rId33"/>
+      <p:boldItalic r:id="rId34"/>
     </p:embeddedFont>
     <p:embeddedFont>
       <p:font typeface="Calibri Light" panose="020F0302020204030204" pitchFamily="34" charset="0"/>
-      <p:regular r:id="rId33"/>
-      <p:italic r:id="rId34"/>
-    </p:embeddedFont>
-    <p:embeddedFont>
-      <p:font typeface="Dreaming Outloud Pro" panose="03050502040302030504" pitchFamily="66" charset="0"/>
       <p:regular r:id="rId35"/>
       <p:italic r:id="rId36"/>
     </p:embeddedFont>
     <p:embeddedFont>
+      <p:font typeface="Dreaming Outloud Pro" panose="03050502040302030504" pitchFamily="66" charset="0"/>
+      <p:regular r:id="rId37"/>
+      <p:italic r:id="rId38"/>
+    </p:embeddedFont>
+    <p:embeddedFont>
       <p:font typeface="Proxima Nova" panose="020B0604020202020204" charset="0"/>
-      <p:regular r:id="rId37"/>
-      <p:bold r:id="rId38"/>
-      <p:italic r:id="rId39"/>
-      <p:boldItalic r:id="rId40"/>
+      <p:regular r:id="rId39"/>
+      <p:bold r:id="rId40"/>
+      <p:italic r:id="rId41"/>
+      <p:boldItalic r:id="rId42"/>
     </p:embeddedFont>
   </p:embeddedFontLst>
   <p:defaultTextStyle>
@@ -297,7 +299,7 @@
       <p15:sldGuideLst xmlns:p15="http://schemas.microsoft.com/office/powerpoint/2012/main"/>
     </p:ext>
     <p:ext uri="http://customooxmlschemas.google.com/">
-      <go:slidesCustomData xmlns="" xmlns:mc="http://schemas.openxmlformats.org/markup-compatibility/2006" xmlns:mv="urn:schemas-microsoft-com:mac:vml" xmlns:c="http://schemas.openxmlformats.org/drawingml/2006/chart" xmlns:dgm="http://schemas.openxmlformats.org/drawingml/2006/diagram" xmlns:o="urn:schemas-microsoft-com:office:office" xmlns:v="urn:schemas-microsoft-com:vml" xmlns:pvml="urn:schemas-microsoft-com:office:powerpoint" xmlns:com="http://schemas.openxmlformats.org/drawingml/2006/compatibility" xmlns:p14="http://schemas.microsoft.com/office/powerpoint/2010/main" xmlns:p15="http://schemas.microsoft.com/office/powerpoint/2012/main" xmlns:ahyp="http://schemas.microsoft.com/office/drawing/2018/hyperlinkcolor" xmlns:go="http://customooxmlschemas.google.com/" r:id="rId41" roundtripDataSignature="AMtx7mgGAxW7COthaUC4fWynr6PyPGDfkQ=="/>
+      <go:slidesCustomData xmlns:go="http://customooxmlschemas.google.com/" xmlns:ahyp="http://schemas.microsoft.com/office/drawing/2018/hyperlinkcolor" xmlns:p15="http://schemas.microsoft.com/office/powerpoint/2012/main" xmlns:p14="http://schemas.microsoft.com/office/powerpoint/2010/main" xmlns:com="http://schemas.openxmlformats.org/drawingml/2006/compatibility" xmlns:pvml="urn:schemas-microsoft-com:office:powerpoint" xmlns:v="urn:schemas-microsoft-com:vml" xmlns:o="urn:schemas-microsoft-com:office:office" xmlns:dgm="http://schemas.openxmlformats.org/drawingml/2006/diagram" xmlns:c="http://schemas.openxmlformats.org/drawingml/2006/chart" xmlns:mv="urn:schemas-microsoft-com:mac:vml" xmlns:mc="http://schemas.openxmlformats.org/markup-compatibility/2006" xmlns="" r:id="rId43" roundtripDataSignature="AMtx7mgGAxW7COthaUC4fWynr6PyPGDfkQ=="/>
     </p:ext>
   </p:extLst>
 </p:presentation>
@@ -3209,7 +3211,19 @@
               </a:spcAft>
               <a:buNone/>
             </a:pPr>
-            <a:endParaRPr/>
+            <a:r>
+              <a:rPr lang="en-US" dirty="0"/>
+              <a:t>Hello everybody! I’m so </a:t>
+            </a:r>
+            <a:r>
+              <a:rPr lang="en-US" dirty="0" err="1"/>
+              <a:t>honoured</a:t>
+            </a:r>
+            <a:r>
+              <a:rPr lang="en-US" dirty="0"/>
+              <a:t> join you here at CRAFT, and I’m very excited to talk to you about how using empathy can make tests easy and code safe. I’m Marian Hartman learning designer and partner to Arlo Belshee at Deep Roots.</a:t>
+            </a:r>
+            <a:endParaRPr dirty="0"/>
           </a:p>
         </p:txBody>
       </p:sp>
@@ -3255,6 +3269,11 @@
         </p:spPr>
       </p:sp>
     </p:spTree>
+    <p:extLst>
+      <p:ext uri="{BB962C8B-B14F-4D97-AF65-F5344CB8AC3E}">
+        <p14:creationId xmlns:p14="http://schemas.microsoft.com/office/powerpoint/2010/main" val="59545741"/>
+      </p:ext>
+    </p:extLst>
   </p:cSld>
   <p:clrMapOvr>
     <a:masterClrMapping/>
@@ -3311,189 +3330,22 @@
           <a:bodyPr/>
           <a:lstStyle/>
           <a:p>
-            <a:pPr marL="158750" indent="0" rtl="0">
-              <a:spcBef>
-                <a:spcPts val="0"/>
-              </a:spcBef>
-              <a:spcAft>
-                <a:spcPts val="800"/>
-              </a:spcAft>
+            <a:pPr marL="158750" indent="0">
               <a:buNone/>
             </a:pPr>
             <a:r>
-              <a:rPr lang="en-US" sz="1800" b="0" i="0" u="none" strike="noStrike" dirty="0">
-                <a:solidFill>
-                  <a:srgbClr val="000000"/>
-                </a:solidFill>
-                <a:effectLst/>
-                <a:latin typeface="Calibri" panose="020F0502020204030204" pitchFamily="34" charset="0"/>
+              <a:rPr lang="en-US" sz="1200" dirty="0">
+                <a:latin typeface="Proxima Nova" panose="020B0604020202020204" charset="0"/>
               </a:rPr>
-              <a:t>Classic solution to finally realizing the code needs to change: </a:t>
-            </a:r>
-          </a:p>
-          <a:p>
-            <a:pPr marL="158750" indent="0" rtl="0">
-              <a:spcBef>
-                <a:spcPts val="0"/>
-              </a:spcBef>
-              <a:spcAft>
-                <a:spcPts val="800"/>
-              </a:spcAft>
-              <a:buNone/>
-            </a:pPr>
-            <a:endParaRPr lang="en-US" sz="1800" b="0" i="0" u="none" strike="noStrike" dirty="0">
-              <a:solidFill>
-                <a:srgbClr val="000000"/>
-              </a:solidFill>
-              <a:effectLst/>
-              <a:latin typeface="Calibri" panose="020F0502020204030204" pitchFamily="34" charset="0"/>
-            </a:endParaRPr>
-          </a:p>
-          <a:p>
-            <a:pPr marL="158750" indent="0" rtl="0">
-              <a:spcBef>
-                <a:spcPts val="0"/>
-              </a:spcBef>
-              <a:spcAft>
-                <a:spcPts val="800"/>
-              </a:spcAft>
-              <a:buNone/>
-            </a:pPr>
-            <a:r>
-              <a:rPr lang="en-US" sz="1800" b="0" i="0" u="none" strike="noStrike" dirty="0">
-                <a:solidFill>
-                  <a:srgbClr val="000000"/>
-                </a:solidFill>
-                <a:effectLst/>
-                <a:latin typeface="Calibri" panose="020F0502020204030204" pitchFamily="34" charset="0"/>
-              </a:rPr>
-              <a:t>Firstly, call a meeting and we work on it together.</a:t>
-            </a:r>
-          </a:p>
-          <a:p>
-            <a:pPr marL="158750" indent="0" rtl="0">
-              <a:spcBef>
-                <a:spcPts val="0"/>
-              </a:spcBef>
-              <a:spcAft>
-                <a:spcPts val="800"/>
-              </a:spcAft>
-              <a:buNone/>
-            </a:pPr>
-            <a:endParaRPr lang="en-US" sz="1800" b="0" i="0" u="none" strike="noStrike" dirty="0">
-              <a:solidFill>
-                <a:srgbClr val="000000"/>
-              </a:solidFill>
-              <a:effectLst/>
-              <a:latin typeface="Calibri" panose="020F0502020204030204" pitchFamily="34" charset="0"/>
-            </a:endParaRPr>
-          </a:p>
-          <a:p>
-            <a:pPr marL="158750" indent="0" rtl="0">
-              <a:spcBef>
-                <a:spcPts val="0"/>
-              </a:spcBef>
-              <a:spcAft>
-                <a:spcPts val="800"/>
-              </a:spcAft>
-              <a:buNone/>
-            </a:pPr>
-            <a:r>
-              <a:rPr lang="en-US" sz="1800" b="0" i="0" u="none" strike="noStrike" dirty="0">
-                <a:solidFill>
-                  <a:srgbClr val="000000"/>
-                </a:solidFill>
-                <a:effectLst/>
-                <a:latin typeface="Calibri" panose="020F0502020204030204" pitchFamily="34" charset="0"/>
-              </a:rPr>
-              <a:t>Secondly, achieve consensus (if very lucky).</a:t>
-            </a:r>
-          </a:p>
-          <a:p>
-            <a:pPr marL="158750" indent="0" rtl="0">
-              <a:spcBef>
-                <a:spcPts val="0"/>
-              </a:spcBef>
-              <a:spcAft>
-                <a:spcPts val="800"/>
-              </a:spcAft>
-              <a:buNone/>
-            </a:pPr>
-            <a:endParaRPr lang="en-US" sz="1800" b="0" i="0" u="none" strike="noStrike" dirty="0">
-              <a:solidFill>
-                <a:srgbClr val="000000"/>
-              </a:solidFill>
-              <a:effectLst/>
-              <a:latin typeface="Calibri" panose="020F0502020204030204" pitchFamily="34" charset="0"/>
-            </a:endParaRPr>
-          </a:p>
-          <a:p>
-            <a:pPr marL="158750" indent="0" rtl="0">
-              <a:spcBef>
-                <a:spcPts val="0"/>
-              </a:spcBef>
-              <a:spcAft>
-                <a:spcPts val="800"/>
-              </a:spcAft>
-              <a:buNone/>
-            </a:pPr>
-            <a:r>
-              <a:rPr lang="en-US" sz="1800" b="0" i="0" u="none" strike="noStrike" dirty="0">
-                <a:solidFill>
-                  <a:srgbClr val="000000"/>
-                </a:solidFill>
-                <a:effectLst/>
-                <a:latin typeface="Calibri" panose="020F0502020204030204" pitchFamily="34" charset="0"/>
-              </a:rPr>
-              <a:t>Thirdly, lock it back down to keep my illusion of control over the risk. </a:t>
-            </a:r>
-          </a:p>
-          <a:p>
-            <a:pPr marL="158750" indent="0" rtl="0">
-              <a:spcBef>
-                <a:spcPts val="0"/>
-              </a:spcBef>
-              <a:spcAft>
-                <a:spcPts val="800"/>
-              </a:spcAft>
-              <a:buNone/>
-            </a:pPr>
-            <a:endParaRPr lang="en-US" sz="1800" b="0" i="0" u="none" strike="noStrike" dirty="0">
-              <a:solidFill>
-                <a:srgbClr val="000000"/>
-              </a:solidFill>
-              <a:effectLst/>
-              <a:latin typeface="Calibri" panose="020F0502020204030204" pitchFamily="34" charset="0"/>
-            </a:endParaRPr>
-          </a:p>
-          <a:p>
-            <a:pPr marL="158750" indent="0" rtl="0">
-              <a:spcBef>
-                <a:spcPts val="0"/>
-              </a:spcBef>
-              <a:spcAft>
-                <a:spcPts val="800"/>
-              </a:spcAft>
-              <a:buNone/>
-            </a:pPr>
-            <a:r>
-              <a:rPr lang="en-US" sz="1800" b="0" i="0" u="none" strike="noStrike" dirty="0">
-                <a:solidFill>
-                  <a:srgbClr val="000000"/>
-                </a:solidFill>
-                <a:effectLst/>
-                <a:latin typeface="Calibri" panose="020F0502020204030204" pitchFamily="34" charset="0"/>
-              </a:rPr>
-              <a:t>Expensive. Painful. Last resort. </a:t>
-            </a:r>
-            <a:endParaRPr lang="en-US" dirty="0"/>
+              <a:t>But then, of course, came the PDF editor. It breaks our illusion of control, which is the same thing as developers refactoring without permission. Managers really dislike code changing without permission.</a:t>
+            </a:r>
           </a:p>
         </p:txBody>
       </p:sp>
     </p:spTree>
     <p:extLst>
       <p:ext uri="{BB962C8B-B14F-4D97-AF65-F5344CB8AC3E}">
-        <p14:creationId xmlns:p14="http://schemas.microsoft.com/office/powerpoint/2010/main" val="3255525507"/>
+        <p14:creationId xmlns:p14="http://schemas.microsoft.com/office/powerpoint/2010/main" val="1985957340"/>
       </p:ext>
     </p:extLst>
   </p:cSld>
@@ -3552,86 +3404,191 @@
           <a:bodyPr/>
           <a:lstStyle/>
           <a:p>
-            <a:pPr marL="158750" indent="0">
+            <a:pPr marL="158750" indent="0" rtl="0">
+              <a:spcBef>
+                <a:spcPts val="0"/>
+              </a:spcBef>
+              <a:spcAft>
+                <a:spcPts val="800"/>
+              </a:spcAft>
               <a:buNone/>
             </a:pPr>
             <a:r>
-              <a:rPr lang="en-US" sz="1800" b="0" i="0" u="none" strike="noStrike" dirty="0">
+              <a:rPr lang="en-US" sz="1200" b="0" i="0" u="none" strike="noStrike" dirty="0">
                 <a:solidFill>
                   <a:srgbClr val="000000"/>
                 </a:solidFill>
                 <a:effectLst/>
-                <a:latin typeface="Calibri" panose="020F0502020204030204" pitchFamily="34" charset="0"/>
+                <a:latin typeface="Proxima Nova" panose="020B0604020202020204" charset="0"/>
               </a:rPr>
-              <a:t>The obvious solution is to make our code testable so I don’t have to control every detail. </a:t>
-            </a:r>
-          </a:p>
-          <a:p>
-            <a:pPr marL="158750" indent="0">
+              <a:t>So here’s a classic solution to finally realizing the code needs to change: </a:t>
+            </a:r>
+          </a:p>
+          <a:p>
+            <a:pPr marL="158750" indent="0" rtl="0">
+              <a:spcBef>
+                <a:spcPts val="0"/>
+              </a:spcBef>
+              <a:spcAft>
+                <a:spcPts val="800"/>
+              </a:spcAft>
               <a:buNone/>
             </a:pPr>
-            <a:endParaRPr lang="en-US" sz="1800" b="0" i="0" u="none" strike="noStrike" dirty="0">
+            <a:endParaRPr lang="en-US" sz="1200" b="0" i="0" u="none" strike="noStrike" dirty="0">
               <a:solidFill>
                 <a:srgbClr val="000000"/>
               </a:solidFill>
               <a:effectLst/>
-              <a:latin typeface="Calibri" panose="020F0502020204030204" pitchFamily="34" charset="0"/>
+              <a:latin typeface="Proxima Nova" panose="020B0604020202020204" charset="0"/>
             </a:endParaRPr>
           </a:p>
           <a:p>
-            <a:pPr marL="158750" indent="0">
+            <a:pPr marL="158750" indent="0" rtl="0">
+              <a:spcBef>
+                <a:spcPts val="0"/>
+              </a:spcBef>
+              <a:spcAft>
+                <a:spcPts val="800"/>
+              </a:spcAft>
               <a:buNone/>
             </a:pPr>
             <a:r>
-              <a:rPr lang="en-US" sz="1800" b="0" i="0" u="none" strike="noStrike" dirty="0">
+              <a:rPr lang="en-US" sz="1200" b="0" i="0" u="none" strike="noStrike" dirty="0">
                 <a:solidFill>
                   <a:srgbClr val="000000"/>
                 </a:solidFill>
                 <a:effectLst/>
-                <a:latin typeface="Calibri" panose="020F0502020204030204" pitchFamily="34" charset="0"/>
+                <a:latin typeface="Proxima Nova" panose="020B0604020202020204" charset="0"/>
               </a:rPr>
-              <a:t>They SAY that refactoring makes the code testable and reduces future bugs, but that is a change. Is it worth making that first change??</a:t>
-            </a:r>
-          </a:p>
-          <a:p>
-            <a:pPr marL="158750" indent="0">
+              <a:t>Call a meeting and we work on it together.</a:t>
+            </a:r>
+          </a:p>
+          <a:p>
+            <a:pPr marL="158750" indent="0" rtl="0">
+              <a:spcBef>
+                <a:spcPts val="0"/>
+              </a:spcBef>
+              <a:spcAft>
+                <a:spcPts val="800"/>
+              </a:spcAft>
               <a:buNone/>
             </a:pPr>
-            <a:endParaRPr lang="en-US" sz="1800" b="0" i="0" u="none" strike="noStrike" dirty="0">
+            <a:endParaRPr lang="en-US" sz="1200" b="0" i="0" u="none" strike="noStrike" dirty="0">
               <a:solidFill>
                 <a:srgbClr val="000000"/>
               </a:solidFill>
               <a:effectLst/>
-              <a:latin typeface="Calibri" panose="020F0502020204030204" pitchFamily="34" charset="0"/>
+              <a:latin typeface="Proxima Nova" panose="020B0604020202020204" charset="0"/>
             </a:endParaRPr>
           </a:p>
           <a:p>
-            <a:pPr marL="158750" indent="0">
+            <a:pPr marL="158750" indent="0" rtl="0">
+              <a:spcBef>
+                <a:spcPts val="0"/>
+              </a:spcBef>
+              <a:spcAft>
+                <a:spcPts val="800"/>
+              </a:spcAft>
               <a:buNone/>
             </a:pPr>
             <a:r>
-              <a:rPr lang="en-US" sz="1800" b="0" i="0" u="none" strike="noStrike" dirty="0">
+              <a:rPr lang="en-US" sz="1200" b="0" i="0" u="none" strike="noStrike" dirty="0">
                 <a:solidFill>
                   <a:srgbClr val="000000"/>
                 </a:solidFill>
                 <a:effectLst/>
-                <a:latin typeface="Calibri" panose="020F0502020204030204" pitchFamily="34" charset="0"/>
+                <a:latin typeface="Proxima Nova" panose="020B0604020202020204" charset="0"/>
               </a:rPr>
-              <a:t>In other words, is it worth risking a bug now to reduce the risk of adding bugs when I add the feature later?</a:t>
-            </a:r>
-          </a:p>
-          <a:p>
-            <a:pPr marL="158750" indent="0">
+              <a:t>Achieve consensus (if very lucky).</a:t>
+            </a:r>
+          </a:p>
+          <a:p>
+            <a:pPr marL="158750" indent="0" rtl="0">
+              <a:spcBef>
+                <a:spcPts val="0"/>
+              </a:spcBef>
+              <a:spcAft>
+                <a:spcPts val="800"/>
+              </a:spcAft>
               <a:buNone/>
             </a:pPr>
-            <a:endParaRPr lang="en-US" dirty="0"/>
+            <a:endParaRPr lang="en-US" sz="1200" b="0" i="0" u="none" strike="noStrike" dirty="0">
+              <a:solidFill>
+                <a:srgbClr val="000000"/>
+              </a:solidFill>
+              <a:effectLst/>
+              <a:latin typeface="Proxima Nova" panose="020B0604020202020204" charset="0"/>
+            </a:endParaRPr>
+          </a:p>
+          <a:p>
+            <a:pPr marL="158750" indent="0" rtl="0">
+              <a:spcBef>
+                <a:spcPts val="0"/>
+              </a:spcBef>
+              <a:spcAft>
+                <a:spcPts val="800"/>
+              </a:spcAft>
+              <a:buNone/>
+            </a:pPr>
+            <a:r>
+              <a:rPr lang="en-US" sz="1200" b="0" i="0" u="none" strike="noStrike" dirty="0">
+                <a:solidFill>
+                  <a:srgbClr val="000000"/>
+                </a:solidFill>
+                <a:effectLst/>
+                <a:latin typeface="Proxima Nova" panose="020B0604020202020204" charset="0"/>
+              </a:rPr>
+              <a:t>Lock it back down to keep my illusion of control over the risk. </a:t>
+            </a:r>
+          </a:p>
+          <a:p>
+            <a:pPr marL="158750" indent="0" rtl="0">
+              <a:spcBef>
+                <a:spcPts val="0"/>
+              </a:spcBef>
+              <a:spcAft>
+                <a:spcPts val="800"/>
+              </a:spcAft>
+              <a:buNone/>
+            </a:pPr>
+            <a:endParaRPr lang="en-US" sz="1200" b="0" i="0" u="none" strike="noStrike" dirty="0">
+              <a:solidFill>
+                <a:srgbClr val="000000"/>
+              </a:solidFill>
+              <a:effectLst/>
+              <a:latin typeface="Proxima Nova" panose="020B0604020202020204" charset="0"/>
+            </a:endParaRPr>
+          </a:p>
+          <a:p>
+            <a:pPr marL="158750" indent="0" rtl="0">
+              <a:spcBef>
+                <a:spcPts val="0"/>
+              </a:spcBef>
+              <a:spcAft>
+                <a:spcPts val="800"/>
+              </a:spcAft>
+              <a:buNone/>
+            </a:pPr>
+            <a:r>
+              <a:rPr lang="en-US" sz="1200" b="0" i="0" u="none" strike="noStrike" dirty="0">
+                <a:solidFill>
+                  <a:srgbClr val="000000"/>
+                </a:solidFill>
+                <a:effectLst/>
+                <a:latin typeface="Proxima Nova" panose="020B0604020202020204" charset="0"/>
+              </a:rPr>
+              <a:t>Expensive. Painful. Last resort. Like I said, we’ll do anything to avoid a cycle of panic. </a:t>
+            </a:r>
+            <a:endParaRPr lang="en-US" sz="1200" dirty="0">
+              <a:latin typeface="Proxima Nova" panose="020B0604020202020204" charset="0"/>
+            </a:endParaRPr>
           </a:p>
         </p:txBody>
       </p:sp>
     </p:spTree>
     <p:extLst>
       <p:ext uri="{BB962C8B-B14F-4D97-AF65-F5344CB8AC3E}">
-        <p14:creationId xmlns:p14="http://schemas.microsoft.com/office/powerpoint/2010/main" val="4131450896"/>
+        <p14:creationId xmlns:p14="http://schemas.microsoft.com/office/powerpoint/2010/main" val="3554091416"/>
       </p:ext>
     </p:extLst>
   </p:cSld>
@@ -3694,26 +3651,26 @@
               <a:buNone/>
             </a:pPr>
             <a:r>
-              <a:rPr lang="en-US" sz="1800" b="0" i="0" u="none" strike="noStrike" dirty="0">
+              <a:rPr lang="en-US" sz="1200" b="0" i="0" u="none" strike="noStrike" dirty="0">
                 <a:solidFill>
                   <a:srgbClr val="000000"/>
                 </a:solidFill>
                 <a:effectLst/>
-                <a:latin typeface="Calibri" panose="020F0502020204030204" pitchFamily="34" charset="0"/>
+                <a:latin typeface="Proxima Nova" panose="020B0604020202020204" charset="0"/>
               </a:rPr>
-              <a:t>Let’s say that my PDF is one of 50 nearly identical contracts we use worldwide. </a:t>
+              <a:t>The obvious solution is to make our code testable so every detail doesn’t need controlled. [CLICK]</a:t>
             </a:r>
           </a:p>
           <a:p>
             <a:pPr marL="158750" indent="0">
               <a:buNone/>
             </a:pPr>
-            <a:endParaRPr lang="en-US" sz="1800" b="0" i="0" u="none" strike="noStrike" dirty="0">
+            <a:endParaRPr lang="en-US" sz="1200" b="0" i="0" u="none" strike="noStrike" dirty="0">
               <a:solidFill>
                 <a:srgbClr val="000000"/>
               </a:solidFill>
               <a:effectLst/>
-              <a:latin typeface="Calibri" panose="020F0502020204030204" pitchFamily="34" charset="0"/>
+              <a:latin typeface="Proxima Nova" panose="020B0604020202020204" charset="0"/>
             </a:endParaRPr>
           </a:p>
           <a:p>
@@ -3721,43 +3678,84 @@
               <a:buNone/>
             </a:pPr>
             <a:r>
-              <a:rPr lang="en-US" sz="1800" b="0" i="0" u="none" strike="noStrike" dirty="0">
+              <a:rPr lang="en-US" sz="1200" b="0" i="0" u="none" strike="noStrike" dirty="0">
                 <a:solidFill>
                   <a:srgbClr val="000000"/>
                 </a:solidFill>
                 <a:effectLst/>
-                <a:latin typeface="Calibri" panose="020F0502020204030204" pitchFamily="34" charset="0"/>
+                <a:latin typeface="Proxima Nova" panose="020B0604020202020204" charset="0"/>
               </a:rPr>
-              <a:t>The contracts reference “</a:t>
-            </a:r>
-            <a:r>
-              <a:rPr lang="en-US" sz="1800" b="0" i="0" u="none" strike="noStrike" dirty="0" err="1">
+              <a:t>They SAY that refactoring makes the code testable and reduces future bugs! [CLICK]</a:t>
+            </a:r>
+          </a:p>
+          <a:p>
+            <a:pPr marL="158750" indent="0">
+              <a:buNone/>
+            </a:pPr>
+            <a:endParaRPr lang="en-US" sz="1200" b="0" i="0" u="none" strike="noStrike" dirty="0">
+              <a:solidFill>
+                <a:srgbClr val="000000"/>
+              </a:solidFill>
+              <a:effectLst/>
+              <a:latin typeface="Proxima Nova" panose="020B0604020202020204" charset="0"/>
+            </a:endParaRPr>
+          </a:p>
+          <a:p>
+            <a:pPr marL="158750" indent="0">
+              <a:buNone/>
+            </a:pPr>
+            <a:r>
+              <a:rPr lang="en-US" sz="1200" b="0" i="0" u="none" strike="noStrike" dirty="0">
                 <a:solidFill>
                   <a:srgbClr val="000000"/>
                 </a:solidFill>
                 <a:effectLst/>
-                <a:latin typeface="Calibri" panose="020F0502020204030204" pitchFamily="34" charset="0"/>
+                <a:latin typeface="Proxima Nova" panose="020B0604020202020204" charset="0"/>
               </a:rPr>
-              <a:t>licences</a:t>
-            </a:r>
-            <a:r>
-              <a:rPr lang="en-US" sz="1800" b="0" i="0" u="none" strike="noStrike" dirty="0">
+              <a:t>BUT that is a change. Is it worth making that first change?? [CLICK]</a:t>
+            </a:r>
+          </a:p>
+          <a:p>
+            <a:pPr marL="158750" indent="0">
+              <a:buNone/>
+            </a:pPr>
+            <a:endParaRPr lang="en-US" sz="1200" b="0" i="0" u="none" strike="noStrike" dirty="0">
+              <a:solidFill>
+                <a:srgbClr val="000000"/>
+              </a:solidFill>
+              <a:effectLst/>
+              <a:latin typeface="Proxima Nova" panose="020B0604020202020204" charset="0"/>
+            </a:endParaRPr>
+          </a:p>
+          <a:p>
+            <a:pPr marL="158750" indent="0">
+              <a:buNone/>
+            </a:pPr>
+            <a:r>
+              <a:rPr lang="en-US" sz="1200" b="0" i="0" u="none" strike="noStrike" dirty="0">
                 <a:solidFill>
                   <a:srgbClr val="000000"/>
                 </a:solidFill>
                 <a:effectLst/>
-                <a:latin typeface="Calibri" panose="020F0502020204030204" pitchFamily="34" charset="0"/>
+                <a:latin typeface="Proxima Nova" panose="020B0604020202020204" charset="0"/>
               </a:rPr>
-              <a:t>”, but using that term adds legal responsibilities in the EU, so it adds a risk of lawsuit. The fix is to change all contracts to reference “access grants” because it doesn’t have any specific legal meaning. Is it worth the risk to change all the contracts to avoid future lawsuits? Or is it better to leave it working as is and hope the lawsuit never shows up.</a:t>
-            </a:r>
-            <a:endParaRPr lang="en-US" dirty="0"/>
+              <a:t>In other words, is it worth risking a bug now to reduce the risk of adding bugs when I add the feature later?</a:t>
+            </a:r>
+          </a:p>
+          <a:p>
+            <a:pPr marL="158750" indent="0">
+              <a:buNone/>
+            </a:pPr>
+            <a:endParaRPr lang="en-US" sz="1200" dirty="0">
+              <a:latin typeface="Proxima Nova" panose="020B0604020202020204" charset="0"/>
+            </a:endParaRPr>
           </a:p>
         </p:txBody>
       </p:sp>
     </p:spTree>
     <p:extLst>
       <p:ext uri="{BB962C8B-B14F-4D97-AF65-F5344CB8AC3E}">
-        <p14:creationId xmlns:p14="http://schemas.microsoft.com/office/powerpoint/2010/main" val="916388048"/>
+        <p14:creationId xmlns:p14="http://schemas.microsoft.com/office/powerpoint/2010/main" val="1216793659"/>
       </p:ext>
     </p:extLst>
   </p:cSld>
@@ -3816,84 +3814,157 @@
           <a:bodyPr/>
           <a:lstStyle/>
           <a:p>
-            <a:pPr marL="250190" marR="548640" indent="0" algn="l" rtl="0">
-              <a:spcBef>
-                <a:spcPts val="1800"/>
-              </a:spcBef>
-              <a:spcAft>
-                <a:spcPts val="1800"/>
-              </a:spcAft>
+            <a:pPr marL="158750" indent="0">
               <a:buNone/>
             </a:pPr>
             <a:r>
-              <a:rPr lang="en-US" sz="1800" b="0" i="0" u="none" strike="noStrike" dirty="0">
+              <a:rPr lang="en-US" sz="1200" b="0" i="0" u="none" strike="noStrike" dirty="0">
                 <a:solidFill>
-                  <a:srgbClr val="4472C4"/>
+                  <a:srgbClr val="000000"/>
                 </a:solidFill>
                 <a:effectLst/>
-                <a:latin typeface="Calibri" panose="020F0502020204030204" pitchFamily="34" charset="0"/>
+                <a:latin typeface="Proxima Nova" panose="020B0604020202020204" charset="0"/>
               </a:rPr>
-              <a:t>Many orgs will accept the exposure because change is an </a:t>
-            </a:r>
-            <a:r>
-              <a:rPr lang="en-US" sz="1800" b="1" i="0" u="none" strike="noStrike" dirty="0">
+              <a:t>Let’s say that my PDF is one of 50 nearly identical contracts we use worldwide. </a:t>
+            </a:r>
+          </a:p>
+          <a:p>
+            <a:pPr marL="158750" indent="0">
+              <a:buNone/>
+            </a:pPr>
+            <a:endParaRPr lang="en-US" sz="1200" b="0" i="0" u="none" strike="noStrike" dirty="0">
+              <a:solidFill>
+                <a:srgbClr val="000000"/>
+              </a:solidFill>
+              <a:effectLst/>
+              <a:latin typeface="Proxima Nova" panose="020B0604020202020204" charset="0"/>
+            </a:endParaRPr>
+          </a:p>
+          <a:p>
+            <a:pPr marL="158750" indent="0">
+              <a:buNone/>
+            </a:pPr>
+            <a:r>
+              <a:rPr lang="en-US" sz="1200" b="0" i="0" u="none" strike="noStrike" dirty="0">
                 <a:solidFill>
-                  <a:srgbClr val="4472C4"/>
+                  <a:srgbClr val="000000"/>
                 </a:solidFill>
                 <a:effectLst/>
-                <a:latin typeface="Calibri" panose="020F0502020204030204" pitchFamily="34" charset="0"/>
+                <a:latin typeface="Proxima Nova" panose="020B0604020202020204" charset="0"/>
               </a:rPr>
-              <a:t>unknown</a:t>
-            </a:r>
-            <a:r>
-              <a:rPr lang="en-US" sz="1800" b="0" i="0" u="none" strike="noStrike" dirty="0">
+              <a:t>[CLICK] The contracts reference “</a:t>
+            </a:r>
+            <a:r>
+              <a:rPr lang="en-US" sz="1200" b="0" i="0" u="none" strike="noStrike" dirty="0" err="1">
                 <a:solidFill>
-                  <a:srgbClr val="4472C4"/>
+                  <a:srgbClr val="000000"/>
                 </a:solidFill>
                 <a:effectLst/>
-                <a:latin typeface="Calibri" panose="020F0502020204030204" pitchFamily="34" charset="0"/>
+                <a:latin typeface="Proxima Nova" panose="020B0604020202020204" charset="0"/>
               </a:rPr>
-              <a:t> risk. They don’t know what else gets changed in the contract if they simply switch out the terms. And to bring it right into the world of every tired tech lead’s nightmare, the org doesn’t know which customer depends on that exact language.</a:t>
-            </a:r>
-            <a:br>
-              <a:rPr lang="en-US" sz="1800" b="0" i="0" u="none" strike="noStrike" dirty="0">
+              <a:t>licences</a:t>
+            </a:r>
+            <a:r>
+              <a:rPr lang="en-US" sz="1200" b="0" i="0" u="none" strike="noStrike" dirty="0">
                 <a:solidFill>
-                  <a:srgbClr val="4472C4"/>
+                  <a:srgbClr val="000000"/>
                 </a:solidFill>
                 <a:effectLst/>
-                <a:latin typeface="Calibri" panose="020F0502020204030204" pitchFamily="34" charset="0"/>
+                <a:latin typeface="Proxima Nova" panose="020B0604020202020204" charset="0"/>
               </a:rPr>
-            </a:br>
-            <a:br>
-              <a:rPr lang="en-US" sz="1800" b="0" i="0" u="none" strike="noStrike" dirty="0">
+              <a:t>”.</a:t>
+            </a:r>
+          </a:p>
+          <a:p>
+            <a:pPr marL="158750" indent="0">
+              <a:buNone/>
+            </a:pPr>
+            <a:endParaRPr lang="en-US" sz="1200" b="0" i="0" u="none" strike="noStrike" dirty="0">
+              <a:solidFill>
+                <a:srgbClr val="000000"/>
+              </a:solidFill>
+              <a:effectLst/>
+              <a:latin typeface="Proxima Nova" panose="020B0604020202020204" charset="0"/>
+            </a:endParaRPr>
+          </a:p>
+          <a:p>
+            <a:pPr marL="158750" indent="0">
+              <a:buNone/>
+            </a:pPr>
+            <a:r>
+              <a:rPr lang="en-US" sz="1200" b="0" i="0" u="none" strike="noStrike" dirty="0">
                 <a:solidFill>
-                  <a:srgbClr val="4472C4"/>
+                  <a:srgbClr val="000000"/>
                 </a:solidFill>
                 <a:effectLst/>
-                <a:latin typeface="Calibri" panose="020F0502020204030204" pitchFamily="34" charset="0"/>
+                <a:latin typeface="Proxima Nova" panose="020B0604020202020204" charset="0"/>
               </a:rPr>
-            </a:br>
-            <a:r>
-              <a:rPr lang="en-US" sz="1800" b="0" i="0" u="none" strike="noStrike" dirty="0">
+              <a:t>[CLICK] But using that term adds legal responsibilities in the EU, so it adds a risk of lawsuit. </a:t>
+            </a:r>
+          </a:p>
+          <a:p>
+            <a:pPr marL="158750" indent="0">
+              <a:buNone/>
+            </a:pPr>
+            <a:endParaRPr lang="en-US" sz="1200" b="0" i="0" u="none" strike="noStrike" dirty="0">
+              <a:solidFill>
+                <a:srgbClr val="000000"/>
+              </a:solidFill>
+              <a:effectLst/>
+              <a:latin typeface="Proxima Nova" panose="020B0604020202020204" charset="0"/>
+            </a:endParaRPr>
+          </a:p>
+          <a:p>
+            <a:pPr marL="158750" indent="0">
+              <a:buNone/>
+            </a:pPr>
+            <a:r>
+              <a:rPr lang="en-US" sz="1200" b="0" i="0" u="none" strike="noStrike" dirty="0">
                 <a:solidFill>
-                  <a:srgbClr val="4472C4"/>
+                  <a:srgbClr val="000000"/>
                 </a:solidFill>
                 <a:effectLst/>
-                <a:latin typeface="Calibri" panose="020F0502020204030204" pitchFamily="34" charset="0"/>
+                <a:latin typeface="Proxima Nova" panose="020B0604020202020204" charset="0"/>
               </a:rPr>
-              <a:t>So it’s our job to reduce that risk and to make the risk knowable.</a:t>
-            </a:r>
-            <a:br>
-              <a:rPr lang="en-US" i="0" dirty="0"/>
-            </a:br>
-            <a:endParaRPr lang="en-US" i="0" dirty="0"/>
+              <a:t>[CLICK] The fix is to change all contracts to reference “access grants” because it doesn’t have any specific legal meaning. </a:t>
+            </a:r>
+          </a:p>
+          <a:p>
+            <a:pPr marL="158750" indent="0">
+              <a:buNone/>
+            </a:pPr>
+            <a:endParaRPr lang="en-US" sz="1200" b="0" i="0" u="none" strike="noStrike" dirty="0">
+              <a:solidFill>
+                <a:srgbClr val="000000"/>
+              </a:solidFill>
+              <a:effectLst/>
+              <a:latin typeface="Proxima Nova" panose="020B0604020202020204" charset="0"/>
+            </a:endParaRPr>
+          </a:p>
+          <a:p>
+            <a:pPr marL="158750" indent="0">
+              <a:buNone/>
+            </a:pPr>
+            <a:r>
+              <a:rPr lang="en-US" sz="1200" b="0" i="0" u="none" strike="noStrike" dirty="0">
+                <a:solidFill>
+                  <a:srgbClr val="000000"/>
+                </a:solidFill>
+                <a:effectLst/>
+                <a:latin typeface="Proxima Nova" panose="020B0604020202020204" charset="0"/>
+              </a:rPr>
+              <a:t>[CLICK] Is it worth the risk to change all the contracts to avoid future lawsuits? Or is it better to leave it working as is and hope the lawsuit never shows up?</a:t>
+            </a:r>
+            <a:endParaRPr lang="en-US" sz="1200" dirty="0">
+              <a:latin typeface="Proxima Nova" panose="020B0604020202020204" charset="0"/>
+            </a:endParaRPr>
           </a:p>
         </p:txBody>
       </p:sp>
     </p:spTree>
     <p:extLst>
       <p:ext uri="{BB962C8B-B14F-4D97-AF65-F5344CB8AC3E}">
-        <p14:creationId xmlns:p14="http://schemas.microsoft.com/office/powerpoint/2010/main" val="1123980039"/>
+        <p14:creationId xmlns:p14="http://schemas.microsoft.com/office/powerpoint/2010/main" val="1317795166"/>
       </p:ext>
     </p:extLst>
   </p:cSld>
@@ -3952,47 +4023,284 @@
           <a:bodyPr/>
           <a:lstStyle/>
           <a:p>
-            <a:pPr marL="158750" indent="0">
+            <a:pPr marL="250190" marR="548640" indent="0" algn="l" rtl="0">
+              <a:spcBef>
+                <a:spcPts val="1800"/>
+              </a:spcBef>
+              <a:spcAft>
+                <a:spcPts val="1800"/>
+              </a:spcAft>
               <a:buNone/>
             </a:pPr>
             <a:r>
-              <a:rPr lang="en-US" dirty="0"/>
-              <a:t>This has been a problem that has been solved since the 80s … refactoring that doesn’t change behavior, automated tests, and tools. But change causing risk is still showing up as a problem.</a:t>
-            </a:r>
-          </a:p>
-          <a:p>
-            <a:pPr marL="158750" indent="0">
+              <a:rPr lang="en-US" sz="1200" b="0" i="0" u="none" strike="noStrike" dirty="0">
+                <a:solidFill>
+                  <a:srgbClr val="4472C4"/>
+                </a:solidFill>
+                <a:effectLst/>
+                <a:latin typeface="Proxima Nova" panose="020B0604020202020204" charset="0"/>
+              </a:rPr>
+              <a:t>So we have this exposure. We know what it is. </a:t>
+            </a:r>
+          </a:p>
+          <a:p>
+            <a:pPr marL="250190" marR="548640" indent="0" algn="l" rtl="0">
+              <a:spcBef>
+                <a:spcPts val="1800"/>
+              </a:spcBef>
+              <a:spcAft>
+                <a:spcPts val="1800"/>
+              </a:spcAft>
               <a:buNone/>
             </a:pPr>
-            <a:endParaRPr lang="en-US" dirty="0"/>
-          </a:p>
-          <a:p>
-            <a:pPr marL="158750" indent="0">
+            <a:endParaRPr lang="en-US" sz="1200" b="0" i="0" u="none" strike="noStrike" dirty="0">
+              <a:solidFill>
+                <a:srgbClr val="4472C4"/>
+              </a:solidFill>
+              <a:effectLst/>
+              <a:latin typeface="Proxima Nova" panose="020B0604020202020204" charset="0"/>
+            </a:endParaRPr>
+          </a:p>
+          <a:p>
+            <a:pPr marL="250190" marR="548640" indent="0" algn="l" rtl="0">
+              <a:spcBef>
+                <a:spcPts val="1800"/>
+              </a:spcBef>
+              <a:spcAft>
+                <a:spcPts val="1800"/>
+              </a:spcAft>
               <a:buNone/>
             </a:pPr>
             <a:r>
-              <a:rPr lang="en-US" dirty="0"/>
-              <a:t>I’m adding one more … system empathy.</a:t>
-            </a:r>
-          </a:p>
-          <a:p>
-            <a:pPr marL="158750" indent="0">
+              <a:rPr lang="en-US" sz="1200" b="0" i="0" u="none" strike="noStrike" dirty="0">
+                <a:solidFill>
+                  <a:srgbClr val="4472C4"/>
+                </a:solidFill>
+                <a:effectLst/>
+                <a:latin typeface="Proxima Nova" panose="020B0604020202020204" charset="0"/>
+              </a:rPr>
+              <a:t>[CLICK] We </a:t>
+            </a:r>
+            <a:r>
+              <a:rPr lang="en-US" sz="1200" b="0" i="1" u="none" strike="noStrike" dirty="0">
+                <a:solidFill>
+                  <a:srgbClr val="4472C4"/>
+                </a:solidFill>
+                <a:effectLst/>
+                <a:latin typeface="Proxima Nova" panose="020B0604020202020204" charset="0"/>
+              </a:rPr>
+              <a:t>could</a:t>
+            </a:r>
+            <a:r>
+              <a:rPr lang="en-US" sz="1200" b="0" i="0" u="none" strike="noStrike" dirty="0">
+                <a:solidFill>
+                  <a:srgbClr val="4472C4"/>
+                </a:solidFill>
+                <a:effectLst/>
+                <a:latin typeface="Proxima Nova" panose="020B0604020202020204" charset="0"/>
+              </a:rPr>
+              <a:t> fix it by adding “access grants] to the contracts … it </a:t>
+            </a:r>
+            <a:r>
+              <a:rPr lang="en-US" sz="1200" b="0" i="1" u="none" strike="noStrike" dirty="0">
+                <a:solidFill>
+                  <a:srgbClr val="4472C4"/>
+                </a:solidFill>
+                <a:effectLst/>
+                <a:latin typeface="Proxima Nova" panose="020B0604020202020204" charset="0"/>
+              </a:rPr>
+              <a:t>should</a:t>
+            </a:r>
+            <a:r>
+              <a:rPr lang="en-US" sz="1200" b="0" i="0" u="none" strike="noStrike" dirty="0">
+                <a:solidFill>
+                  <a:srgbClr val="4472C4"/>
+                </a:solidFill>
+                <a:effectLst/>
+                <a:latin typeface="Proxima Nova" panose="020B0604020202020204" charset="0"/>
+              </a:rPr>
+              <a:t> fix it….</a:t>
+            </a:r>
+          </a:p>
+          <a:p>
+            <a:pPr marL="250190" marR="548640" indent="0" algn="l" rtl="0">
+              <a:spcBef>
+                <a:spcPts val="1800"/>
+              </a:spcBef>
+              <a:spcAft>
+                <a:spcPts val="1800"/>
+              </a:spcAft>
               <a:buNone/>
             </a:pPr>
-            <a:endParaRPr lang="en-US" dirty="0"/>
-          </a:p>
-          <a:p>
-            <a:pPr marL="158750" indent="0">
+            <a:endParaRPr lang="en-US" sz="1200" b="0" i="0" u="none" strike="noStrike" dirty="0">
+              <a:solidFill>
+                <a:srgbClr val="4472C4"/>
+              </a:solidFill>
+              <a:effectLst/>
+              <a:latin typeface="Proxima Nova" panose="020B0604020202020204" charset="0"/>
+            </a:endParaRPr>
+          </a:p>
+          <a:p>
+            <a:pPr marL="250190" marR="548640" indent="0" algn="l" rtl="0">
+              <a:spcBef>
+                <a:spcPts val="1800"/>
+              </a:spcBef>
+              <a:spcAft>
+                <a:spcPts val="1800"/>
+              </a:spcAft>
               <a:buNone/>
             </a:pPr>
-            <a:endParaRPr lang="en-US" dirty="0"/>
+            <a:r>
+              <a:rPr lang="en-US" sz="1200" b="0" i="0" u="none" strike="noStrike" dirty="0">
+                <a:solidFill>
+                  <a:srgbClr val="4472C4"/>
+                </a:solidFill>
+                <a:effectLst/>
+                <a:latin typeface="Proxima Nova" panose="020B0604020202020204" charset="0"/>
+              </a:rPr>
+              <a:t>[CLICK] But now we have an </a:t>
+            </a:r>
+            <a:r>
+              <a:rPr lang="en-US" sz="1200" b="1" i="0" u="none" strike="noStrike" dirty="0">
+                <a:solidFill>
+                  <a:srgbClr val="4472C4"/>
+                </a:solidFill>
+                <a:effectLst/>
+                <a:latin typeface="Proxima Nova" panose="020B0604020202020204" charset="0"/>
+              </a:rPr>
+              <a:t>unknown</a:t>
+            </a:r>
+            <a:r>
+              <a:rPr lang="en-US" sz="1200" b="0" i="0" u="none" strike="noStrike" dirty="0">
+                <a:solidFill>
+                  <a:srgbClr val="4472C4"/>
+                </a:solidFill>
+                <a:effectLst/>
+                <a:latin typeface="Proxima Nova" panose="020B0604020202020204" charset="0"/>
+              </a:rPr>
+              <a:t> risk. They don’t know what else gets changed in the contract if they simply switch out the terms. </a:t>
+            </a:r>
+          </a:p>
+          <a:p>
+            <a:pPr marL="250190" marR="548640" indent="0" algn="l" rtl="0">
+              <a:spcBef>
+                <a:spcPts val="1800"/>
+              </a:spcBef>
+              <a:spcAft>
+                <a:spcPts val="1800"/>
+              </a:spcAft>
+              <a:buNone/>
+            </a:pPr>
+            <a:endParaRPr lang="en-US" sz="1200" b="0" i="0" u="none" strike="noStrike" dirty="0">
+              <a:solidFill>
+                <a:srgbClr val="4472C4"/>
+              </a:solidFill>
+              <a:effectLst/>
+              <a:latin typeface="Proxima Nova" panose="020B0604020202020204" charset="0"/>
+            </a:endParaRPr>
+          </a:p>
+          <a:p>
+            <a:pPr marL="250190" marR="548640" indent="0" algn="l" rtl="0">
+              <a:spcBef>
+                <a:spcPts val="1800"/>
+              </a:spcBef>
+              <a:spcAft>
+                <a:spcPts val="1800"/>
+              </a:spcAft>
+              <a:buNone/>
+            </a:pPr>
+            <a:r>
+              <a:rPr lang="en-US" sz="1200" b="0" i="0" u="none" strike="noStrike" dirty="0">
+                <a:solidFill>
+                  <a:srgbClr val="4472C4"/>
+                </a:solidFill>
+                <a:effectLst/>
+                <a:latin typeface="Proxima Nova" panose="020B0604020202020204" charset="0"/>
+              </a:rPr>
+              <a:t>And to bring it right into the world of every tired tech lead’s nightmare, the org doesn’t know which customer depends on that exact language.</a:t>
+            </a:r>
+            <a:br>
+              <a:rPr lang="en-US" sz="1200" b="0" i="0" u="none" strike="noStrike" dirty="0">
+                <a:solidFill>
+                  <a:srgbClr val="4472C4"/>
+                </a:solidFill>
+                <a:effectLst/>
+                <a:latin typeface="Proxima Nova" panose="020B0604020202020204" charset="0"/>
+              </a:rPr>
+            </a:br>
+            <a:br>
+              <a:rPr lang="en-US" sz="1200" b="0" i="0" u="none" strike="noStrike" dirty="0">
+                <a:solidFill>
+                  <a:srgbClr val="4472C4"/>
+                </a:solidFill>
+                <a:effectLst/>
+                <a:latin typeface="Proxima Nova" panose="020B0604020202020204" charset="0"/>
+              </a:rPr>
+            </a:br>
+            <a:r>
+              <a:rPr lang="en-US" sz="1200" b="0" i="0" u="none" strike="noStrike" dirty="0">
+                <a:solidFill>
+                  <a:srgbClr val="4472C4"/>
+                </a:solidFill>
+                <a:effectLst/>
+                <a:latin typeface="Proxima Nova" panose="020B0604020202020204" charset="0"/>
+              </a:rPr>
+              <a:t>[CLICK] So every manager who values their job is going to accept known risk.</a:t>
+            </a:r>
+          </a:p>
+          <a:p>
+            <a:pPr marL="250190" marR="548640" indent="0" algn="l" rtl="0">
+              <a:spcBef>
+                <a:spcPts val="1800"/>
+              </a:spcBef>
+              <a:spcAft>
+                <a:spcPts val="1800"/>
+              </a:spcAft>
+              <a:buNone/>
+            </a:pPr>
+            <a:endParaRPr lang="en-US" sz="1200" b="0" i="0" u="none" strike="noStrike" dirty="0">
+              <a:solidFill>
+                <a:srgbClr val="4472C4"/>
+              </a:solidFill>
+              <a:effectLst/>
+              <a:latin typeface="Proxima Nova" panose="020B0604020202020204" charset="0"/>
+            </a:endParaRPr>
+          </a:p>
+          <a:p>
+            <a:pPr marL="250190" marR="548640" indent="0" algn="l" rtl="0">
+              <a:spcBef>
+                <a:spcPts val="1800"/>
+              </a:spcBef>
+              <a:spcAft>
+                <a:spcPts val="1800"/>
+              </a:spcAft>
+              <a:buNone/>
+            </a:pPr>
+            <a:r>
+              <a:rPr lang="en-US" sz="1200" b="0" i="0" u="none" strike="noStrike" dirty="0">
+                <a:solidFill>
+                  <a:srgbClr val="4472C4"/>
+                </a:solidFill>
+                <a:effectLst/>
+                <a:latin typeface="Proxima Nova" panose="020B0604020202020204" charset="0"/>
+              </a:rPr>
+              <a:t>So it’s our to reduce that risk and to make the risk knowable.</a:t>
+            </a:r>
+            <a:br>
+              <a:rPr lang="en-US" sz="1200" i="0" dirty="0">
+                <a:latin typeface="Proxima Nova" panose="020B0604020202020204" charset="0"/>
+              </a:rPr>
+            </a:br>
+            <a:endParaRPr lang="en-US" sz="1200" i="0" dirty="0">
+              <a:latin typeface="Proxima Nova" panose="020B0604020202020204" charset="0"/>
+            </a:endParaRPr>
           </a:p>
         </p:txBody>
       </p:sp>
     </p:spTree>
     <p:extLst>
       <p:ext uri="{BB962C8B-B14F-4D97-AF65-F5344CB8AC3E}">
-        <p14:creationId xmlns:p14="http://schemas.microsoft.com/office/powerpoint/2010/main" val="52328827"/>
+        <p14:creationId xmlns:p14="http://schemas.microsoft.com/office/powerpoint/2010/main" val="3135708747"/>
       </p:ext>
     </p:extLst>
   </p:cSld>
@@ -4055,16 +4363,101 @@
               <a:buNone/>
             </a:pPr>
             <a:r>
-              <a:rPr lang="en-US" dirty="0"/>
-              <a:t>When Arlo and I started working together to make Deep Roots, one of the more powerful effects I saw of his refactoring processes is the amount of system level empathy that was naturally involved. I’m going to give you a close look at it, through the lens of my brain.</a:t>
-            </a:r>
+              <a:rPr lang="en-US" sz="1200" dirty="0">
+                <a:latin typeface="Proxima Nova" panose="020B0604020202020204" charset="0"/>
+              </a:rPr>
+              <a:t>To be clear, </a:t>
+            </a:r>
+            <a:r>
+              <a:rPr lang="en-US" sz="1200" b="0" i="0" u="none" strike="noStrike" dirty="0">
+                <a:solidFill>
+                  <a:srgbClr val="4472C4"/>
+                </a:solidFill>
+                <a:effectLst/>
+                <a:latin typeface="Proxima Nova" panose="020B0604020202020204" charset="0"/>
+              </a:rPr>
+              <a:t>reducing risk and making the risk knowable has been solved since the 80s. </a:t>
+            </a:r>
+            <a:br>
+              <a:rPr lang="en-US" sz="1200" i="0" dirty="0">
+                <a:latin typeface="Proxima Nova" panose="020B0604020202020204" charset="0"/>
+              </a:rPr>
+            </a:br>
+            <a:endParaRPr lang="en-US" sz="1200" dirty="0">
+              <a:latin typeface="Proxima Nova" panose="020B0604020202020204" charset="0"/>
+            </a:endParaRPr>
+          </a:p>
+          <a:p>
+            <a:pPr marL="158750" indent="0">
+              <a:buNone/>
+            </a:pPr>
+            <a:r>
+              <a:rPr lang="en-US" sz="1200" dirty="0">
+                <a:latin typeface="Proxima Nova" panose="020B0604020202020204" charset="0"/>
+              </a:rPr>
+              <a:t>We have refactoring that doesn’t change behavior, automated tests, and tools. </a:t>
+            </a:r>
+          </a:p>
+          <a:p>
+            <a:pPr marL="158750" indent="0">
+              <a:buNone/>
+            </a:pPr>
+            <a:endParaRPr lang="en-US" sz="1200" dirty="0">
+              <a:latin typeface="Proxima Nova" panose="020B0604020202020204" charset="0"/>
+            </a:endParaRPr>
+          </a:p>
+          <a:p>
+            <a:pPr marL="158750" indent="0">
+              <a:buNone/>
+            </a:pPr>
+            <a:r>
+              <a:rPr lang="en-US" sz="1200" dirty="0">
+                <a:latin typeface="Proxima Nova" panose="020B0604020202020204" charset="0"/>
+              </a:rPr>
+              <a:t>However, change causing risk is still showing up as a problem.</a:t>
+            </a:r>
+          </a:p>
+          <a:p>
+            <a:pPr marL="158750" indent="0">
+              <a:buNone/>
+            </a:pPr>
+            <a:endParaRPr lang="en-US" sz="1200" dirty="0">
+              <a:latin typeface="Proxima Nova" panose="020B0604020202020204" charset="0"/>
+            </a:endParaRPr>
+          </a:p>
+          <a:p>
+            <a:pPr marL="158750" indent="0">
+              <a:buNone/>
+            </a:pPr>
+            <a:r>
+              <a:rPr lang="en-US" sz="1200" dirty="0">
+                <a:latin typeface="Proxima Nova" panose="020B0604020202020204" charset="0"/>
+              </a:rPr>
+              <a:t>I’m adding one more … system empathy.</a:t>
+            </a:r>
+          </a:p>
+          <a:p>
+            <a:pPr marL="158750" indent="0">
+              <a:buNone/>
+            </a:pPr>
+            <a:endParaRPr lang="en-US" sz="1200" dirty="0">
+              <a:latin typeface="Proxima Nova" panose="020B0604020202020204" charset="0"/>
+            </a:endParaRPr>
+          </a:p>
+          <a:p>
+            <a:pPr marL="158750" indent="0">
+              <a:buNone/>
+            </a:pPr>
+            <a:endParaRPr lang="en-US" sz="1200" dirty="0">
+              <a:latin typeface="Proxima Nova" panose="020B0604020202020204" charset="0"/>
+            </a:endParaRPr>
           </a:p>
         </p:txBody>
       </p:sp>
     </p:spTree>
     <p:extLst>
       <p:ext uri="{BB962C8B-B14F-4D97-AF65-F5344CB8AC3E}">
-        <p14:creationId xmlns:p14="http://schemas.microsoft.com/office/powerpoint/2010/main" val="2375273202"/>
+        <p14:creationId xmlns:p14="http://schemas.microsoft.com/office/powerpoint/2010/main" val="3901009369"/>
       </p:ext>
     </p:extLst>
   </p:cSld>
@@ -4127,8 +4520,10 @@
               <a:buNone/>
             </a:pPr>
             <a:r>
-              <a:rPr lang="en-US" dirty="0"/>
-              <a:t>This is the big picture of his Naming as a Process, one of the early processes that we teach at Deep Roots. Each naming stage makes the contract one increment more testable, giving trust to the names and dropping off hours of reading. </a:t>
+              <a:rPr lang="en-US" sz="1200" dirty="0">
+                <a:latin typeface="Proxima Nova" panose="020B0604020202020204" charset="0"/>
+              </a:rPr>
+              <a:t>When Arlo and I started working together to make Deep Roots, one of the more powerful effects I saw of his refactoring processes is the amount of system level empathy that was naturally involved. I’m going to give you a close look at it, through the lens of my brain.</a:t>
             </a:r>
           </a:p>
         </p:txBody>
@@ -4136,7 +4531,7 @@
     </p:spTree>
     <p:extLst>
       <p:ext uri="{BB962C8B-B14F-4D97-AF65-F5344CB8AC3E}">
-        <p14:creationId xmlns:p14="http://schemas.microsoft.com/office/powerpoint/2010/main" val="3300141315"/>
+        <p14:creationId xmlns:p14="http://schemas.microsoft.com/office/powerpoint/2010/main" val="3820425078"/>
       </p:ext>
     </p:extLst>
   </p:cSld>
@@ -4195,89 +4590,22 @@
           <a:bodyPr/>
           <a:lstStyle/>
           <a:p>
-            <a:pPr marL="158750" indent="0" rtl="0">
-              <a:spcBef>
-                <a:spcPts val="0"/>
-              </a:spcBef>
-              <a:spcAft>
-                <a:spcPts val="0"/>
-              </a:spcAft>
+            <a:pPr marL="158750" indent="0">
               <a:buNone/>
             </a:pPr>
             <a:r>
-              <a:rPr lang="en-US" sz="1800" b="0" i="0" u="none" strike="noStrike" dirty="0">
-                <a:solidFill>
-                  <a:srgbClr val="000000"/>
-                </a:solidFill>
-                <a:effectLst/>
-                <a:latin typeface="Calibri" panose="020F0502020204030204" pitchFamily="34" charset="0"/>
+              <a:rPr lang="en-US" sz="1200" dirty="0">
+                <a:latin typeface="Proxima Nova" panose="020B0604020202020204" charset="0"/>
               </a:rPr>
-              <a:t>Here’s how Arlo’s explanation struck me. Not having put fingers to code before, it sounded like the contract migraines of my past life. </a:t>
-            </a:r>
-          </a:p>
-          <a:p>
-            <a:pPr marL="158750" indent="0" rtl="0">
-              <a:spcBef>
-                <a:spcPts val="0"/>
-              </a:spcBef>
-              <a:spcAft>
-                <a:spcPts val="0"/>
-              </a:spcAft>
-              <a:buNone/>
-            </a:pPr>
-            <a:endParaRPr lang="en-US" sz="1800" b="0" i="0" u="none" strike="noStrike" dirty="0">
-              <a:solidFill>
-                <a:srgbClr val="000000"/>
-              </a:solidFill>
-              <a:effectLst/>
-              <a:latin typeface="Calibri" panose="020F0502020204030204" pitchFamily="34" charset="0"/>
-            </a:endParaRPr>
-          </a:p>
-          <a:p>
-            <a:pPr marL="158750" indent="0" rtl="0">
-              <a:spcBef>
-                <a:spcPts val="0"/>
-              </a:spcBef>
-              <a:spcAft>
-                <a:spcPts val="0"/>
-              </a:spcAft>
-              <a:buNone/>
-            </a:pPr>
-            <a:r>
-              <a:rPr lang="en-US" sz="1800" b="0" i="0" u="none" strike="noStrike" dirty="0">
-                <a:solidFill>
-                  <a:srgbClr val="000000"/>
-                </a:solidFill>
-                <a:effectLst/>
-                <a:latin typeface="Calibri" panose="020F0502020204030204" pitchFamily="34" charset="0"/>
-              </a:rPr>
-              <a:t>How many of us, whether professionally or personally, have seen this wall of text for a contract? There are a slew of problems that make this high risk to change. </a:t>
-            </a:r>
-          </a:p>
-          <a:p>
-            <a:pPr marL="158750" indent="0" rtl="0">
-              <a:spcBef>
-                <a:spcPts val="0"/>
-              </a:spcBef>
-              <a:spcAft>
-                <a:spcPts val="0"/>
-              </a:spcAft>
-              <a:buNone/>
-            </a:pPr>
-            <a:endParaRPr lang="en-US" sz="1800" b="0" i="0" u="none" strike="noStrike" dirty="0">
-              <a:solidFill>
-                <a:srgbClr val="000000"/>
-              </a:solidFill>
-              <a:effectLst/>
-              <a:latin typeface="Calibri" panose="020F0502020204030204" pitchFamily="34" charset="0"/>
-            </a:endParaRPr>
+              <a:t>This is the big picture of his Naming as a Process, one of the early processes that we teach at Deep Roots. Each naming stage makes the contract one increment more testable, giving trust to the names and dropping off hours of reading. </a:t>
+            </a:r>
           </a:p>
         </p:txBody>
       </p:sp>
     </p:spTree>
     <p:extLst>
       <p:ext uri="{BB962C8B-B14F-4D97-AF65-F5344CB8AC3E}">
-        <p14:creationId xmlns:p14="http://schemas.microsoft.com/office/powerpoint/2010/main" val="3178265250"/>
+        <p14:creationId xmlns:p14="http://schemas.microsoft.com/office/powerpoint/2010/main" val="506510926"/>
       </p:ext>
     </p:extLst>
   </p:cSld>
@@ -4314,7 +4642,12 @@
             <p:ph type="sldImg"/>
           </p:nvPr>
         </p:nvSpPr>
-        <p:spPr/>
+        <p:spPr>
+          <a:xfrm>
+            <a:off x="330200" y="696913"/>
+            <a:ext cx="6197600" cy="3486150"/>
+          </a:xfrm>
+        </p:spPr>
       </p:sp>
       <p:sp>
         <p:nvSpPr>
@@ -4331,20 +4664,89 @@
           <a:bodyPr/>
           <a:lstStyle/>
           <a:p>
-            <a:pPr marL="158750" indent="0">
+            <a:pPr marL="158750" indent="0" rtl="0">
+              <a:spcBef>
+                <a:spcPts val="0"/>
+              </a:spcBef>
+              <a:spcAft>
+                <a:spcPts val="0"/>
+              </a:spcAft>
               <a:buNone/>
             </a:pPr>
             <a:r>
-              <a:rPr lang="en-US" dirty="0"/>
-              <a:t>So we are going to start the refactoring process. The starting point is that we see missing names. As we can see with this contract, there are officially missing names. Our goal is to get to the next stage: obvious nonsense.</a:t>
-            </a:r>
+              <a:rPr lang="en-US" sz="1200" b="0" i="0" u="none" strike="noStrike" dirty="0">
+                <a:solidFill>
+                  <a:srgbClr val="000000"/>
+                </a:solidFill>
+                <a:effectLst/>
+                <a:latin typeface="Proxima Nova" panose="020B0604020202020204" charset="0"/>
+              </a:rPr>
+              <a:t>Here’s how Arlo’s explanation struck me. Not having put fingers to code before, it sounded like the contract migraines of my past life. </a:t>
+            </a:r>
+          </a:p>
+          <a:p>
+            <a:pPr marL="158750" indent="0" rtl="0">
+              <a:spcBef>
+                <a:spcPts val="0"/>
+              </a:spcBef>
+              <a:spcAft>
+                <a:spcPts val="0"/>
+              </a:spcAft>
+              <a:buNone/>
+            </a:pPr>
+            <a:endParaRPr lang="en-US" sz="1200" b="0" i="0" u="none" strike="noStrike" dirty="0">
+              <a:solidFill>
+                <a:srgbClr val="000000"/>
+              </a:solidFill>
+              <a:effectLst/>
+              <a:latin typeface="Proxima Nova" panose="020B0604020202020204" charset="0"/>
+            </a:endParaRPr>
+          </a:p>
+          <a:p>
+            <a:pPr marL="158750" indent="0" rtl="0">
+              <a:spcBef>
+                <a:spcPts val="0"/>
+              </a:spcBef>
+              <a:spcAft>
+                <a:spcPts val="0"/>
+              </a:spcAft>
+              <a:buNone/>
+            </a:pPr>
+            <a:r>
+              <a:rPr lang="en-US" sz="1200" b="0" i="0" u="none" strike="noStrike" dirty="0">
+                <a:solidFill>
+                  <a:srgbClr val="000000"/>
+                </a:solidFill>
+                <a:effectLst/>
+                <a:latin typeface="Proxima Nova" panose="020B0604020202020204" charset="0"/>
+              </a:rPr>
+              <a:t>How many of us, whether professionally or personally, have seen this wall of text for a contract? There are a slew of problems that make this high risk to change. </a:t>
+            </a:r>
+          </a:p>
+          <a:p>
+            <a:pPr marL="158750" indent="0" rtl="0">
+              <a:spcBef>
+                <a:spcPts val="0"/>
+              </a:spcBef>
+              <a:spcAft>
+                <a:spcPts val="0"/>
+              </a:spcAft>
+              <a:buNone/>
+            </a:pPr>
+            <a:endParaRPr lang="en-US" sz="1200" b="0" i="0" u="none" strike="noStrike" dirty="0">
+              <a:solidFill>
+                <a:srgbClr val="000000"/>
+              </a:solidFill>
+              <a:effectLst/>
+              <a:latin typeface="Proxima Nova" panose="020B0604020202020204" charset="0"/>
+            </a:endParaRPr>
           </a:p>
         </p:txBody>
       </p:sp>
     </p:spTree>
     <p:extLst>
       <p:ext uri="{BB962C8B-B14F-4D97-AF65-F5344CB8AC3E}">
-        <p14:creationId xmlns:p14="http://schemas.microsoft.com/office/powerpoint/2010/main" val="3562128902"/>
+        <p14:creationId xmlns:p14="http://schemas.microsoft.com/office/powerpoint/2010/main" val="2974592430"/>
       </p:ext>
     </p:extLst>
   </p:cSld>
@@ -4402,53 +4804,10 @@
               <a:buNone/>
             </a:pPr>
             <a:r>
-              <a:rPr lang="en-US" dirty="0"/>
-              <a:t>Getting to Obvious Nonsense requires us to identify things that should be named but aren’t. We find one at a time, then do the Extract Definition refactoring. Extract Definition creates a name, and we use an obvious nonsense name.</a:t>
-            </a:r>
-          </a:p>
-          <a:p>
-            <a:pPr marL="158750" indent="0">
-              <a:buNone/>
-            </a:pPr>
-            <a:endParaRPr lang="en-US" dirty="0"/>
-          </a:p>
-          <a:p>
-            <a:pPr marL="158750" indent="0">
-              <a:buNone/>
-            </a:pPr>
-            <a:r>
-              <a:rPr lang="en-US" dirty="0"/>
-              <a:t>In this contract, we see the same text repeated 3 times. That seems like something that we should extract and name.</a:t>
-            </a:r>
-          </a:p>
-          <a:p>
-            <a:pPr marL="158750" indent="0">
-              <a:buNone/>
-            </a:pPr>
-            <a:endParaRPr lang="en-US" dirty="0"/>
-          </a:p>
-          <a:p>
-            <a:pPr marL="158750" indent="0">
-              <a:buNone/>
-            </a:pPr>
-            <a:r>
-              <a:rPr lang="en-US" dirty="0"/>
-              <a:t>Right now, we aren’t trying to get a good name – just to find the chunks that we will name later. So we extract it as Applesauce and move on.</a:t>
-            </a:r>
-          </a:p>
-          <a:p>
-            <a:pPr marL="158750" indent="0">
-              <a:buNone/>
-            </a:pPr>
-            <a:endParaRPr lang="en-US" dirty="0"/>
-          </a:p>
-          <a:p>
-            <a:pPr marL="158750" indent="0">
-              <a:buNone/>
-            </a:pPr>
-            <a:r>
-              <a:rPr lang="en-US" dirty="0"/>
-              <a:t>Just extracting Applesauce has reduced the size of the contract by half.</a:t>
+              <a:rPr lang="en-US" sz="1200" dirty="0">
+                <a:latin typeface="Proxima Nova" panose="020B0604020202020204" charset="0"/>
+              </a:rPr>
+              <a:t>So we are going to start the refactoring process. The starting point is that we see missing names. As we can see with this contract, there are officially missing names. Our goal is to get to the next stage: obvious nonsense.</a:t>
             </a:r>
           </a:p>
         </p:txBody>
@@ -4456,7 +4815,7 @@
     </p:spTree>
     <p:extLst>
       <p:ext uri="{BB962C8B-B14F-4D97-AF65-F5344CB8AC3E}">
-        <p14:creationId xmlns:p14="http://schemas.microsoft.com/office/powerpoint/2010/main" val="2944712140"/>
+        <p14:creationId xmlns:p14="http://schemas.microsoft.com/office/powerpoint/2010/main" val="433904628"/>
       </p:ext>
     </p:extLst>
   </p:cSld>
@@ -4493,12 +4852,7 @@
             <p:ph type="sldImg"/>
           </p:nvPr>
         </p:nvSpPr>
-        <p:spPr>
-          <a:xfrm>
-            <a:off x="330200" y="696913"/>
-            <a:ext cx="6197600" cy="3486150"/>
-          </a:xfrm>
-        </p:spPr>
+        <p:spPr/>
       </p:sp>
       <p:sp>
         <p:nvSpPr>
@@ -4518,98 +4872,29 @@
             <a:pPr marL="158750" indent="0">
               <a:buNone/>
             </a:pPr>
-            <a:endParaRPr lang="en-US" dirty="0"/>
-          </a:p>
-          <a:p>
-            <a:pPr marL="158750" indent="0">
-              <a:buNone/>
-            </a:pPr>
-            <a:r>
-              <a:rPr lang="en-US" sz="1800" b="0" i="1" u="none" strike="noStrike" dirty="0">
-                <a:solidFill>
-                  <a:srgbClr val="404040"/>
-                </a:solidFill>
-                <a:effectLst/>
-                <a:latin typeface="Calibri" panose="020F0502020204030204" pitchFamily="34" charset="0"/>
+            <a:r>
+              <a:rPr lang="en-US" sz="1200" dirty="0">
+                <a:latin typeface="Proxima Nova" panose="020B0604020202020204" charset="0"/>
               </a:rPr>
-              <a:t>We all know from our experience in companies that the business problem is what drives behavior. So something like empathy will only be used if convenient to the business problem. </a:t>
-            </a:r>
-            <a:r>
-              <a:rPr lang="en-US" sz="1800" b="1" i="1" u="none" strike="noStrike" dirty="0">
-                <a:solidFill>
-                  <a:srgbClr val="404040"/>
-                </a:solidFill>
-                <a:effectLst/>
-                <a:latin typeface="Calibri" panose="020F0502020204030204" pitchFamily="34" charset="0"/>
+              <a:t>Before getting started though, I wanted to let you know that all resources from this talk are in a webpage linked to this QR code. No worries right now, I’ll show it again at the end of the talk during the questions where you’ll have time to scan it. I just wanted to give you a heads up so that you can sit back and relax. Although, active tweeting is encouraged </a:t>
+            </a:r>
+            <a:r>
+              <a:rPr lang="en-US" sz="1200" dirty="0">
+                <a:latin typeface="Proxima Nova" panose="020B0604020202020204" charset="0"/>
+                <a:sym typeface="Wingdings" panose="05000000000000000000" pitchFamily="2" charset="2"/>
               </a:rPr>
-              <a:t>So let’s start with the business problem!</a:t>
-            </a:r>
-          </a:p>
-          <a:p>
-            <a:pPr marL="158750" indent="0">
-              <a:buNone/>
-            </a:pPr>
-            <a:endParaRPr lang="en-US" sz="1800" b="1" i="1" u="none" strike="noStrike" dirty="0">
-              <a:solidFill>
-                <a:srgbClr val="404040"/>
-              </a:solidFill>
-              <a:effectLst/>
-              <a:latin typeface="Calibri" panose="020F0502020204030204" pitchFamily="34" charset="0"/>
+              <a:t></a:t>
+            </a:r>
+            <a:endParaRPr lang="en-US" sz="1200" dirty="0">
+              <a:latin typeface="Proxima Nova" panose="020B0604020202020204" charset="0"/>
             </a:endParaRPr>
-          </a:p>
-          <a:p>
-            <a:pPr marL="158750" marR="0" lvl="0" indent="0" algn="l" defTabSz="914400" rtl="0" eaLnBrk="1" fontAlgn="auto" latinLnBrk="0" hangingPunct="1">
-              <a:lnSpc>
-                <a:spcPct val="100000"/>
-              </a:lnSpc>
-              <a:spcBef>
-                <a:spcPts val="0"/>
-              </a:spcBef>
-              <a:spcAft>
-                <a:spcPts val="0"/>
-              </a:spcAft>
-              <a:buClr>
-                <a:srgbClr val="000000"/>
-              </a:buClr>
-              <a:buSzPts val="1100"/>
-              <a:buFont typeface="Arial"/>
-              <a:buNone/>
-              <a:tabLst/>
-              <a:defRPr/>
-            </a:pPr>
-            <a:r>
-              <a:rPr lang="en-US" sz="1800" dirty="0"/>
-              <a:t>Productive = features, process</a:t>
-            </a:r>
-          </a:p>
-          <a:p>
-            <a:pPr marL="158750" marR="0" lvl="0" indent="0" algn="l" defTabSz="914400" rtl="0" eaLnBrk="1" fontAlgn="auto" latinLnBrk="0" hangingPunct="1">
-              <a:lnSpc>
-                <a:spcPct val="100000"/>
-              </a:lnSpc>
-              <a:spcBef>
-                <a:spcPts val="0"/>
-              </a:spcBef>
-              <a:spcAft>
-                <a:spcPts val="0"/>
-              </a:spcAft>
-              <a:buClr>
-                <a:srgbClr val="000000"/>
-              </a:buClr>
-              <a:buSzPts val="1100"/>
-              <a:buFont typeface="Arial"/>
-              <a:buNone/>
-              <a:tabLst/>
-              <a:defRPr/>
-            </a:pPr>
-            <a:endParaRPr lang="en-US" sz="1800" dirty="0"/>
           </a:p>
         </p:txBody>
       </p:sp>
     </p:spTree>
     <p:extLst>
       <p:ext uri="{BB962C8B-B14F-4D97-AF65-F5344CB8AC3E}">
-        <p14:creationId xmlns:p14="http://schemas.microsoft.com/office/powerpoint/2010/main" val="1299892664"/>
+        <p14:creationId xmlns:p14="http://schemas.microsoft.com/office/powerpoint/2010/main" val="3808926738"/>
       </p:ext>
     </p:extLst>
   </p:cSld>
@@ -4667,23 +4952,67 @@
               <a:buNone/>
             </a:pPr>
             <a:r>
-              <a:rPr lang="en-US" dirty="0"/>
-              <a:t>Sometimes the definition we extracted is still too complicated. In this case, we see a long list of nouns inside the definition for Applesauce.</a:t>
+              <a:rPr lang="en-US" sz="1200" dirty="0">
+                <a:latin typeface="Proxima Nova" panose="020B0604020202020204" charset="0"/>
+              </a:rPr>
+              <a:t>Getting to Obvious Nonsense requires us to identify things that should be named but aren’t. We find one at a time, then do the Extract Definition refactoring. Extract Definition creates a name, and we use an obvious nonsense name.</a:t>
             </a:r>
           </a:p>
           <a:p>
             <a:pPr marL="158750" indent="0">
               <a:buNone/>
             </a:pPr>
-            <a:endParaRPr lang="en-US" dirty="0"/>
+            <a:endParaRPr lang="en-US" sz="1200" dirty="0">
+              <a:latin typeface="Proxima Nova" panose="020B0604020202020204" charset="0"/>
+            </a:endParaRPr>
           </a:p>
           <a:p>
             <a:pPr marL="158750" indent="0">
               <a:buNone/>
             </a:pPr>
             <a:r>
-              <a:rPr lang="en-US" dirty="0"/>
-              <a:t>So we do the same Extract Definition to pull out all these nouns.</a:t>
+              <a:rPr lang="en-US" sz="1200" dirty="0">
+                <a:latin typeface="Proxima Nova" panose="020B0604020202020204" charset="0"/>
+              </a:rPr>
+              <a:t>In this contract, we see the same text repeated 3 times. That seems like something that we should extract and name. [CLICK]</a:t>
+            </a:r>
+          </a:p>
+          <a:p>
+            <a:pPr marL="158750" indent="0">
+              <a:buNone/>
+            </a:pPr>
+            <a:endParaRPr lang="en-US" sz="1200" dirty="0">
+              <a:latin typeface="Proxima Nova" panose="020B0604020202020204" charset="0"/>
+            </a:endParaRPr>
+          </a:p>
+          <a:p>
+            <a:pPr marL="158750" indent="0">
+              <a:buNone/>
+            </a:pPr>
+            <a:r>
+              <a:rPr lang="en-US" sz="1200" dirty="0">
+                <a:latin typeface="Proxima Nova" panose="020B0604020202020204" charset="0"/>
+              </a:rPr>
+              <a:t>Right now, we aren’t trying to get a good name – just to find the chunks that we will name later. So we extract it as Applesauce and move on. [CLICK]</a:t>
+            </a:r>
+          </a:p>
+          <a:p>
+            <a:pPr marL="158750" indent="0">
+              <a:buNone/>
+            </a:pPr>
+            <a:endParaRPr lang="en-US" sz="1200" dirty="0">
+              <a:latin typeface="Proxima Nova" panose="020B0604020202020204" charset="0"/>
+            </a:endParaRPr>
+          </a:p>
+          <a:p>
+            <a:pPr marL="158750" indent="0">
+              <a:buNone/>
+            </a:pPr>
+            <a:r>
+              <a:rPr lang="en-US" sz="1200" dirty="0">
+                <a:latin typeface="Proxima Nova" panose="020B0604020202020204" charset="0"/>
+              </a:rPr>
+              <a:t>Just extracting Applesauce has reduced the size of the contract by half.</a:t>
             </a:r>
           </a:p>
         </p:txBody>
@@ -4691,7 +5020,7 @@
     </p:spTree>
     <p:extLst>
       <p:ext uri="{BB962C8B-B14F-4D97-AF65-F5344CB8AC3E}">
-        <p14:creationId xmlns:p14="http://schemas.microsoft.com/office/powerpoint/2010/main" val="1210726615"/>
+        <p14:creationId xmlns:p14="http://schemas.microsoft.com/office/powerpoint/2010/main" val="1192024455"/>
       </p:ext>
     </p:extLst>
   </p:cSld>
@@ -4749,23 +5078,32 @@
               <a:buNone/>
             </a:pPr>
             <a:r>
-              <a:rPr lang="en-US" dirty="0"/>
-              <a:t>Repeating this many more times, we have not gotten to the Obvious Nonsense stage. Our contract is already much easier to read, even with nonsense names!</a:t>
+              <a:rPr lang="en-US" sz="1200" dirty="0">
+                <a:latin typeface="Proxima Nova" panose="020B0604020202020204" charset="0"/>
+                <a:cs typeface="Times New Roman" panose="02020603050405020304" pitchFamily="18" charset="0"/>
+              </a:rPr>
+              <a:t>Sometimes the definition we extracted is still too complicated. In this case, we see a long list of nouns inside the definition for Applesauce.</a:t>
             </a:r>
           </a:p>
           <a:p>
             <a:pPr marL="158750" indent="0">
               <a:buNone/>
             </a:pPr>
-            <a:endParaRPr lang="en-US" dirty="0"/>
+            <a:endParaRPr lang="en-US" sz="1200" dirty="0">
+              <a:latin typeface="Proxima Nova" panose="020B0604020202020204" charset="0"/>
+              <a:cs typeface="Times New Roman" panose="02020603050405020304" pitchFamily="18" charset="0"/>
+            </a:endParaRPr>
           </a:p>
           <a:p>
             <a:pPr marL="158750" indent="0">
               <a:buNone/>
             </a:pPr>
             <a:r>
-              <a:rPr lang="en-US" dirty="0"/>
-              <a:t>Our next goal is to get to the Honest stage. We want each name to be at least minimally accurate – to state one part of its definition.</a:t>
+              <a:rPr lang="en-US" sz="1200" dirty="0">
+                <a:latin typeface="Proxima Nova" panose="020B0604020202020204" charset="0"/>
+                <a:cs typeface="Times New Roman" panose="02020603050405020304" pitchFamily="18" charset="0"/>
+              </a:rPr>
+              <a:t>[CLICK] So we do the same Extract Definition to pull out all these nouns.</a:t>
             </a:r>
           </a:p>
         </p:txBody>
@@ -4773,7 +5111,7 @@
     </p:spTree>
     <p:extLst>
       <p:ext uri="{BB962C8B-B14F-4D97-AF65-F5344CB8AC3E}">
-        <p14:creationId xmlns:p14="http://schemas.microsoft.com/office/powerpoint/2010/main" val="4033954816"/>
+        <p14:creationId xmlns:p14="http://schemas.microsoft.com/office/powerpoint/2010/main" val="3562826524"/>
       </p:ext>
     </p:extLst>
   </p:cSld>
@@ -4831,38 +5169,48 @@
               <a:buNone/>
             </a:pPr>
             <a:r>
-              <a:rPr lang="en-US" dirty="0"/>
-              <a:t>Just like with Obvious Nonsense, we get to Honest incrementally. Here, in each step we look at one definition. We identify one thing that the body of the definition includes.</a:t>
+              <a:rPr lang="en-US" sz="1200" dirty="0">
+                <a:latin typeface="Proxima Nova" panose="020B0604020202020204" charset="0"/>
+              </a:rPr>
+              <a:t>Repeating this many more times, we have now gotten to the Obvious Nonsense stage. </a:t>
             </a:r>
           </a:p>
           <a:p>
             <a:pPr marL="158750" indent="0">
               <a:buNone/>
             </a:pPr>
-            <a:endParaRPr lang="en-US" dirty="0"/>
+            <a:endParaRPr lang="en-US" sz="1200" dirty="0">
+              <a:latin typeface="Proxima Nova" panose="020B0604020202020204" charset="0"/>
+            </a:endParaRPr>
           </a:p>
           <a:p>
             <a:pPr marL="158750" indent="0">
               <a:buNone/>
             </a:pPr>
             <a:r>
-              <a:rPr lang="en-US" dirty="0"/>
-              <a:t>We then do the refactoring Rename Definition to include that one true thing. Sometimes the definition really only defines one thing. In this case, the list of nouns were all “created things” and so that name fully describes the definition.</a:t>
+              <a:rPr lang="en-US" sz="1200" dirty="0">
+                <a:latin typeface="Proxima Nova" panose="020B0604020202020204" charset="0"/>
+              </a:rPr>
+              <a:t>[CLICK] Our contract is already much easier to read, even with nonsense names!</a:t>
             </a:r>
           </a:p>
           <a:p>
             <a:pPr marL="158750" indent="0">
               <a:buNone/>
             </a:pPr>
-            <a:endParaRPr lang="en-US" dirty="0"/>
+            <a:endParaRPr lang="en-US" sz="1200" dirty="0">
+              <a:latin typeface="Proxima Nova" panose="020B0604020202020204" charset="0"/>
+            </a:endParaRPr>
           </a:p>
           <a:p>
             <a:pPr marL="158750" indent="0">
               <a:buNone/>
             </a:pPr>
             <a:r>
-              <a:rPr lang="en-US" dirty="0"/>
-              <a:t>Other times we know that the name describes only part of the definition, so we add “and other stuff” to the name to indicate that there is more.</a:t>
+              <a:rPr lang="en-US" sz="1200" dirty="0">
+                <a:latin typeface="Proxima Nova" panose="020B0604020202020204" charset="0"/>
+              </a:rPr>
+              <a:t>Our next goal is to get to the Honest stage. We want each name to be at least minimally accurate – to state one part of its definition.</a:t>
             </a:r>
           </a:p>
         </p:txBody>
@@ -4870,7 +5218,7 @@
     </p:spTree>
     <p:extLst>
       <p:ext uri="{BB962C8B-B14F-4D97-AF65-F5344CB8AC3E}">
-        <p14:creationId xmlns:p14="http://schemas.microsoft.com/office/powerpoint/2010/main" val="1569332875"/>
+        <p14:creationId xmlns:p14="http://schemas.microsoft.com/office/powerpoint/2010/main" val="4060259187"/>
       </p:ext>
     </p:extLst>
   </p:cSld>
@@ -4928,23 +5276,48 @@
               <a:buNone/>
             </a:pPr>
             <a:r>
-              <a:rPr lang="en-US" dirty="0"/>
-              <a:t>Repeating that step several times gets us to the Honest stage. Here is our contract at the Honest stage. Again, it is more readable than at the prior stage, but still not completely obvious.</a:t>
+              <a:rPr lang="en-US" sz="1200" dirty="0">
+                <a:latin typeface="Proxima Nova" panose="020B0604020202020204" charset="0"/>
+              </a:rPr>
+              <a:t>Just like with Obvious Nonsense, we get to Honest incrementally. Here, in each step we look at one definition. We identify one thing that the body of the definition includes.</a:t>
             </a:r>
           </a:p>
           <a:p>
             <a:pPr marL="158750" indent="0">
               <a:buNone/>
             </a:pPr>
-            <a:endParaRPr lang="en-US" dirty="0"/>
+            <a:endParaRPr lang="en-US" sz="1200" dirty="0">
+              <a:latin typeface="Proxima Nova" panose="020B0604020202020204" charset="0"/>
+            </a:endParaRPr>
           </a:p>
           <a:p>
             <a:pPr marL="158750" indent="0">
               <a:buNone/>
             </a:pPr>
             <a:r>
-              <a:rPr lang="en-US" dirty="0"/>
-              <a:t>Our next goal is the Completely Honest stage.</a:t>
+              <a:rPr lang="en-US" sz="1200" dirty="0">
+                <a:latin typeface="Proxima Nova" panose="020B0604020202020204" charset="0"/>
+              </a:rPr>
+              <a:t>[CLICK] We then do the refactoring “Rename Definition” to include that one true thing. Sometimes the definition really only defines one thing. In this case, the list of nouns were all “created things” and so that name fully describes the definition.</a:t>
+            </a:r>
+          </a:p>
+          <a:p>
+            <a:pPr marL="158750" indent="0">
+              <a:buNone/>
+            </a:pPr>
+            <a:endParaRPr lang="en-US" sz="1200" dirty="0">
+              <a:latin typeface="Proxima Nova" panose="020B0604020202020204" charset="0"/>
+            </a:endParaRPr>
+          </a:p>
+          <a:p>
+            <a:pPr marL="158750" indent="0">
+              <a:buNone/>
+            </a:pPr>
+            <a:r>
+              <a:rPr lang="en-US" sz="1200" dirty="0">
+                <a:latin typeface="Proxima Nova" panose="020B0604020202020204" charset="0"/>
+              </a:rPr>
+              <a:t>Other times we know that the name describes only part of the definition, so we add “and other stuff” to the name to indicate that there is more.</a:t>
             </a:r>
           </a:p>
         </p:txBody>
@@ -4952,7 +5325,7 @@
     </p:spTree>
     <p:extLst>
       <p:ext uri="{BB962C8B-B14F-4D97-AF65-F5344CB8AC3E}">
-        <p14:creationId xmlns:p14="http://schemas.microsoft.com/office/powerpoint/2010/main" val="3051808799"/>
+        <p14:creationId xmlns:p14="http://schemas.microsoft.com/office/powerpoint/2010/main" val="373379247"/>
       </p:ext>
     </p:extLst>
   </p:cSld>
@@ -5010,38 +5383,48 @@
               <a:buNone/>
             </a:pPr>
             <a:r>
-              <a:rPr lang="en-US" dirty="0"/>
-              <a:t>To become Completely Honest, we need each definition’s name to be a completely honest summary of that definition’s content. Again, we get there incrementally.</a:t>
+              <a:rPr lang="en-US" sz="1200" dirty="0">
+                <a:latin typeface="Proxima Nova" panose="020B0604020202020204" charset="0"/>
+              </a:rPr>
+              <a:t>Repeating that step several times gets us to the Honest stage. </a:t>
             </a:r>
           </a:p>
           <a:p>
             <a:pPr marL="158750" indent="0">
               <a:buNone/>
             </a:pPr>
-            <a:endParaRPr lang="en-US" dirty="0"/>
+            <a:endParaRPr lang="en-US" sz="1200" dirty="0">
+              <a:latin typeface="Proxima Nova" panose="020B0604020202020204" charset="0"/>
+            </a:endParaRPr>
           </a:p>
           <a:p>
             <a:pPr marL="158750" indent="0">
               <a:buNone/>
             </a:pPr>
             <a:r>
-              <a:rPr lang="en-US" dirty="0"/>
-              <a:t>We pick one definition and identify one element that is not already in the name. Then we Rename Definition again to add that one fact to the name. We repeat this until the name has everything. At that point we do one final Rename Definition to eliminate the “and other stuff.”</a:t>
+              <a:rPr lang="en-US" sz="1200" dirty="0">
+                <a:latin typeface="Proxima Nova" panose="020B0604020202020204" charset="0"/>
+              </a:rPr>
+              <a:t>[CLICK] Here is our contract at the Honest stage. Again, it is more readable than at the prior stage, but still not completely obvious.</a:t>
             </a:r>
           </a:p>
           <a:p>
             <a:pPr marL="158750" indent="0">
               <a:buNone/>
             </a:pPr>
-            <a:endParaRPr lang="en-US" dirty="0"/>
+            <a:endParaRPr lang="en-US" sz="1200" dirty="0">
+              <a:latin typeface="Proxima Nova" panose="020B0604020202020204" charset="0"/>
+            </a:endParaRPr>
           </a:p>
           <a:p>
             <a:pPr marL="158750" indent="0">
               <a:buNone/>
             </a:pPr>
             <a:r>
-              <a:rPr lang="en-US" dirty="0"/>
-              <a:t>In this case, we found that “work and other stuff” actually had several important facts. We extracted them one at a time and got to this final definition after 5 renames.</a:t>
+              <a:rPr lang="en-US" sz="1200" dirty="0">
+                <a:latin typeface="Proxima Nova" panose="020B0604020202020204" charset="0"/>
+              </a:rPr>
+              <a:t>Our next goal is the Completely Honest stage.</a:t>
             </a:r>
           </a:p>
         </p:txBody>
@@ -5049,7 +5432,7 @@
     </p:spTree>
     <p:extLst>
       <p:ext uri="{BB962C8B-B14F-4D97-AF65-F5344CB8AC3E}">
-        <p14:creationId xmlns:p14="http://schemas.microsoft.com/office/powerpoint/2010/main" val="3454411469"/>
+        <p14:creationId xmlns:p14="http://schemas.microsoft.com/office/powerpoint/2010/main" val="14741577"/>
       </p:ext>
     </p:extLst>
   </p:cSld>
@@ -5107,23 +5490,72 @@
               <a:buNone/>
             </a:pPr>
             <a:r>
-              <a:rPr lang="en-US" dirty="0"/>
-              <a:t>After performing that refactoring another 20 times or so, we get to the Completely Honest stage.</a:t>
+              <a:rPr lang="en-US" sz="1200" dirty="0">
+                <a:latin typeface="Proxima Nova" panose="020B0604020202020204" charset="0"/>
+              </a:rPr>
+              <a:t>To become Completely Honest, we need each definition’s name to summarize all the content in the definition, so we have to lose the “</a:t>
+            </a:r>
+            <a:r>
+              <a:rPr lang="en-US" sz="1200" dirty="0" err="1">
+                <a:latin typeface="Proxima Nova" panose="020B0604020202020204" charset="0"/>
+              </a:rPr>
+              <a:t>AndStuff</a:t>
+            </a:r>
+            <a:r>
+              <a:rPr lang="en-US" sz="1200" dirty="0">
+                <a:latin typeface="Proxima Nova" panose="020B0604020202020204" charset="0"/>
+              </a:rPr>
+              <a:t>”. Again, we get there incrementally.</a:t>
             </a:r>
           </a:p>
           <a:p>
             <a:pPr marL="158750" indent="0">
               <a:buNone/>
             </a:pPr>
-            <a:endParaRPr lang="en-US" dirty="0"/>
+            <a:endParaRPr lang="en-US" sz="1200" dirty="0">
+              <a:latin typeface="Proxima Nova" panose="020B0604020202020204" charset="0"/>
+            </a:endParaRPr>
           </a:p>
           <a:p>
             <a:pPr marL="158750" indent="0">
               <a:buNone/>
             </a:pPr>
             <a:r>
-              <a:rPr lang="en-US" dirty="0"/>
-              <a:t>This stage is the first one where the contract is completely readable. We can still make more improvements – the naming process does continue. However, you can now read the contract without reading the list of definitions – and get an accurate understanding of the agreement. You are ready to fix bugs, implement features, or whatever brought you here.</a:t>
+              <a:rPr lang="en-US" sz="1200" dirty="0">
+                <a:latin typeface="Proxima Nova" panose="020B0604020202020204" charset="0"/>
+              </a:rPr>
+              <a:t>[CLICK] We pick one definition and identify one element that is not already in the name. Then we using the refactoring “Rename Definition” again to add that one fact to the name. We repeat this until the name has everything. At that point we do one final Rename Definition to eliminate the “and other stuff.”</a:t>
+            </a:r>
+          </a:p>
+          <a:p>
+            <a:pPr marL="158750" indent="0">
+              <a:buNone/>
+            </a:pPr>
+            <a:endParaRPr lang="en-US" sz="1200" dirty="0">
+              <a:latin typeface="Proxima Nova" panose="020B0604020202020204" charset="0"/>
+            </a:endParaRPr>
+          </a:p>
+          <a:p>
+            <a:pPr marL="158750" indent="0">
+              <a:buNone/>
+            </a:pPr>
+            <a:r>
+              <a:rPr lang="en-US" sz="1200" dirty="0">
+                <a:latin typeface="Proxima Nova" panose="020B0604020202020204" charset="0"/>
+              </a:rPr>
+              <a:t>In this case, we found that “work and other stuff” had </a:t>
+            </a:r>
+            <a:r>
+              <a:rPr lang="en-US" sz="1200" b="1" dirty="0">
+                <a:latin typeface="Proxima Nova" panose="020B0604020202020204" charset="0"/>
+              </a:rPr>
+              <a:t>several</a:t>
+            </a:r>
+            <a:r>
+              <a:rPr lang="en-US" sz="1200" dirty="0">
+                <a:latin typeface="Proxima Nova" panose="020B0604020202020204" charset="0"/>
+              </a:rPr>
+              <a:t> important facts. We extracted them one at a time and got to this final definition after 5 renames.</a:t>
             </a:r>
           </a:p>
         </p:txBody>
@@ -5131,7 +5563,7 @@
     </p:spTree>
     <p:extLst>
       <p:ext uri="{BB962C8B-B14F-4D97-AF65-F5344CB8AC3E}">
-        <p14:creationId xmlns:p14="http://schemas.microsoft.com/office/powerpoint/2010/main" val="738210181"/>
+        <p14:creationId xmlns:p14="http://schemas.microsoft.com/office/powerpoint/2010/main" val="3250455126"/>
       </p:ext>
     </p:extLst>
   </p:cSld>
@@ -5142,6 +5574,94 @@
 </file>
 
 <file path=ppt/notesSlides/notesSlide26.xml><?xml version="1.0" encoding="utf-8"?>
+<p:notes xmlns:a="http://schemas.openxmlformats.org/drawingml/2006/main" xmlns:r="http://schemas.openxmlformats.org/officeDocument/2006/relationships" xmlns:p="http://schemas.openxmlformats.org/presentationml/2006/main">
+  <p:cSld>
+    <p:spTree>
+      <p:nvGrpSpPr>
+        <p:cNvPr id="1" name=""/>
+        <p:cNvGrpSpPr/>
+        <p:nvPr/>
+      </p:nvGrpSpPr>
+      <p:grpSpPr>
+        <a:xfrm>
+          <a:off x="0" y="0"/>
+          <a:ext cx="0" cy="0"/>
+          <a:chOff x="0" y="0"/>
+          <a:chExt cx="0" cy="0"/>
+        </a:xfrm>
+      </p:grpSpPr>
+      <p:sp>
+        <p:nvSpPr>
+          <p:cNvPr id="2" name="Slide Image Placeholder 1"/>
+          <p:cNvSpPr>
+            <a:spLocks noGrp="1" noRot="1" noChangeAspect="1"/>
+          </p:cNvSpPr>
+          <p:nvPr>
+            <p:ph type="sldImg"/>
+          </p:nvPr>
+        </p:nvSpPr>
+        <p:spPr/>
+      </p:sp>
+      <p:sp>
+        <p:nvSpPr>
+          <p:cNvPr id="3" name="Notes Placeholder 2"/>
+          <p:cNvSpPr>
+            <a:spLocks noGrp="1"/>
+          </p:cNvSpPr>
+          <p:nvPr>
+            <p:ph type="body" idx="1"/>
+          </p:nvPr>
+        </p:nvSpPr>
+        <p:spPr/>
+        <p:txBody>
+          <a:bodyPr/>
+          <a:lstStyle/>
+          <a:p>
+            <a:pPr marL="158750" indent="0">
+              <a:buNone/>
+            </a:pPr>
+            <a:r>
+              <a:rPr lang="en-US" sz="1200" dirty="0">
+                <a:latin typeface="Proxima Nova" panose="020B0604020202020204" charset="0"/>
+              </a:rPr>
+              <a:t>After performing that refactoring another 20 times or so, we get to the Completely Honest stage.</a:t>
+            </a:r>
+          </a:p>
+          <a:p>
+            <a:pPr marL="158750" indent="0">
+              <a:buNone/>
+            </a:pPr>
+            <a:endParaRPr lang="en-US" sz="1200" dirty="0">
+              <a:latin typeface="Proxima Nova" panose="020B0604020202020204" charset="0"/>
+            </a:endParaRPr>
+          </a:p>
+          <a:p>
+            <a:pPr marL="158750" indent="0">
+              <a:buNone/>
+            </a:pPr>
+            <a:r>
+              <a:rPr lang="en-US" sz="1200" dirty="0">
+                <a:latin typeface="Proxima Nova" panose="020B0604020202020204" charset="0"/>
+              </a:rPr>
+              <a:t>[CLICK] This stage is the first one where the contract is completely readable. We can still make more improvements – the naming process does continue. However, you can now read the contract without reading the list of definitions – and get an accurate understanding of the agreement. You are ready to fix bugs, implement features, or whatever brought you here.</a:t>
+            </a:r>
+          </a:p>
+        </p:txBody>
+      </p:sp>
+    </p:spTree>
+    <p:extLst>
+      <p:ext uri="{BB962C8B-B14F-4D97-AF65-F5344CB8AC3E}">
+        <p14:creationId xmlns:p14="http://schemas.microsoft.com/office/powerpoint/2010/main" val="2390435904"/>
+      </p:ext>
+    </p:extLst>
+  </p:cSld>
+  <p:clrMapOvr>
+    <a:masterClrMapping/>
+  </p:clrMapOvr>
+</p:notes>
+</file>
+
+<file path=ppt/notesSlides/notesSlide27.xml><?xml version="1.0" encoding="utf-8"?>
 <p:notes xmlns:a="http://schemas.openxmlformats.org/drawingml/2006/main" xmlns:r="http://schemas.openxmlformats.org/officeDocument/2006/relationships" xmlns:p="http://schemas.openxmlformats.org/presentationml/2006/main">
   <p:cSld>
     <p:spTree>
@@ -5207,54 +5727,54 @@
                 <a:effectLst/>
                 <a:latin typeface="Calibri" panose="020F0502020204030204" pitchFamily="34" charset="0"/>
               </a:rPr>
-              <a:t>It’s not just about naming; it’s about breaking things up so that each piece can stand on its own and be clearly noted for what it does.</a:t>
-            </a:r>
-            <a:endParaRPr lang="en-US" sz="800" b="0" i="0" u="none" strike="noStrike" dirty="0">
-              <a:solidFill>
-                <a:srgbClr val="000000"/>
-              </a:solidFill>
-              <a:effectLst/>
-              <a:latin typeface="Arial"/>
-            </a:endParaRPr>
-          </a:p>
-          <a:p>
-            <a:pPr marL="158750" indent="0" rtl="0">
-              <a:spcBef>
-                <a:spcPts val="0"/>
-              </a:spcBef>
-              <a:spcAft>
-                <a:spcPts val="0"/>
-              </a:spcAft>
-              <a:buNone/>
-            </a:pPr>
-            <a:endParaRPr lang="en-US" sz="800" b="0" i="0" u="none" strike="noStrike" dirty="0">
-              <a:solidFill>
-                <a:srgbClr val="000000"/>
-              </a:solidFill>
-              <a:effectLst/>
-              <a:latin typeface="Arial"/>
-            </a:endParaRPr>
-          </a:p>
-          <a:p>
-            <a:pPr marL="158750" indent="0" rtl="0">
-              <a:spcBef>
-                <a:spcPts val="0"/>
-              </a:spcBef>
-              <a:spcAft>
-                <a:spcPts val="0"/>
-              </a:spcAft>
-              <a:buNone/>
-            </a:pPr>
-            <a:r>
-              <a:rPr lang="en-US" sz="1100" b="0" i="1" u="none" strike="noStrike" dirty="0">
+              <a:t>You just witnessed a non-coding application of half the process. </a:t>
+            </a:r>
+            <a:r>
+              <a:rPr lang="en-US" sz="1100" b="0" i="0" u="none" dirty="0">
                 <a:solidFill>
                   <a:srgbClr val="000000"/>
                 </a:solidFill>
                 <a:effectLst/>
                 <a:latin typeface="Calibri" panose="020F0502020204030204" pitchFamily="34" charset="0"/>
               </a:rPr>
-              <a:t>This does not happen quickly!</a:t>
-            </a:r>
+              <a:t>There are a couple more stages to the naming process, but I believe we’ve accomplished my point.</a:t>
+            </a:r>
+            <a:endParaRPr lang="en-US" sz="1100" b="0" i="0" u="none" strike="noStrike" dirty="0">
+              <a:solidFill>
+                <a:srgbClr val="000000"/>
+              </a:solidFill>
+              <a:effectLst/>
+              <a:latin typeface="Calibri" panose="020F0502020204030204" pitchFamily="34" charset="0"/>
+            </a:endParaRPr>
+          </a:p>
+          <a:p>
+            <a:pPr marL="158750" indent="0" rtl="0">
+              <a:spcBef>
+                <a:spcPts val="0"/>
+              </a:spcBef>
+              <a:spcAft>
+                <a:spcPts val="0"/>
+              </a:spcAft>
+              <a:buNone/>
+            </a:pPr>
+            <a:endParaRPr lang="en-US" sz="1100" b="0" i="0" u="none" strike="noStrike" dirty="0">
+              <a:solidFill>
+                <a:srgbClr val="000000"/>
+              </a:solidFill>
+              <a:effectLst/>
+              <a:latin typeface="Calibri" panose="020F0502020204030204" pitchFamily="34" charset="0"/>
+            </a:endParaRPr>
+          </a:p>
+          <a:p>
+            <a:pPr marL="158750" indent="0" rtl="0">
+              <a:spcBef>
+                <a:spcPts val="0"/>
+              </a:spcBef>
+              <a:spcAft>
+                <a:spcPts val="0"/>
+              </a:spcAft>
+              <a:buNone/>
+            </a:pPr>
             <a:r>
               <a:rPr lang="en-US" sz="1100" b="0" i="0" u="none" strike="noStrike" dirty="0">
                 <a:solidFill>
@@ -5263,18 +5783,37 @@
                 <a:effectLst/>
                 <a:latin typeface="Calibri" panose="020F0502020204030204" pitchFamily="34" charset="0"/>
               </a:rPr>
-              <a:t> It’s a process, </a:t>
-            </a:r>
-            <a:r>
-              <a:rPr lang="en-US" sz="1100" b="1" i="0" u="none" strike="noStrike" dirty="0">
-                <a:solidFill>
-                  <a:srgbClr val="000000"/>
-                </a:solidFill>
-                <a:effectLst/>
-                <a:latin typeface="Calibri" panose="020F0502020204030204" pitchFamily="34" charset="0"/>
-              </a:rPr>
-              <a:t>and</a:t>
-            </a:r>
+              <a:t>It’s not just about naming; it’s about breaking things up so that each piece can stand on its own and be clearly noted for what it does. </a:t>
+            </a:r>
+          </a:p>
+          <a:p>
+            <a:pPr marL="158750" indent="0" rtl="0">
+              <a:spcBef>
+                <a:spcPts val="0"/>
+              </a:spcBef>
+              <a:spcAft>
+                <a:spcPts val="0"/>
+              </a:spcAft>
+              <a:buNone/>
+            </a:pPr>
+            <a:endParaRPr lang="en-US" sz="1100" b="0" i="0" u="none" strike="noStrike" dirty="0">
+              <a:solidFill>
+                <a:srgbClr val="000000"/>
+              </a:solidFill>
+              <a:effectLst/>
+              <a:latin typeface="Calibri" panose="020F0502020204030204" pitchFamily="34" charset="0"/>
+            </a:endParaRPr>
+          </a:p>
+          <a:p>
+            <a:pPr marL="158750" indent="0" rtl="0">
+              <a:spcBef>
+                <a:spcPts val="0"/>
+              </a:spcBef>
+              <a:spcAft>
+                <a:spcPts val="0"/>
+              </a:spcAft>
+              <a:buNone/>
+            </a:pPr>
             <a:r>
               <a:rPr lang="en-US" sz="1100" b="0" i="0" u="none" strike="noStrike" dirty="0">
                 <a:solidFill>
@@ -5283,30 +5822,29 @@
                 <a:effectLst/>
                 <a:latin typeface="Calibri" panose="020F0502020204030204" pitchFamily="34" charset="0"/>
               </a:rPr>
-              <a:t> completely doable </a:t>
-            </a:r>
-            <a:r>
-              <a:rPr lang="en-US" sz="1100" b="0" i="0" u="sng" dirty="0">
+              <a:t>It’s not fast to get through all the stages, but we’ve found there is remarkable speed in results </a:t>
+            </a:r>
+            <a:r>
+              <a:rPr lang="en-US" sz="800" b="0" i="0" u="sng" dirty="0">
                 <a:solidFill>
                   <a:srgbClr val="000000"/>
                 </a:solidFill>
                 <a:effectLst/>
                 <a:latin typeface="Calibri" panose="020F0502020204030204" pitchFamily="34" charset="0"/>
               </a:rPr>
-              <a:t>when it becomes a process.</a:t>
-            </a:r>
-          </a:p>
-          <a:p>
-            <a:pPr marL="158750" indent="0" rtl="0">
-              <a:spcBef>
-                <a:spcPts val="0"/>
-              </a:spcBef>
-              <a:spcAft>
-                <a:spcPts val="0"/>
-              </a:spcAft>
-              <a:buNone/>
-            </a:pPr>
-            <a:endParaRPr lang="en-US" sz="1100" b="0" i="0" u="sng" dirty="0">
+              <a:t>when it becomes a process</a:t>
+            </a:r>
+            <a:r>
+              <a:rPr lang="en-US" sz="800" b="0" i="0" u="none" dirty="0">
+                <a:solidFill>
+                  <a:srgbClr val="000000"/>
+                </a:solidFill>
+                <a:effectLst/>
+                <a:latin typeface="Calibri" panose="020F0502020204030204" pitchFamily="34" charset="0"/>
+              </a:rPr>
+              <a:t>. </a:t>
+            </a:r>
+            <a:endParaRPr lang="en-US" sz="800" b="0" i="0" u="sng" dirty="0">
               <a:solidFill>
                 <a:srgbClr val="000000"/>
               </a:solidFill>
@@ -5324,17 +5862,13 @@
               </a:spcAft>
               <a:buNone/>
             </a:pPr>
-            <a:r>
-              <a:rPr lang="en-US" sz="1100" b="0" i="0" u="none" dirty="0">
-                <a:solidFill>
-                  <a:srgbClr val="000000"/>
-                </a:solidFill>
-                <a:effectLst/>
-                <a:latin typeface="Calibri" panose="020F0502020204030204" pitchFamily="34" charset="0"/>
-              </a:rPr>
-              <a:t>And, there are a couple more stages to the naming process, but I believe we’ve accomplished my point.</a:t>
-            </a:r>
-            <a:endParaRPr lang="en-US" u="none" dirty="0"/>
+            <a:endParaRPr lang="en-US" sz="800" b="0" i="0" u="sng" dirty="0">
+              <a:solidFill>
+                <a:srgbClr val="000000"/>
+              </a:solidFill>
+              <a:effectLst/>
+              <a:latin typeface="Calibri" panose="020F0502020204030204" pitchFamily="34" charset="0"/>
+            </a:endParaRPr>
           </a:p>
           <a:p>
             <a:pPr marL="0" lvl="0" indent="0" algn="l" rtl="0">
@@ -5359,7 +5893,76 @@
     </p:spTree>
     <p:extLst>
       <p:ext uri="{BB962C8B-B14F-4D97-AF65-F5344CB8AC3E}">
-        <p14:creationId xmlns:p14="http://schemas.microsoft.com/office/powerpoint/2010/main" val="3216600800"/>
+        <p14:creationId xmlns:p14="http://schemas.microsoft.com/office/powerpoint/2010/main" val="2545706273"/>
+      </p:ext>
+    </p:extLst>
+  </p:cSld>
+  <p:clrMapOvr>
+    <a:masterClrMapping/>
+  </p:clrMapOvr>
+</p:notes>
+</file>
+
+<file path=ppt/notesSlides/notesSlide28.xml><?xml version="1.0" encoding="utf-8"?>
+<p:notes xmlns:a="http://schemas.openxmlformats.org/drawingml/2006/main" xmlns:r="http://schemas.openxmlformats.org/officeDocument/2006/relationships" xmlns:p="http://schemas.openxmlformats.org/presentationml/2006/main">
+  <p:cSld>
+    <p:spTree>
+      <p:nvGrpSpPr>
+        <p:cNvPr id="1" name=""/>
+        <p:cNvGrpSpPr/>
+        <p:nvPr/>
+      </p:nvGrpSpPr>
+      <p:grpSpPr>
+        <a:xfrm>
+          <a:off x="0" y="0"/>
+          <a:ext cx="0" cy="0"/>
+          <a:chOff x="0" y="0"/>
+          <a:chExt cx="0" cy="0"/>
+        </a:xfrm>
+      </p:grpSpPr>
+      <p:sp>
+        <p:nvSpPr>
+          <p:cNvPr id="2" name="Slide Image Placeholder 1"/>
+          <p:cNvSpPr>
+            <a:spLocks noGrp="1" noRot="1" noChangeAspect="1"/>
+          </p:cNvSpPr>
+          <p:nvPr>
+            <p:ph type="sldImg"/>
+          </p:nvPr>
+        </p:nvSpPr>
+        <p:spPr/>
+      </p:sp>
+      <p:sp>
+        <p:nvSpPr>
+          <p:cNvPr id="3" name="Notes Placeholder 2"/>
+          <p:cNvSpPr>
+            <a:spLocks noGrp="1"/>
+          </p:cNvSpPr>
+          <p:nvPr>
+            <p:ph type="body" idx="1"/>
+          </p:nvPr>
+        </p:nvSpPr>
+        <p:spPr/>
+        <p:txBody>
+          <a:bodyPr/>
+          <a:lstStyle/>
+          <a:p>
+            <a:pPr marL="158750" indent="0">
+              <a:buNone/>
+            </a:pPr>
+            <a:r>
+              <a:rPr lang="en-US" sz="1200" dirty="0">
+                <a:latin typeface="Proxima Nova" panose="020B0604020202020204" charset="0"/>
+              </a:rPr>
+              <a:t>And, as we open to questions, please take a moment to scan the QR code to get the resources provided in this deck as well as other information on Deep Roots.</a:t>
+            </a:r>
+          </a:p>
+        </p:txBody>
+      </p:sp>
+    </p:spTree>
+    <p:extLst>
+      <p:ext uri="{BB962C8B-B14F-4D97-AF65-F5344CB8AC3E}">
+        <p14:creationId xmlns:p14="http://schemas.microsoft.com/office/powerpoint/2010/main" val="664643741"/>
       </p:ext>
     </p:extLst>
   </p:cSld>
@@ -5418,7 +6021,139 @@
           <a:bodyPr/>
           <a:lstStyle/>
           <a:p>
-            <a:pPr marL="158750" marR="0" lvl="0" indent="0" algn="l" defTabSz="914400" rtl="0" eaLnBrk="1" fontAlgn="auto" latinLnBrk="0" hangingPunct="1">
+            <a:pPr marL="158750" lvl="0" indent="0">
+              <a:buNone/>
+            </a:pPr>
+            <a:r>
+              <a:rPr lang="en-US" sz="1200" b="0" i="0" u="none" strike="noStrike" dirty="0">
+                <a:solidFill>
+                  <a:srgbClr val="404040"/>
+                </a:solidFill>
+                <a:effectLst/>
+                <a:latin typeface="Proxima Nova" panose="020B0604020202020204" charset="0"/>
+              </a:rPr>
+              <a:t>Empathy is awesome. You already recognize it’s value, otherwise you might choose another session. </a:t>
+            </a:r>
+          </a:p>
+          <a:p>
+            <a:pPr marL="158750" lvl="0" indent="0">
+              <a:buNone/>
+            </a:pPr>
+            <a:endParaRPr lang="en-US" sz="1200" b="0" i="0" u="none" strike="noStrike" dirty="0">
+              <a:solidFill>
+                <a:srgbClr val="404040"/>
+              </a:solidFill>
+              <a:effectLst/>
+              <a:latin typeface="Proxima Nova" panose="020B0604020202020204" charset="0"/>
+            </a:endParaRPr>
+          </a:p>
+          <a:p>
+            <a:pPr marL="158750" lvl="0" indent="0">
+              <a:buNone/>
+            </a:pPr>
+            <a:r>
+              <a:rPr lang="en-US" sz="1200" b="0" i="0" u="none" strike="noStrike" dirty="0">
+                <a:solidFill>
+                  <a:srgbClr val="404040"/>
+                </a:solidFill>
+                <a:effectLst/>
+                <a:latin typeface="Proxima Nova" panose="020B0604020202020204" charset="0"/>
+              </a:rPr>
+              <a:t>However, we all know from our experience in companies that the </a:t>
+            </a:r>
+            <a:r>
+              <a:rPr lang="en-US" sz="1200" b="1" i="0" u="none" strike="noStrike" dirty="0">
+                <a:solidFill>
+                  <a:srgbClr val="404040"/>
+                </a:solidFill>
+                <a:effectLst/>
+                <a:latin typeface="Proxima Nova" panose="020B0604020202020204" charset="0"/>
+              </a:rPr>
+              <a:t>business problem </a:t>
+            </a:r>
+            <a:r>
+              <a:rPr lang="en-US" sz="1200" b="0" i="0" u="none" strike="noStrike" dirty="0">
+                <a:solidFill>
+                  <a:srgbClr val="404040"/>
+                </a:solidFill>
+                <a:effectLst/>
+                <a:latin typeface="Proxima Nova" panose="020B0604020202020204" charset="0"/>
+              </a:rPr>
+              <a:t>drives behavior. This means that something like empathy will only be used if </a:t>
+            </a:r>
+            <a:r>
+              <a:rPr lang="en-US" sz="1200" b="1" i="0" u="none" strike="noStrike" dirty="0">
+                <a:solidFill>
+                  <a:srgbClr val="404040"/>
+                </a:solidFill>
+                <a:effectLst/>
+                <a:latin typeface="Proxima Nova" panose="020B0604020202020204" charset="0"/>
+              </a:rPr>
+              <a:t>convenient</a:t>
+            </a:r>
+            <a:r>
+              <a:rPr lang="en-US" sz="1200" b="0" i="0" u="none" strike="noStrike" dirty="0">
+                <a:solidFill>
+                  <a:srgbClr val="404040"/>
+                </a:solidFill>
+                <a:effectLst/>
+                <a:latin typeface="Proxima Nova" panose="020B0604020202020204" charset="0"/>
+              </a:rPr>
+              <a:t> to the business problem. </a:t>
+            </a:r>
+          </a:p>
+          <a:p>
+            <a:pPr marL="158750" lvl="0" indent="0">
+              <a:buNone/>
+            </a:pPr>
+            <a:endParaRPr lang="en-US" sz="1200" b="0" i="0" u="none" strike="noStrike" dirty="0">
+              <a:solidFill>
+                <a:srgbClr val="404040"/>
+              </a:solidFill>
+              <a:effectLst/>
+              <a:latin typeface="Proxima Nova" panose="020B0604020202020204" charset="0"/>
+            </a:endParaRPr>
+          </a:p>
+          <a:p>
+            <a:pPr marL="158750" lvl="0" indent="0">
+              <a:buNone/>
+            </a:pPr>
+            <a:r>
+              <a:rPr lang="en-US" sz="1200" b="0" i="0" u="none" strike="noStrike" dirty="0">
+                <a:solidFill>
+                  <a:srgbClr val="404040"/>
+                </a:solidFill>
+                <a:effectLst/>
+                <a:latin typeface="Proxima Nova" panose="020B0604020202020204" charset="0"/>
+              </a:rPr>
+              <a:t>So let’s start with the business problem! [STICKIES]</a:t>
+            </a:r>
+          </a:p>
+          <a:p>
+            <a:pPr marL="158750" lvl="0" indent="0">
+              <a:buNone/>
+            </a:pPr>
+            <a:endParaRPr lang="en-US" sz="1200" b="1" i="0" u="none" strike="noStrike" dirty="0">
+              <a:solidFill>
+                <a:srgbClr val="404040"/>
+              </a:solidFill>
+              <a:effectLst/>
+              <a:latin typeface="Proxima Nova" panose="020B0604020202020204" charset="0"/>
+            </a:endParaRPr>
+          </a:p>
+          <a:p>
+            <a:pPr marL="158750" lvl="0" indent="0">
+              <a:buNone/>
+            </a:pPr>
+            <a:r>
+              <a:rPr lang="en-US" sz="1200" i="0" dirty="0">
+                <a:latin typeface="Proxima Nova" panose="020B0604020202020204" charset="0"/>
+              </a:rPr>
+              <a:t>Productive = features, process</a:t>
+            </a:r>
+          </a:p>
+          <a:p>
+            <a:pPr marL="615950" marR="0" lvl="1" indent="0" algn="l" defTabSz="914400" rtl="0" eaLnBrk="1" fontAlgn="auto" latinLnBrk="0" hangingPunct="1">
               <a:lnSpc>
                 <a:spcPct val="100000"/>
               </a:lnSpc>
@@ -5437,169 +6172,16 @@
               <a:tabLst/>
               <a:defRPr/>
             </a:pPr>
-            <a:r>
-              <a:rPr lang="en-US" sz="1100" b="0" i="0" u="none" strike="noStrike" dirty="0">
-                <a:solidFill>
-                  <a:srgbClr val="000000"/>
-                </a:solidFill>
-                <a:effectLst/>
-                <a:latin typeface="Calibri" panose="020F0502020204030204" pitchFamily="34" charset="0"/>
-              </a:rPr>
-              <a:t>The most common technique to reduce risk is automated testing, but some code </a:t>
-            </a:r>
-            <a:r>
-              <a:rPr lang="en-US" sz="1100" b="1" i="0" u="none" strike="noStrike" dirty="0">
-                <a:solidFill>
-                  <a:srgbClr val="000000"/>
-                </a:solidFill>
-                <a:effectLst/>
-                <a:latin typeface="Calibri" panose="020F0502020204030204" pitchFamily="34" charset="0"/>
-              </a:rPr>
-              <a:t>can’t be tested</a:t>
-            </a:r>
-            <a:r>
-              <a:rPr lang="en-US" sz="1100" b="0" i="0" u="none" strike="noStrike" dirty="0">
-                <a:solidFill>
-                  <a:srgbClr val="000000"/>
-                </a:solidFill>
-                <a:effectLst/>
-                <a:latin typeface="Calibri" panose="020F0502020204030204" pitchFamily="34" charset="0"/>
-              </a:rPr>
-              <a:t>. The safest strategy is to </a:t>
-            </a:r>
-            <a:r>
-              <a:rPr lang="en-US" sz="1100" b="1" i="0" u="none" strike="noStrike" dirty="0">
-                <a:solidFill>
-                  <a:srgbClr val="000000"/>
-                </a:solidFill>
-                <a:effectLst/>
-                <a:latin typeface="Calibri" panose="020F0502020204030204" pitchFamily="34" charset="0"/>
-              </a:rPr>
-              <a:t>not</a:t>
-            </a:r>
-            <a:r>
-              <a:rPr lang="en-US" sz="1100" b="0" i="0" u="none" strike="noStrike" dirty="0">
-                <a:solidFill>
-                  <a:srgbClr val="000000"/>
-                </a:solidFill>
-                <a:effectLst/>
-                <a:latin typeface="Calibri" panose="020F0502020204030204" pitchFamily="34" charset="0"/>
-              </a:rPr>
-              <a:t> change untestable code. So when </a:t>
-            </a:r>
-            <a:r>
-              <a:rPr lang="en-US" sz="1100" b="0" i="0" u="none" strike="noStrike" dirty="0" err="1">
-                <a:solidFill>
-                  <a:srgbClr val="000000"/>
-                </a:solidFill>
-                <a:effectLst/>
-                <a:latin typeface="Calibri" panose="020F0502020204030204" pitchFamily="34" charset="0"/>
-              </a:rPr>
-              <a:t>devs</a:t>
-            </a:r>
-            <a:r>
-              <a:rPr lang="en-US" sz="1100" b="0" i="0" u="none" strike="noStrike" dirty="0">
-                <a:solidFill>
-                  <a:srgbClr val="000000"/>
-                </a:solidFill>
-                <a:effectLst/>
-                <a:latin typeface="Calibri" panose="020F0502020204030204" pitchFamily="34" charset="0"/>
-              </a:rPr>
-              <a:t> are wanting to avoid a codebase or feature, they are TRYING to minimise risk.</a:t>
-            </a:r>
-            <a:endParaRPr lang="en-US" sz="1100" b="1" i="1" u="none" strike="noStrike" dirty="0">
-              <a:solidFill>
-                <a:srgbClr val="404040"/>
-              </a:solidFill>
-              <a:effectLst/>
-              <a:latin typeface="Calibri" panose="020F0502020204030204" pitchFamily="34" charset="0"/>
+            <a:endParaRPr lang="en-US" sz="1200" i="0" dirty="0">
+              <a:latin typeface="Proxima Nova" panose="020B0604020202020204" charset="0"/>
             </a:endParaRPr>
-          </a:p>
-          <a:p>
-            <a:pPr marL="158750" marR="0" lvl="0" indent="0" algn="l" defTabSz="914400" rtl="0" eaLnBrk="1" fontAlgn="auto" latinLnBrk="0" hangingPunct="1">
-              <a:lnSpc>
-                <a:spcPct val="100000"/>
-              </a:lnSpc>
-              <a:spcBef>
-                <a:spcPts val="0"/>
-              </a:spcBef>
-              <a:spcAft>
-                <a:spcPts val="0"/>
-              </a:spcAft>
-              <a:buClr>
-                <a:srgbClr val="000000"/>
-              </a:buClr>
-              <a:buSzPts val="1100"/>
-              <a:buFont typeface="Arial"/>
-              <a:buNone/>
-              <a:tabLst/>
-              <a:defRPr/>
-            </a:pPr>
-            <a:endParaRPr lang="en-US" sz="1100" b="0" i="0" u="none" strike="noStrike" dirty="0">
-              <a:solidFill>
-                <a:srgbClr val="404040"/>
-              </a:solidFill>
-              <a:effectLst/>
-              <a:latin typeface="Calibri" panose="020F0502020204030204" pitchFamily="34" charset="0"/>
-            </a:endParaRPr>
-          </a:p>
-          <a:p>
-            <a:pPr marL="158750" marR="0" lvl="0" indent="0" algn="l" defTabSz="914400" rtl="0" eaLnBrk="1" fontAlgn="auto" latinLnBrk="0" hangingPunct="1">
-              <a:lnSpc>
-                <a:spcPct val="100000"/>
-              </a:lnSpc>
-              <a:spcBef>
-                <a:spcPts val="0"/>
-              </a:spcBef>
-              <a:spcAft>
-                <a:spcPts val="0"/>
-              </a:spcAft>
-              <a:buClr>
-                <a:srgbClr val="000000"/>
-              </a:buClr>
-              <a:buSzPts val="1100"/>
-              <a:buFont typeface="Arial"/>
-              <a:buNone/>
-              <a:tabLst/>
-              <a:defRPr/>
-            </a:pPr>
-            <a:r>
-              <a:rPr lang="en-US" sz="1100" b="0" i="0" u="none" strike="noStrike" dirty="0">
-                <a:solidFill>
-                  <a:srgbClr val="404040"/>
-                </a:solidFill>
-                <a:effectLst/>
-                <a:latin typeface="Calibri" panose="020F0502020204030204" pitchFamily="34" charset="0"/>
-              </a:rPr>
-              <a:t>Welcome to every developer’s least </a:t>
-            </a:r>
-            <a:r>
-              <a:rPr lang="en-US" sz="1100" b="0" i="0" u="none" strike="noStrike" dirty="0" err="1">
-                <a:solidFill>
-                  <a:srgbClr val="404040"/>
-                </a:solidFill>
-                <a:effectLst/>
-                <a:latin typeface="Calibri" panose="020F0502020204030204" pitchFamily="34" charset="0"/>
-              </a:rPr>
-              <a:t>favourite</a:t>
-            </a:r>
-            <a:r>
-              <a:rPr lang="en-US" sz="1100" b="0" i="0" u="none" strike="noStrike" dirty="0">
-                <a:solidFill>
-                  <a:srgbClr val="404040"/>
-                </a:solidFill>
-                <a:effectLst/>
-                <a:latin typeface="Calibri" panose="020F0502020204030204" pitchFamily="34" charset="0"/>
-              </a:rPr>
-              <a:t> catch-22.</a:t>
-            </a:r>
           </a:p>
         </p:txBody>
       </p:sp>
     </p:spTree>
     <p:extLst>
       <p:ext uri="{BB962C8B-B14F-4D97-AF65-F5344CB8AC3E}">
-        <p14:creationId xmlns:p14="http://schemas.microsoft.com/office/powerpoint/2010/main" val="3682121990"/>
+        <p14:creationId xmlns:p14="http://schemas.microsoft.com/office/powerpoint/2010/main" val="1514271191"/>
       </p:ext>
     </p:extLst>
   </p:cSld>
@@ -5658,36 +6240,196 @@
           <a:bodyPr/>
           <a:lstStyle/>
           <a:p>
-            <a:pPr marL="158750" indent="0" rtl="0">
-              <a:spcBef>
-                <a:spcPts val="0"/>
-              </a:spcBef>
-              <a:spcAft>
-                <a:spcPts val="800"/>
-              </a:spcAft>
-              <a:buNone/>
+            <a:pPr marL="158750" marR="0" lvl="0" indent="0" algn="l" defTabSz="914400" rtl="0" eaLnBrk="1" fontAlgn="auto" latinLnBrk="0" hangingPunct="1">
+              <a:lnSpc>
+                <a:spcPct val="100000"/>
+              </a:lnSpc>
+              <a:spcBef>
+                <a:spcPts val="0"/>
+              </a:spcBef>
+              <a:spcAft>
+                <a:spcPts val="0"/>
+              </a:spcAft>
+              <a:buClr>
+                <a:srgbClr val="000000"/>
+              </a:buClr>
+              <a:buSzPts val="1100"/>
+              <a:buFont typeface="Arial"/>
+              <a:buNone/>
+              <a:tabLst/>
+              <a:defRPr/>
             </a:pPr>
             <a:r>
-              <a:rPr lang="en-US" sz="1800" b="0" i="0" u="none" strike="noStrike" dirty="0">
+              <a:rPr lang="en-US" sz="1200" b="0" i="0" u="none" strike="noStrike" dirty="0">
+                <a:solidFill>
+                  <a:srgbClr val="404040"/>
+                </a:solidFill>
+                <a:effectLst/>
+                <a:latin typeface="Proxima Nova" panose="020B0604020202020204" charset="0"/>
+              </a:rPr>
+              <a:t>Welcome to every developer’s least </a:t>
+            </a:r>
+            <a:r>
+              <a:rPr lang="en-US" sz="1200" b="0" i="0" u="none" strike="noStrike" dirty="0" err="1">
+                <a:solidFill>
+                  <a:srgbClr val="404040"/>
+                </a:solidFill>
+                <a:effectLst/>
+                <a:latin typeface="Proxima Nova" panose="020B0604020202020204" charset="0"/>
+              </a:rPr>
+              <a:t>favourite</a:t>
+            </a:r>
+            <a:r>
+              <a:rPr lang="en-US" sz="1200" b="0" i="0" u="none" strike="noStrike" dirty="0">
+                <a:solidFill>
+                  <a:srgbClr val="404040"/>
+                </a:solidFill>
+                <a:effectLst/>
+                <a:latin typeface="Proxima Nova" panose="020B0604020202020204" charset="0"/>
+              </a:rPr>
+              <a:t> catch-22.</a:t>
+            </a:r>
+          </a:p>
+          <a:p>
+            <a:pPr marL="158750" marR="0" lvl="0" indent="0" algn="l" defTabSz="914400" rtl="0" eaLnBrk="1" fontAlgn="auto" latinLnBrk="0" hangingPunct="1">
+              <a:lnSpc>
+                <a:spcPct val="100000"/>
+              </a:lnSpc>
+              <a:spcBef>
+                <a:spcPts val="0"/>
+              </a:spcBef>
+              <a:spcAft>
+                <a:spcPts val="0"/>
+              </a:spcAft>
+              <a:buClr>
+                <a:srgbClr val="000000"/>
+              </a:buClr>
+              <a:buSzPts val="1100"/>
+              <a:buFont typeface="Arial"/>
+              <a:buNone/>
+              <a:tabLst/>
+              <a:defRPr/>
+            </a:pPr>
+            <a:endParaRPr lang="en-US" sz="1200" b="0" i="0" u="none" strike="noStrike" dirty="0">
+              <a:solidFill>
+                <a:srgbClr val="000000"/>
+              </a:solidFill>
+              <a:effectLst/>
+              <a:latin typeface="Proxima Nova" panose="020B0604020202020204" charset="0"/>
+            </a:endParaRPr>
+          </a:p>
+          <a:p>
+            <a:pPr marL="158750" marR="0" lvl="0" indent="0" algn="l" defTabSz="914400" rtl="0" eaLnBrk="1" fontAlgn="auto" latinLnBrk="0" hangingPunct="1">
+              <a:lnSpc>
+                <a:spcPct val="100000"/>
+              </a:lnSpc>
+              <a:spcBef>
+                <a:spcPts val="0"/>
+              </a:spcBef>
+              <a:spcAft>
+                <a:spcPts val="0"/>
+              </a:spcAft>
+              <a:buClr>
+                <a:srgbClr val="000000"/>
+              </a:buClr>
+              <a:buSzPts val="1100"/>
+              <a:buFont typeface="Arial"/>
+              <a:buNone/>
+              <a:tabLst/>
+              <a:defRPr/>
+            </a:pPr>
+            <a:r>
+              <a:rPr lang="en-US" sz="1200" b="0" i="0" u="none" strike="noStrike" dirty="0">
                 <a:solidFill>
                   <a:srgbClr val="000000"/>
                 </a:solidFill>
                 <a:effectLst/>
-                <a:latin typeface="Calibri" panose="020F0502020204030204" pitchFamily="34" charset="0"/>
+                <a:latin typeface="Proxima Nova" panose="020B0604020202020204" charset="0"/>
               </a:rPr>
-              <a:t>We don’t want a perfectly “good enough” document that we already understand to be changed.</a:t>
-            </a:r>
-            <a:br>
-              <a:rPr lang="en-US" dirty="0"/>
-            </a:br>
-            <a:endParaRPr lang="en-US" dirty="0"/>
+              <a:t>The most common technique to reduce risk is automated testing, but some code </a:t>
+            </a:r>
+            <a:r>
+              <a:rPr lang="en-US" sz="1200" b="1" i="0" u="none" strike="noStrike" dirty="0">
+                <a:solidFill>
+                  <a:srgbClr val="000000"/>
+                </a:solidFill>
+                <a:effectLst/>
+                <a:latin typeface="Proxima Nova" panose="020B0604020202020204" charset="0"/>
+              </a:rPr>
+              <a:t>can’t be tested</a:t>
+            </a:r>
+            <a:r>
+              <a:rPr lang="en-US" sz="1200" b="0" i="0" u="none" strike="noStrike" dirty="0">
+                <a:solidFill>
+                  <a:srgbClr val="000000"/>
+                </a:solidFill>
+                <a:effectLst/>
+                <a:latin typeface="Proxima Nova" panose="020B0604020202020204" charset="0"/>
+              </a:rPr>
+              <a:t>. The safest strategy is to </a:t>
+            </a:r>
+            <a:r>
+              <a:rPr lang="en-US" sz="1200" b="1" i="0" u="none" strike="noStrike" dirty="0">
+                <a:solidFill>
+                  <a:srgbClr val="000000"/>
+                </a:solidFill>
+                <a:effectLst/>
+                <a:latin typeface="Proxima Nova" panose="020B0604020202020204" charset="0"/>
+              </a:rPr>
+              <a:t>not</a:t>
+            </a:r>
+            <a:r>
+              <a:rPr lang="en-US" sz="1200" b="0" i="0" u="none" strike="noStrike" dirty="0">
+                <a:solidFill>
+                  <a:srgbClr val="000000"/>
+                </a:solidFill>
+                <a:effectLst/>
+                <a:latin typeface="Proxima Nova" panose="020B0604020202020204" charset="0"/>
+              </a:rPr>
+              <a:t> change untestable code. When we want to avoid a codebase or feature, we’re already trying to minimise risk – even if that isn’t a sustainable strategy. </a:t>
+            </a:r>
+            <a:endParaRPr lang="en-US" sz="1200" b="1" i="1" u="none" strike="noStrike" dirty="0">
+              <a:solidFill>
+                <a:srgbClr val="404040"/>
+              </a:solidFill>
+              <a:effectLst/>
+              <a:latin typeface="Proxima Nova" panose="020B0604020202020204" charset="0"/>
+            </a:endParaRPr>
+          </a:p>
+          <a:p>
+            <a:pPr marL="158750" marR="0" lvl="0" indent="0" algn="l" defTabSz="914400" rtl="0" eaLnBrk="1" fontAlgn="auto" latinLnBrk="0" hangingPunct="1">
+              <a:lnSpc>
+                <a:spcPct val="100000"/>
+              </a:lnSpc>
+              <a:spcBef>
+                <a:spcPts val="0"/>
+              </a:spcBef>
+              <a:spcAft>
+                <a:spcPts val="0"/>
+              </a:spcAft>
+              <a:buClr>
+                <a:srgbClr val="000000"/>
+              </a:buClr>
+              <a:buSzPts val="1100"/>
+              <a:buFont typeface="Arial"/>
+              <a:buNone/>
+              <a:tabLst/>
+              <a:defRPr/>
+            </a:pPr>
+            <a:endParaRPr lang="en-US" sz="1200" b="0" i="0" u="none" strike="noStrike" dirty="0">
+              <a:solidFill>
+                <a:srgbClr val="404040"/>
+              </a:solidFill>
+              <a:effectLst/>
+              <a:latin typeface="Proxima Nova" panose="020B0604020202020204" charset="0"/>
+            </a:endParaRPr>
           </a:p>
         </p:txBody>
       </p:sp>
     </p:spTree>
     <p:extLst>
       <p:ext uri="{BB962C8B-B14F-4D97-AF65-F5344CB8AC3E}">
-        <p14:creationId xmlns:p14="http://schemas.microsoft.com/office/powerpoint/2010/main" val="1842685466"/>
+        <p14:creationId xmlns:p14="http://schemas.microsoft.com/office/powerpoint/2010/main" val="1308683109"/>
       </p:ext>
     </p:extLst>
   </p:cSld>
@@ -5756,14 +6498,14 @@
               <a:buNone/>
             </a:pPr>
             <a:r>
-              <a:rPr lang="en-US" sz="1800" b="0" i="0" u="none" strike="noStrike" dirty="0">
+              <a:rPr lang="en-US" sz="1200" b="0" i="0" u="none" strike="noStrike" dirty="0">
                 <a:solidFill>
                   <a:srgbClr val="000000"/>
                 </a:solidFill>
                 <a:effectLst/>
-                <a:latin typeface="Calibri" panose="020F0502020204030204" pitchFamily="34" charset="0"/>
+                <a:latin typeface="Proxima Nova" panose="020B0604020202020204" charset="0"/>
               </a:rPr>
-              <a:t>But we do have to make changes. </a:t>
+              <a:t>As somebody who doesn’t code, but makes a living in metaphors, I couldn’t help but compare this to PDFs. </a:t>
             </a:r>
           </a:p>
           <a:p>
@@ -5776,63 +6518,49 @@
               </a:spcAft>
               <a:buNone/>
             </a:pPr>
-            <a:r>
-              <a:rPr lang="en-US" sz="1800" b="0" i="0" u="none" strike="noStrike" dirty="0">
+            <a:endParaRPr lang="en-US" sz="1200" b="0" i="0" u="none" strike="noStrike" dirty="0">
+              <a:solidFill>
+                <a:srgbClr val="000000"/>
+              </a:solidFill>
+              <a:effectLst/>
+              <a:latin typeface="Proxima Nova" panose="020B0604020202020204" charset="0"/>
+            </a:endParaRPr>
+          </a:p>
+          <a:p>
+            <a:pPr marL="158750" indent="0" rtl="0">
+              <a:spcBef>
+                <a:spcPts val="0"/>
+              </a:spcBef>
+              <a:spcAft>
+                <a:spcPts val="800"/>
+              </a:spcAft>
+              <a:buNone/>
+            </a:pPr>
+            <a:r>
+              <a:rPr lang="en-US" sz="1200" b="0" i="0" u="none" strike="noStrike" dirty="0">
                 <a:solidFill>
                   <a:srgbClr val="000000"/>
                 </a:solidFill>
                 <a:effectLst/>
-                <a:latin typeface="Calibri" panose="020F0502020204030204" pitchFamily="34" charset="0"/>
+                <a:latin typeface="Proxima Nova" panose="020B0604020202020204" charset="0"/>
               </a:rPr>
-              <a:t>Developers do need to add features and … they want to improve the design.</a:t>
-            </a:r>
-          </a:p>
-          <a:p>
-            <a:pPr marL="158750" indent="0" rtl="0">
-              <a:spcBef>
-                <a:spcPts val="0"/>
-              </a:spcBef>
-              <a:spcAft>
-                <a:spcPts val="800"/>
-              </a:spcAft>
-              <a:buNone/>
-            </a:pPr>
-            <a:endParaRPr lang="en-US" sz="1800" b="0" i="0" u="none" strike="noStrike" dirty="0">
-              <a:solidFill>
-                <a:srgbClr val="000000"/>
-              </a:solidFill>
-              <a:effectLst/>
-              <a:latin typeface="Calibri" panose="020F0502020204030204" pitchFamily="34" charset="0"/>
+              <a:t>We want PDFs because we don’t want a perfectly “good enough” document that we already understand to be changed.</a:t>
+            </a:r>
+            <a:br>
+              <a:rPr lang="en-US" sz="1200" dirty="0">
+                <a:latin typeface="Proxima Nova" panose="020B0604020202020204" charset="0"/>
+              </a:rPr>
+            </a:br>
+            <a:endParaRPr lang="en-US" sz="1200" dirty="0">
+              <a:latin typeface="Proxima Nova" panose="020B0604020202020204" charset="0"/>
             </a:endParaRPr>
-          </a:p>
-          <a:p>
-            <a:pPr marL="158750" indent="0" rtl="0">
-              <a:spcBef>
-                <a:spcPts val="0"/>
-              </a:spcBef>
-              <a:spcAft>
-                <a:spcPts val="800"/>
-              </a:spcAft>
-              <a:buNone/>
-            </a:pPr>
-            <a:r>
-              <a:rPr lang="en-US" sz="1800" b="0" i="0" u="none" strike="noStrike" dirty="0">
-                <a:solidFill>
-                  <a:srgbClr val="000000"/>
-                </a:solidFill>
-                <a:effectLst/>
-                <a:latin typeface="Calibri" panose="020F0502020204030204" pitchFamily="34" charset="0"/>
-              </a:rPr>
-              <a:t>Both features and design improvement mean change.</a:t>
-            </a:r>
-            <a:endParaRPr lang="en-US" dirty="0"/>
           </a:p>
         </p:txBody>
       </p:sp>
     </p:spTree>
     <p:extLst>
       <p:ext uri="{BB962C8B-B14F-4D97-AF65-F5344CB8AC3E}">
-        <p14:creationId xmlns:p14="http://schemas.microsoft.com/office/powerpoint/2010/main" val="1751755818"/>
+        <p14:creationId xmlns:p14="http://schemas.microsoft.com/office/powerpoint/2010/main" val="653404437"/>
       </p:ext>
     </p:extLst>
   </p:cSld>
@@ -5901,23 +6629,64 @@
               <a:buNone/>
             </a:pPr>
             <a:r>
-              <a:rPr lang="en-US" sz="1800" b="0" i="0" u="none" strike="noStrike" dirty="0">
+              <a:rPr lang="en-US" sz="1200" b="0" i="0" u="none" strike="noStrike" dirty="0">
                 <a:solidFill>
                   <a:srgbClr val="000000"/>
                 </a:solidFill>
                 <a:effectLst/>
-                <a:latin typeface="Calibri" panose="020F0502020204030204" pitchFamily="34" charset="0"/>
+                <a:latin typeface="Proxima Nova" panose="020B0604020202020204" charset="0"/>
               </a:rPr>
-              <a:t>And as we already know, change brings not only the possibility of bugs. We also don’t know where they’ll be. After all, it’s not like we can test this untestable code.</a:t>
-            </a:r>
-            <a:endParaRPr lang="en-US" dirty="0"/>
+              <a:t>But we do have to make changes. That’s the reality of business. Not only do developers need to add features, but they also want to improve the design.</a:t>
+            </a:r>
+          </a:p>
+          <a:p>
+            <a:pPr marL="158750" indent="0" rtl="0">
+              <a:spcBef>
+                <a:spcPts val="0"/>
+              </a:spcBef>
+              <a:spcAft>
+                <a:spcPts val="800"/>
+              </a:spcAft>
+              <a:buNone/>
+            </a:pPr>
+            <a:endParaRPr lang="en-US" sz="1200" b="0" i="0" u="none" strike="noStrike" dirty="0">
+              <a:solidFill>
+                <a:srgbClr val="000000"/>
+              </a:solidFill>
+              <a:effectLst/>
+              <a:latin typeface="Proxima Nova" panose="020B0604020202020204" charset="0"/>
+            </a:endParaRPr>
+          </a:p>
+          <a:p>
+            <a:pPr marL="158750" indent="0" rtl="0">
+              <a:spcBef>
+                <a:spcPts val="0"/>
+              </a:spcBef>
+              <a:spcAft>
+                <a:spcPts val="800"/>
+              </a:spcAft>
+              <a:buNone/>
+            </a:pPr>
+            <a:r>
+              <a:rPr lang="en-US" sz="1200" b="0" i="0" u="none" strike="noStrike" dirty="0">
+                <a:solidFill>
+                  <a:srgbClr val="000000"/>
+                </a:solidFill>
+                <a:effectLst/>
+                <a:latin typeface="Proxima Nova" panose="020B0604020202020204" charset="0"/>
+              </a:rPr>
+              <a:t>Both features and design improvement mean change to our proverbial PDF. </a:t>
+            </a:r>
+            <a:endParaRPr lang="en-US" sz="1200" dirty="0">
+              <a:latin typeface="Proxima Nova" panose="020B0604020202020204" charset="0"/>
+            </a:endParaRPr>
           </a:p>
         </p:txBody>
       </p:sp>
     </p:spTree>
     <p:extLst>
       <p:ext uri="{BB962C8B-B14F-4D97-AF65-F5344CB8AC3E}">
-        <p14:creationId xmlns:p14="http://schemas.microsoft.com/office/powerpoint/2010/main" val="1000783821"/>
+        <p14:creationId xmlns:p14="http://schemas.microsoft.com/office/powerpoint/2010/main" val="656323160"/>
       </p:ext>
     </p:extLst>
   </p:cSld>
@@ -5986,23 +6755,25 @@
               <a:buNone/>
             </a:pPr>
             <a:r>
-              <a:rPr lang="en-US" sz="1800" b="0" i="0" u="none" strike="noStrike" dirty="0">
+              <a:rPr lang="en-US" sz="1200" b="0" i="0" u="none" strike="noStrike" dirty="0">
                 <a:solidFill>
                   <a:srgbClr val="000000"/>
                 </a:solidFill>
                 <a:effectLst/>
-                <a:latin typeface="Calibri" panose="020F0502020204030204" pitchFamily="34" charset="0"/>
+                <a:latin typeface="Proxima Nova" panose="020B0604020202020204" charset="0"/>
               </a:rPr>
-              <a:t>Now, as a manager or product owner, or even as teams, the first knee jerk response is to maintain an illusion of control. I can make changes, but you can’t. </a:t>
-            </a:r>
-            <a:endParaRPr lang="en-US" dirty="0"/>
+              <a:t>There’s nothing so terrifying as receiving an edited document without Track Changes. For the developer, these “changes” brings not only the possibility of bugs, but an unknown amount of hours finding them when they cause problems somewhere completely unrelated. After all, it’s not like we can test this untestable code before integration. Cycle of panic complete. </a:t>
+            </a:r>
+            <a:endParaRPr lang="en-US" sz="1200" dirty="0">
+              <a:latin typeface="Proxima Nova" panose="020B0604020202020204" charset="0"/>
+            </a:endParaRPr>
           </a:p>
         </p:txBody>
       </p:sp>
     </p:spTree>
     <p:extLst>
       <p:ext uri="{BB962C8B-B14F-4D97-AF65-F5344CB8AC3E}">
-        <p14:creationId xmlns:p14="http://schemas.microsoft.com/office/powerpoint/2010/main" val="1230896714"/>
+        <p14:creationId xmlns:p14="http://schemas.microsoft.com/office/powerpoint/2010/main" val="3655708862"/>
       </p:ext>
     </p:extLst>
   </p:cSld>
@@ -6071,23 +6842,103 @@
               <a:buNone/>
             </a:pPr>
             <a:r>
-              <a:rPr lang="en-US" sz="1800" b="0" i="0" u="none" strike="noStrike" dirty="0">
+              <a:rPr lang="en-US" sz="1200" b="0" i="0" u="none" strike="noStrike" dirty="0">
                 <a:solidFill>
                   <a:srgbClr val="000000"/>
                 </a:solidFill>
                 <a:effectLst/>
-                <a:latin typeface="Calibri" panose="020F0502020204030204" pitchFamily="34" charset="0"/>
+                <a:latin typeface="Proxima Nova" panose="020B0604020202020204" charset="0"/>
               </a:rPr>
-              <a:t>In my words, you can create your own PDF, but don’t mess with mine. In development speak, this means you can add features, but you aren’t allowed to refactor. </a:t>
-            </a:r>
-            <a:endParaRPr lang="en-US" dirty="0"/>
+              <a:t>We work very hard to avoid this cycle of panic. </a:t>
+            </a:r>
+          </a:p>
+          <a:p>
+            <a:pPr marL="158750" indent="0" rtl="0">
+              <a:spcBef>
+                <a:spcPts val="0"/>
+              </a:spcBef>
+              <a:spcAft>
+                <a:spcPts val="800"/>
+              </a:spcAft>
+              <a:buNone/>
+            </a:pPr>
+            <a:endParaRPr lang="en-US" sz="1200" b="0" i="0" u="none" strike="noStrike" dirty="0">
+              <a:solidFill>
+                <a:srgbClr val="000000"/>
+              </a:solidFill>
+              <a:effectLst/>
+              <a:latin typeface="Proxima Nova" panose="020B0604020202020204" charset="0"/>
+            </a:endParaRPr>
+          </a:p>
+          <a:p>
+            <a:pPr marL="158750" indent="0" rtl="0">
+              <a:spcBef>
+                <a:spcPts val="0"/>
+              </a:spcBef>
+              <a:spcAft>
+                <a:spcPts val="800"/>
+              </a:spcAft>
+              <a:buNone/>
+            </a:pPr>
+            <a:r>
+              <a:rPr lang="en-US" sz="1200" b="0" i="0" u="none" strike="noStrike" dirty="0">
+                <a:solidFill>
+                  <a:srgbClr val="000000"/>
+                </a:solidFill>
+                <a:effectLst/>
+                <a:latin typeface="Proxima Nova" panose="020B0604020202020204" charset="0"/>
+              </a:rPr>
+              <a:t>The first knee jerk response is to maintain an illusion of control. </a:t>
+            </a:r>
+          </a:p>
+          <a:p>
+            <a:pPr marL="158750" indent="0" rtl="0">
+              <a:spcBef>
+                <a:spcPts val="0"/>
+              </a:spcBef>
+              <a:spcAft>
+                <a:spcPts val="800"/>
+              </a:spcAft>
+              <a:buNone/>
+            </a:pPr>
+            <a:endParaRPr lang="en-US" sz="1200" b="0" i="0" u="none" strike="noStrike" dirty="0">
+              <a:solidFill>
+                <a:srgbClr val="000000"/>
+              </a:solidFill>
+              <a:effectLst/>
+              <a:latin typeface="Proxima Nova" panose="020B0604020202020204" charset="0"/>
+            </a:endParaRPr>
+          </a:p>
+          <a:p>
+            <a:pPr marL="158750" indent="0" rtl="0">
+              <a:spcBef>
+                <a:spcPts val="0"/>
+              </a:spcBef>
+              <a:spcAft>
+                <a:spcPts val="800"/>
+              </a:spcAft>
+              <a:buNone/>
+            </a:pPr>
+            <a:r>
+              <a:rPr lang="en-US" sz="1200" b="0" i="0" u="none" strike="noStrike" dirty="0">
+                <a:solidFill>
+                  <a:srgbClr val="000000"/>
+                </a:solidFill>
+                <a:effectLst/>
+                <a:latin typeface="Proxima Nova" panose="020B0604020202020204" charset="0"/>
+              </a:rPr>
+              <a:t>I can make changes, but you can’t. </a:t>
+            </a:r>
+            <a:endParaRPr lang="en-US" sz="1200" dirty="0">
+              <a:latin typeface="Proxima Nova" panose="020B0604020202020204" charset="0"/>
+            </a:endParaRPr>
           </a:p>
         </p:txBody>
       </p:sp>
     </p:spTree>
     <p:extLst>
       <p:ext uri="{BB962C8B-B14F-4D97-AF65-F5344CB8AC3E}">
-        <p14:creationId xmlns:p14="http://schemas.microsoft.com/office/powerpoint/2010/main" val="1042888910"/>
+        <p14:creationId xmlns:p14="http://schemas.microsoft.com/office/powerpoint/2010/main" val="2128863992"/>
       </p:ext>
     </p:extLst>
   </p:cSld>
@@ -6146,20 +6997,74 @@
           <a:bodyPr/>
           <a:lstStyle/>
           <a:p>
-            <a:pPr marL="158750" indent="0">
+            <a:pPr marL="158750" indent="0" rtl="0">
+              <a:spcBef>
+                <a:spcPts val="0"/>
+              </a:spcBef>
+              <a:spcAft>
+                <a:spcPts val="800"/>
+              </a:spcAft>
               <a:buNone/>
             </a:pPr>
             <a:r>
-              <a:rPr lang="en-US" dirty="0"/>
-              <a:t>But then, of course, came the PDF editor. It breaks our illusion of control, which is the same thing as developers refactoring without permission. Managers really dislike code changing without permission.</a:t>
-            </a:r>
+              <a:rPr lang="en-US" sz="1200" b="0" i="0" u="none" strike="noStrike" dirty="0">
+                <a:solidFill>
+                  <a:srgbClr val="000000"/>
+                </a:solidFill>
+                <a:effectLst/>
+                <a:latin typeface="Proxima Nova" panose="020B0604020202020204" charset="0"/>
+              </a:rPr>
+              <a:t>In my words, you can create your own PDF, but don’t mess with mine. </a:t>
+            </a:r>
+          </a:p>
+          <a:p>
+            <a:pPr marL="158750" indent="0" rtl="0">
+              <a:spcBef>
+                <a:spcPts val="0"/>
+              </a:spcBef>
+              <a:spcAft>
+                <a:spcPts val="800"/>
+              </a:spcAft>
+              <a:buNone/>
+            </a:pPr>
+            <a:endParaRPr lang="en-US" sz="1200" b="0" i="0" u="none" strike="noStrike" dirty="0">
+              <a:solidFill>
+                <a:srgbClr val="000000"/>
+              </a:solidFill>
+              <a:effectLst/>
+              <a:latin typeface="Proxima Nova" panose="020B0604020202020204" charset="0"/>
+            </a:endParaRPr>
+          </a:p>
+          <a:p>
+            <a:pPr marL="158750" indent="0" rtl="0">
+              <a:spcBef>
+                <a:spcPts val="0"/>
+              </a:spcBef>
+              <a:spcAft>
+                <a:spcPts val="800"/>
+              </a:spcAft>
+              <a:buNone/>
+            </a:pPr>
+            <a:r>
+              <a:rPr lang="en-US" sz="1200" b="0" i="0" u="none" strike="noStrike" dirty="0">
+                <a:solidFill>
+                  <a:srgbClr val="000000"/>
+                </a:solidFill>
+                <a:effectLst/>
+                <a:latin typeface="Proxima Nova" panose="020B0604020202020204" charset="0"/>
+              </a:rPr>
+              <a:t>In development speak, this means you can add features, but you aren’t allowed to refactor. </a:t>
+            </a:r>
+            <a:endParaRPr lang="en-US" sz="1200" dirty="0">
+              <a:latin typeface="Proxima Nova" panose="020B0604020202020204" charset="0"/>
+            </a:endParaRPr>
           </a:p>
         </p:txBody>
       </p:sp>
     </p:spTree>
     <p:extLst>
       <p:ext uri="{BB962C8B-B14F-4D97-AF65-F5344CB8AC3E}">
-        <p14:creationId xmlns:p14="http://schemas.microsoft.com/office/powerpoint/2010/main" val="2505831777"/>
+        <p14:creationId xmlns:p14="http://schemas.microsoft.com/office/powerpoint/2010/main" val="2942263675"/>
       </p:ext>
     </p:extLst>
   </p:cSld>
@@ -11568,6 +12473,11 @@
         </p:spPr>
       </p:pic>
     </p:spTree>
+    <p:extLst>
+      <p:ext uri="{BB962C8B-B14F-4D97-AF65-F5344CB8AC3E}">
+        <p14:creationId xmlns:p14="http://schemas.microsoft.com/office/powerpoint/2010/main" val="3865939387"/>
+      </p:ext>
+    </p:extLst>
   </p:cSld>
   <p:clrMapOvr>
     <a:masterClrMapping/>
@@ -11576,6 +12486,914 @@
 </file>
 
 <file path=ppt/slides/slide10.xml><?xml version="1.0" encoding="utf-8"?>
+<p:sld xmlns:a="http://schemas.openxmlformats.org/drawingml/2006/main" xmlns:r="http://schemas.openxmlformats.org/officeDocument/2006/relationships" xmlns:p="http://schemas.openxmlformats.org/presentationml/2006/main">
+  <p:cSld>
+    <p:spTree>
+      <p:nvGrpSpPr>
+        <p:cNvPr id="1" name=""/>
+        <p:cNvGrpSpPr/>
+        <p:nvPr/>
+      </p:nvGrpSpPr>
+      <p:grpSpPr>
+        <a:xfrm>
+          <a:off x="0" y="0"/>
+          <a:ext cx="0" cy="0"/>
+          <a:chOff x="0" y="0"/>
+          <a:chExt cx="0" cy="0"/>
+        </a:xfrm>
+      </p:grpSpPr>
+      <p:pic>
+        <p:nvPicPr>
+          <p:cNvPr id="2050" name="Picture 2" descr="Free PDF Editor Download | Foxit Software">
+            <a:extLst>
+              <a:ext uri="{FF2B5EF4-FFF2-40B4-BE49-F238E27FC236}">
+                <a16:creationId xmlns:a16="http://schemas.microsoft.com/office/drawing/2014/main" id="{DC1AEDFA-DC4F-AB36-7F9D-155118B1CDD8}"/>
+              </a:ext>
+            </a:extLst>
+          </p:cNvPr>
+          <p:cNvPicPr>
+            <a:picLocks noChangeAspect="1" noChangeArrowheads="1"/>
+          </p:cNvPicPr>
+          <p:nvPr/>
+        </p:nvPicPr>
+        <p:blipFill>
+          <a:blip r:embed="rId3">
+            <a:extLst>
+              <a:ext uri="{28A0092B-C50C-407E-A947-70E740481C1C}">
+                <a14:useLocalDpi xmlns:a14="http://schemas.microsoft.com/office/drawing/2010/main" val="0"/>
+              </a:ext>
+            </a:extLst>
+          </a:blip>
+          <a:srcRect/>
+          <a:stretch>
+            <a:fillRect/>
+          </a:stretch>
+        </p:blipFill>
+        <p:spPr bwMode="auto">
+          <a:xfrm>
+            <a:off x="4444385" y="1181432"/>
+            <a:ext cx="3303229" cy="3303229"/>
+          </a:xfrm>
+          <a:prstGeom prst="rect">
+            <a:avLst/>
+          </a:prstGeom>
+          <a:noFill/>
+          <a:extLst>
+            <a:ext uri="{909E8E84-426E-40DD-AFC4-6F175D3DCCD1}">
+              <a14:hiddenFill xmlns:a14="http://schemas.microsoft.com/office/drawing/2010/main">
+                <a:solidFill>
+                  <a:srgbClr val="FFFFFF"/>
+                </a:solidFill>
+              </a14:hiddenFill>
+            </a:ext>
+          </a:extLst>
+        </p:spPr>
+      </p:pic>
+      <p:pic>
+        <p:nvPicPr>
+          <p:cNvPr id="10" name="Picture 9" descr="A drawing of a cat&#10;&#10;Description automatically generated with low confidence">
+            <a:extLst>
+              <a:ext uri="{FF2B5EF4-FFF2-40B4-BE49-F238E27FC236}">
+                <a16:creationId xmlns:a16="http://schemas.microsoft.com/office/drawing/2014/main" id="{06D272AB-EACC-3400-9595-6FBA8A29784E}"/>
+              </a:ext>
+            </a:extLst>
+          </p:cNvPr>
+          <p:cNvPicPr>
+            <a:picLocks noChangeAspect="1"/>
+          </p:cNvPicPr>
+          <p:nvPr/>
+        </p:nvPicPr>
+        <p:blipFill>
+          <a:blip r:embed="rId4"/>
+          <a:stretch>
+            <a:fillRect/>
+          </a:stretch>
+        </p:blipFill>
+        <p:spPr>
+          <a:xfrm>
+            <a:off x="3802187" y="4566286"/>
+            <a:ext cx="1872532" cy="1872532"/>
+          </a:xfrm>
+          <a:prstGeom prst="rect">
+            <a:avLst/>
+          </a:prstGeom>
+        </p:spPr>
+      </p:pic>
+      <p:pic>
+        <p:nvPicPr>
+          <p:cNvPr id="14" name="Picture 13" descr="A drawing of a cat&#10;&#10;Description automatically generated with low confidence">
+            <a:extLst>
+              <a:ext uri="{FF2B5EF4-FFF2-40B4-BE49-F238E27FC236}">
+                <a16:creationId xmlns:a16="http://schemas.microsoft.com/office/drawing/2014/main" id="{4E901542-3FF6-A8F3-5A34-54611AA86783}"/>
+              </a:ext>
+            </a:extLst>
+          </p:cNvPr>
+          <p:cNvPicPr>
+            <a:picLocks noChangeAspect="1"/>
+          </p:cNvPicPr>
+          <p:nvPr/>
+        </p:nvPicPr>
+        <p:blipFill>
+          <a:blip r:embed="rId4"/>
+          <a:stretch>
+            <a:fillRect/>
+          </a:stretch>
+        </p:blipFill>
+        <p:spPr>
+          <a:xfrm>
+            <a:off x="747128" y="719718"/>
+            <a:ext cx="1872532" cy="1872532"/>
+          </a:xfrm>
+          <a:prstGeom prst="rect">
+            <a:avLst/>
+          </a:prstGeom>
+        </p:spPr>
+      </p:pic>
+      <p:pic>
+        <p:nvPicPr>
+          <p:cNvPr id="15" name="Picture 14" descr="A drawing of a cat&#10;&#10;Description automatically generated with low confidence">
+            <a:extLst>
+              <a:ext uri="{FF2B5EF4-FFF2-40B4-BE49-F238E27FC236}">
+                <a16:creationId xmlns:a16="http://schemas.microsoft.com/office/drawing/2014/main" id="{61D06C74-8EDC-B075-0AE4-FF793A939FB5}"/>
+              </a:ext>
+            </a:extLst>
+          </p:cNvPr>
+          <p:cNvPicPr>
+            <a:picLocks noChangeAspect="1"/>
+          </p:cNvPicPr>
+          <p:nvPr/>
+        </p:nvPicPr>
+        <p:blipFill>
+          <a:blip r:embed="rId4"/>
+          <a:stretch>
+            <a:fillRect/>
+          </a:stretch>
+        </p:blipFill>
+        <p:spPr>
+          <a:xfrm>
+            <a:off x="5626912" y="4146192"/>
+            <a:ext cx="1872532" cy="1872532"/>
+          </a:xfrm>
+          <a:prstGeom prst="rect">
+            <a:avLst/>
+          </a:prstGeom>
+        </p:spPr>
+      </p:pic>
+      <p:pic>
+        <p:nvPicPr>
+          <p:cNvPr id="16" name="Picture 15" descr="A drawing of a cat&#10;&#10;Description automatically generated with low confidence">
+            <a:extLst>
+              <a:ext uri="{FF2B5EF4-FFF2-40B4-BE49-F238E27FC236}">
+                <a16:creationId xmlns:a16="http://schemas.microsoft.com/office/drawing/2014/main" id="{E303F9E6-A0BC-8A72-DC93-909066024D1B}"/>
+              </a:ext>
+            </a:extLst>
+          </p:cNvPr>
+          <p:cNvPicPr>
+            <a:picLocks noChangeAspect="1"/>
+          </p:cNvPicPr>
+          <p:nvPr/>
+        </p:nvPicPr>
+        <p:blipFill>
+          <a:blip r:embed="rId4"/>
+          <a:stretch>
+            <a:fillRect/>
+          </a:stretch>
+        </p:blipFill>
+        <p:spPr>
+          <a:xfrm>
+            <a:off x="2643730" y="3002530"/>
+            <a:ext cx="1872532" cy="1872532"/>
+          </a:xfrm>
+          <a:prstGeom prst="rect">
+            <a:avLst/>
+          </a:prstGeom>
+        </p:spPr>
+      </p:pic>
+      <p:pic>
+        <p:nvPicPr>
+          <p:cNvPr id="17" name="Picture 16" descr="A drawing of a cat&#10;&#10;Description automatically generated with low confidence">
+            <a:extLst>
+              <a:ext uri="{FF2B5EF4-FFF2-40B4-BE49-F238E27FC236}">
+                <a16:creationId xmlns:a16="http://schemas.microsoft.com/office/drawing/2014/main" id="{280CB34A-E919-807E-7F0C-635602F6B8F4}"/>
+              </a:ext>
+            </a:extLst>
+          </p:cNvPr>
+          <p:cNvPicPr>
+            <a:picLocks noChangeAspect="1"/>
+          </p:cNvPicPr>
+          <p:nvPr/>
+        </p:nvPicPr>
+        <p:blipFill>
+          <a:blip r:embed="rId4"/>
+          <a:stretch>
+            <a:fillRect/>
+          </a:stretch>
+        </p:blipFill>
+        <p:spPr>
+          <a:xfrm>
+            <a:off x="7797231" y="2300414"/>
+            <a:ext cx="1872532" cy="1872532"/>
+          </a:xfrm>
+          <a:prstGeom prst="rect">
+            <a:avLst/>
+          </a:prstGeom>
+        </p:spPr>
+      </p:pic>
+      <p:pic>
+        <p:nvPicPr>
+          <p:cNvPr id="18" name="Picture 17" descr="A drawing of a cat&#10;&#10;Description automatically generated with low confidence">
+            <a:extLst>
+              <a:ext uri="{FF2B5EF4-FFF2-40B4-BE49-F238E27FC236}">
+                <a16:creationId xmlns:a16="http://schemas.microsoft.com/office/drawing/2014/main" id="{C61EBA90-74D6-90D8-1750-8ADFD69A8916}"/>
+              </a:ext>
+            </a:extLst>
+          </p:cNvPr>
+          <p:cNvPicPr>
+            <a:picLocks noChangeAspect="1"/>
+          </p:cNvPicPr>
+          <p:nvPr/>
+        </p:nvPicPr>
+        <p:blipFill>
+          <a:blip r:embed="rId4"/>
+          <a:stretch>
+            <a:fillRect/>
+          </a:stretch>
+        </p:blipFill>
+        <p:spPr>
+          <a:xfrm>
+            <a:off x="7673828" y="4566286"/>
+            <a:ext cx="1872532" cy="1872532"/>
+          </a:xfrm>
+          <a:prstGeom prst="rect">
+            <a:avLst/>
+          </a:prstGeom>
+        </p:spPr>
+      </p:pic>
+      <p:pic>
+        <p:nvPicPr>
+          <p:cNvPr id="19" name="Picture 18" descr="A drawing of a cat&#10;&#10;Description automatically generated with low confidence">
+            <a:extLst>
+              <a:ext uri="{FF2B5EF4-FFF2-40B4-BE49-F238E27FC236}">
+                <a16:creationId xmlns:a16="http://schemas.microsoft.com/office/drawing/2014/main" id="{DEE1A522-FD4C-1255-BE2B-344DECA07D29}"/>
+              </a:ext>
+            </a:extLst>
+          </p:cNvPr>
+          <p:cNvPicPr>
+            <a:picLocks noChangeAspect="1"/>
+          </p:cNvPicPr>
+          <p:nvPr/>
+        </p:nvPicPr>
+        <p:blipFill>
+          <a:blip r:embed="rId4"/>
+          <a:stretch>
+            <a:fillRect/>
+          </a:stretch>
+        </p:blipFill>
+        <p:spPr>
+          <a:xfrm>
+            <a:off x="9321073" y="719718"/>
+            <a:ext cx="1872532" cy="1872532"/>
+          </a:xfrm>
+          <a:prstGeom prst="rect">
+            <a:avLst/>
+          </a:prstGeom>
+        </p:spPr>
+      </p:pic>
+      <p:pic>
+        <p:nvPicPr>
+          <p:cNvPr id="20" name="Picture 19" descr="A drawing of a cat&#10;&#10;Description automatically generated with low confidence">
+            <a:extLst>
+              <a:ext uri="{FF2B5EF4-FFF2-40B4-BE49-F238E27FC236}">
+                <a16:creationId xmlns:a16="http://schemas.microsoft.com/office/drawing/2014/main" id="{B689B904-1443-904B-5DE3-A2A56F0B991F}"/>
+              </a:ext>
+            </a:extLst>
+          </p:cNvPr>
+          <p:cNvPicPr>
+            <a:picLocks noChangeAspect="1"/>
+          </p:cNvPicPr>
+          <p:nvPr/>
+        </p:nvPicPr>
+        <p:blipFill>
+          <a:blip r:embed="rId4"/>
+          <a:stretch>
+            <a:fillRect/>
+          </a:stretch>
+        </p:blipFill>
+        <p:spPr>
+          <a:xfrm>
+            <a:off x="2323799" y="1106126"/>
+            <a:ext cx="1872532" cy="1872532"/>
+          </a:xfrm>
+          <a:prstGeom prst="rect">
+            <a:avLst/>
+          </a:prstGeom>
+        </p:spPr>
+      </p:pic>
+      <p:pic>
+        <p:nvPicPr>
+          <p:cNvPr id="21" name="Picture 20" descr="A drawing of a cat&#10;&#10;Description automatically generated with low confidence">
+            <a:extLst>
+              <a:ext uri="{FF2B5EF4-FFF2-40B4-BE49-F238E27FC236}">
+                <a16:creationId xmlns:a16="http://schemas.microsoft.com/office/drawing/2014/main" id="{5C02B571-16CE-762D-1A9C-9E719D82F7D1}"/>
+              </a:ext>
+            </a:extLst>
+          </p:cNvPr>
+          <p:cNvPicPr>
+            <a:picLocks noChangeAspect="1"/>
+          </p:cNvPicPr>
+          <p:nvPr/>
+        </p:nvPicPr>
+        <p:blipFill>
+          <a:blip r:embed="rId4"/>
+          <a:stretch>
+            <a:fillRect/>
+          </a:stretch>
+        </p:blipFill>
+        <p:spPr>
+          <a:xfrm>
+            <a:off x="561381" y="3260659"/>
+            <a:ext cx="1872532" cy="1872532"/>
+          </a:xfrm>
+          <a:prstGeom prst="rect">
+            <a:avLst/>
+          </a:prstGeom>
+        </p:spPr>
+      </p:pic>
+      <p:pic>
+        <p:nvPicPr>
+          <p:cNvPr id="22" name="Picture 21" descr="A drawing of a cat&#10;&#10;Description automatically generated with low confidence">
+            <a:extLst>
+              <a:ext uri="{FF2B5EF4-FFF2-40B4-BE49-F238E27FC236}">
+                <a16:creationId xmlns:a16="http://schemas.microsoft.com/office/drawing/2014/main" id="{57129020-4F29-4FD4-2F53-C54F3FE2448C}"/>
+              </a:ext>
+            </a:extLst>
+          </p:cNvPr>
+          <p:cNvPicPr>
+            <a:picLocks noChangeAspect="1"/>
+          </p:cNvPicPr>
+          <p:nvPr/>
+        </p:nvPicPr>
+        <p:blipFill>
+          <a:blip r:embed="rId4"/>
+          <a:stretch>
+            <a:fillRect/>
+          </a:stretch>
+        </p:blipFill>
+        <p:spPr>
+          <a:xfrm>
+            <a:off x="1676962" y="4878624"/>
+            <a:ext cx="1872532" cy="1872532"/>
+          </a:xfrm>
+          <a:prstGeom prst="rect">
+            <a:avLst/>
+          </a:prstGeom>
+        </p:spPr>
+      </p:pic>
+      <p:pic>
+        <p:nvPicPr>
+          <p:cNvPr id="23" name="Picture 22" descr="A drawing of a cat&#10;&#10;Description automatically generated with low confidence">
+            <a:extLst>
+              <a:ext uri="{FF2B5EF4-FFF2-40B4-BE49-F238E27FC236}">
+                <a16:creationId xmlns:a16="http://schemas.microsoft.com/office/drawing/2014/main" id="{1C679985-9B34-192A-8F90-CC7291A5B4C9}"/>
+              </a:ext>
+            </a:extLst>
+          </p:cNvPr>
+          <p:cNvPicPr>
+            <a:picLocks noChangeAspect="1"/>
+          </p:cNvPicPr>
+          <p:nvPr/>
+        </p:nvPicPr>
+        <p:blipFill>
+          <a:blip r:embed="rId4"/>
+          <a:stretch>
+            <a:fillRect/>
+          </a:stretch>
+        </p:blipFill>
+        <p:spPr>
+          <a:xfrm>
+            <a:off x="9324970" y="3318305"/>
+            <a:ext cx="1872532" cy="1872532"/>
+          </a:xfrm>
+          <a:prstGeom prst="rect">
+            <a:avLst/>
+          </a:prstGeom>
+        </p:spPr>
+      </p:pic>
+      <p:pic>
+        <p:nvPicPr>
+          <p:cNvPr id="24" name="Picture 23" descr="A drawing of a cat&#10;&#10;Description automatically generated with low confidence">
+            <a:extLst>
+              <a:ext uri="{FF2B5EF4-FFF2-40B4-BE49-F238E27FC236}">
+                <a16:creationId xmlns:a16="http://schemas.microsoft.com/office/drawing/2014/main" id="{47BBB0E3-C820-590C-1FE7-F59764EC1922}"/>
+              </a:ext>
+            </a:extLst>
+          </p:cNvPr>
+          <p:cNvPicPr>
+            <a:picLocks noChangeAspect="1"/>
+          </p:cNvPicPr>
+          <p:nvPr/>
+        </p:nvPicPr>
+        <p:blipFill>
+          <a:blip r:embed="rId4"/>
+          <a:stretch>
+            <a:fillRect/>
+          </a:stretch>
+        </p:blipFill>
+        <p:spPr>
+          <a:xfrm>
+            <a:off x="7573269" y="468695"/>
+            <a:ext cx="1872532" cy="1872532"/>
+          </a:xfrm>
+          <a:prstGeom prst="rect">
+            <a:avLst/>
+          </a:prstGeom>
+        </p:spPr>
+      </p:pic>
+    </p:spTree>
+    <p:extLst>
+      <p:ext uri="{BB962C8B-B14F-4D97-AF65-F5344CB8AC3E}">
+        <p14:creationId xmlns:p14="http://schemas.microsoft.com/office/powerpoint/2010/main" val="1884033201"/>
+      </p:ext>
+    </p:extLst>
+  </p:cSld>
+  <p:clrMapOvr>
+    <a:masterClrMapping/>
+  </p:clrMapOvr>
+  <p:timing>
+    <p:tnLst>
+      <p:par>
+        <p:cTn id="1" dur="indefinite" restart="never" nodeType="tmRoot">
+          <p:childTnLst>
+            <p:seq concurrent="1" nextAc="seek">
+              <p:cTn id="2" dur="indefinite" nodeType="mainSeq">
+                <p:childTnLst>
+                  <p:par>
+                    <p:cTn id="3" fill="hold">
+                      <p:stCondLst>
+                        <p:cond delay="indefinite"/>
+                      </p:stCondLst>
+                      <p:childTnLst>
+                        <p:par>
+                          <p:cTn id="4" fill="hold">
+                            <p:stCondLst>
+                              <p:cond delay="0"/>
+                            </p:stCondLst>
+                            <p:childTnLst>
+                              <p:par>
+                                <p:cTn id="5" presetID="1" presetClass="entr" presetSubtype="0" fill="hold" nodeType="clickEffect">
+                                  <p:stCondLst>
+                                    <p:cond delay="0"/>
+                                  </p:stCondLst>
+                                  <p:childTnLst>
+                                    <p:set>
+                                      <p:cBhvr>
+                                        <p:cTn id="6" dur="1" fill="hold">
+                                          <p:stCondLst>
+                                            <p:cond delay="0"/>
+                                          </p:stCondLst>
+                                        </p:cTn>
+                                        <p:tgtEl>
+                                          <p:spTgt spid="14"/>
+                                        </p:tgtEl>
+                                        <p:attrNameLst>
+                                          <p:attrName>style.visibility</p:attrName>
+                                        </p:attrNameLst>
+                                      </p:cBhvr>
+                                      <p:to>
+                                        <p:strVal val="visible"/>
+                                      </p:to>
+                                    </p:set>
+                                  </p:childTnLst>
+                                </p:cTn>
+                              </p:par>
+                            </p:childTnLst>
+                          </p:cTn>
+                        </p:par>
+                        <p:par>
+                          <p:cTn id="7" fill="hold">
+                            <p:stCondLst>
+                              <p:cond delay="0"/>
+                            </p:stCondLst>
+                            <p:childTnLst>
+                              <p:par>
+                                <p:cTn id="8" presetID="1" presetClass="entr" presetSubtype="0" fill="hold" nodeType="afterEffect">
+                                  <p:stCondLst>
+                                    <p:cond delay="300"/>
+                                  </p:stCondLst>
+                                  <p:childTnLst>
+                                    <p:set>
+                                      <p:cBhvr>
+                                        <p:cTn id="9" dur="1" fill="hold">
+                                          <p:stCondLst>
+                                            <p:cond delay="0"/>
+                                          </p:stCondLst>
+                                        </p:cTn>
+                                        <p:tgtEl>
+                                          <p:spTgt spid="10"/>
+                                        </p:tgtEl>
+                                        <p:attrNameLst>
+                                          <p:attrName>style.visibility</p:attrName>
+                                        </p:attrNameLst>
+                                      </p:cBhvr>
+                                      <p:to>
+                                        <p:strVal val="visible"/>
+                                      </p:to>
+                                    </p:set>
+                                  </p:childTnLst>
+                                </p:cTn>
+                              </p:par>
+                            </p:childTnLst>
+                          </p:cTn>
+                        </p:par>
+                        <p:par>
+                          <p:cTn id="10" fill="hold">
+                            <p:stCondLst>
+                              <p:cond delay="300"/>
+                            </p:stCondLst>
+                            <p:childTnLst>
+                              <p:par>
+                                <p:cTn id="11" presetID="1" presetClass="entr" presetSubtype="0" fill="hold" nodeType="afterEffect">
+                                  <p:stCondLst>
+                                    <p:cond delay="300"/>
+                                  </p:stCondLst>
+                                  <p:childTnLst>
+                                    <p:set>
+                                      <p:cBhvr>
+                                        <p:cTn id="12" dur="1" fill="hold">
+                                          <p:stCondLst>
+                                            <p:cond delay="0"/>
+                                          </p:stCondLst>
+                                        </p:cTn>
+                                        <p:tgtEl>
+                                          <p:spTgt spid="15"/>
+                                        </p:tgtEl>
+                                        <p:attrNameLst>
+                                          <p:attrName>style.visibility</p:attrName>
+                                        </p:attrNameLst>
+                                      </p:cBhvr>
+                                      <p:to>
+                                        <p:strVal val="visible"/>
+                                      </p:to>
+                                    </p:set>
+                                  </p:childTnLst>
+                                </p:cTn>
+                              </p:par>
+                            </p:childTnLst>
+                          </p:cTn>
+                        </p:par>
+                        <p:par>
+                          <p:cTn id="13" fill="hold">
+                            <p:stCondLst>
+                              <p:cond delay="600"/>
+                            </p:stCondLst>
+                            <p:childTnLst>
+                              <p:par>
+                                <p:cTn id="14" presetID="1" presetClass="entr" presetSubtype="0" fill="hold" nodeType="afterEffect">
+                                  <p:stCondLst>
+                                    <p:cond delay="300"/>
+                                  </p:stCondLst>
+                                  <p:childTnLst>
+                                    <p:set>
+                                      <p:cBhvr>
+                                        <p:cTn id="15" dur="1" fill="hold">
+                                          <p:stCondLst>
+                                            <p:cond delay="0"/>
+                                          </p:stCondLst>
+                                        </p:cTn>
+                                        <p:tgtEl>
+                                          <p:spTgt spid="16"/>
+                                        </p:tgtEl>
+                                        <p:attrNameLst>
+                                          <p:attrName>style.visibility</p:attrName>
+                                        </p:attrNameLst>
+                                      </p:cBhvr>
+                                      <p:to>
+                                        <p:strVal val="visible"/>
+                                      </p:to>
+                                    </p:set>
+                                  </p:childTnLst>
+                                </p:cTn>
+                              </p:par>
+                            </p:childTnLst>
+                          </p:cTn>
+                        </p:par>
+                        <p:par>
+                          <p:cTn id="16" fill="hold">
+                            <p:stCondLst>
+                              <p:cond delay="900"/>
+                            </p:stCondLst>
+                            <p:childTnLst>
+                              <p:par>
+                                <p:cTn id="17" presetID="1" presetClass="entr" presetSubtype="0" fill="hold" nodeType="afterEffect">
+                                  <p:stCondLst>
+                                    <p:cond delay="300"/>
+                                  </p:stCondLst>
+                                  <p:childTnLst>
+                                    <p:set>
+                                      <p:cBhvr>
+                                        <p:cTn id="18" dur="1" fill="hold">
+                                          <p:stCondLst>
+                                            <p:cond delay="0"/>
+                                          </p:stCondLst>
+                                        </p:cTn>
+                                        <p:tgtEl>
+                                          <p:spTgt spid="17"/>
+                                        </p:tgtEl>
+                                        <p:attrNameLst>
+                                          <p:attrName>style.visibility</p:attrName>
+                                        </p:attrNameLst>
+                                      </p:cBhvr>
+                                      <p:to>
+                                        <p:strVal val="visible"/>
+                                      </p:to>
+                                    </p:set>
+                                  </p:childTnLst>
+                                </p:cTn>
+                              </p:par>
+                            </p:childTnLst>
+                          </p:cTn>
+                        </p:par>
+                        <p:par>
+                          <p:cTn id="19" fill="hold">
+                            <p:stCondLst>
+                              <p:cond delay="1200"/>
+                            </p:stCondLst>
+                            <p:childTnLst>
+                              <p:par>
+                                <p:cTn id="20" presetID="1" presetClass="entr" presetSubtype="0" fill="hold" nodeType="afterEffect">
+                                  <p:stCondLst>
+                                    <p:cond delay="300"/>
+                                  </p:stCondLst>
+                                  <p:childTnLst>
+                                    <p:set>
+                                      <p:cBhvr>
+                                        <p:cTn id="21" dur="1" fill="hold">
+                                          <p:stCondLst>
+                                            <p:cond delay="0"/>
+                                          </p:stCondLst>
+                                        </p:cTn>
+                                        <p:tgtEl>
+                                          <p:spTgt spid="18"/>
+                                        </p:tgtEl>
+                                        <p:attrNameLst>
+                                          <p:attrName>style.visibility</p:attrName>
+                                        </p:attrNameLst>
+                                      </p:cBhvr>
+                                      <p:to>
+                                        <p:strVal val="visible"/>
+                                      </p:to>
+                                    </p:set>
+                                  </p:childTnLst>
+                                </p:cTn>
+                              </p:par>
+                            </p:childTnLst>
+                          </p:cTn>
+                        </p:par>
+                        <p:par>
+                          <p:cTn id="22" fill="hold">
+                            <p:stCondLst>
+                              <p:cond delay="1500"/>
+                            </p:stCondLst>
+                            <p:childTnLst>
+                              <p:par>
+                                <p:cTn id="23" presetID="1" presetClass="entr" presetSubtype="0" fill="hold" nodeType="afterEffect">
+                                  <p:stCondLst>
+                                    <p:cond delay="300"/>
+                                  </p:stCondLst>
+                                  <p:childTnLst>
+                                    <p:set>
+                                      <p:cBhvr>
+                                        <p:cTn id="24" dur="1" fill="hold">
+                                          <p:stCondLst>
+                                            <p:cond delay="0"/>
+                                          </p:stCondLst>
+                                        </p:cTn>
+                                        <p:tgtEl>
+                                          <p:spTgt spid="19"/>
+                                        </p:tgtEl>
+                                        <p:attrNameLst>
+                                          <p:attrName>style.visibility</p:attrName>
+                                        </p:attrNameLst>
+                                      </p:cBhvr>
+                                      <p:to>
+                                        <p:strVal val="visible"/>
+                                      </p:to>
+                                    </p:set>
+                                  </p:childTnLst>
+                                </p:cTn>
+                              </p:par>
+                            </p:childTnLst>
+                          </p:cTn>
+                        </p:par>
+                        <p:par>
+                          <p:cTn id="25" fill="hold">
+                            <p:stCondLst>
+                              <p:cond delay="1800"/>
+                            </p:stCondLst>
+                            <p:childTnLst>
+                              <p:par>
+                                <p:cTn id="26" presetID="1" presetClass="entr" presetSubtype="0" fill="hold" nodeType="afterEffect">
+                                  <p:stCondLst>
+                                    <p:cond delay="300"/>
+                                  </p:stCondLst>
+                                  <p:childTnLst>
+                                    <p:set>
+                                      <p:cBhvr>
+                                        <p:cTn id="27" dur="1" fill="hold">
+                                          <p:stCondLst>
+                                            <p:cond delay="0"/>
+                                          </p:stCondLst>
+                                        </p:cTn>
+                                        <p:tgtEl>
+                                          <p:spTgt spid="20"/>
+                                        </p:tgtEl>
+                                        <p:attrNameLst>
+                                          <p:attrName>style.visibility</p:attrName>
+                                        </p:attrNameLst>
+                                      </p:cBhvr>
+                                      <p:to>
+                                        <p:strVal val="visible"/>
+                                      </p:to>
+                                    </p:set>
+                                  </p:childTnLst>
+                                </p:cTn>
+                              </p:par>
+                            </p:childTnLst>
+                          </p:cTn>
+                        </p:par>
+                        <p:par>
+                          <p:cTn id="28" fill="hold">
+                            <p:stCondLst>
+                              <p:cond delay="2100"/>
+                            </p:stCondLst>
+                            <p:childTnLst>
+                              <p:par>
+                                <p:cTn id="29" presetID="1" presetClass="entr" presetSubtype="0" fill="hold" nodeType="afterEffect">
+                                  <p:stCondLst>
+                                    <p:cond delay="300"/>
+                                  </p:stCondLst>
+                                  <p:childTnLst>
+                                    <p:set>
+                                      <p:cBhvr>
+                                        <p:cTn id="30" dur="1" fill="hold">
+                                          <p:stCondLst>
+                                            <p:cond delay="0"/>
+                                          </p:stCondLst>
+                                        </p:cTn>
+                                        <p:tgtEl>
+                                          <p:spTgt spid="21"/>
+                                        </p:tgtEl>
+                                        <p:attrNameLst>
+                                          <p:attrName>style.visibility</p:attrName>
+                                        </p:attrNameLst>
+                                      </p:cBhvr>
+                                      <p:to>
+                                        <p:strVal val="visible"/>
+                                      </p:to>
+                                    </p:set>
+                                  </p:childTnLst>
+                                </p:cTn>
+                              </p:par>
+                            </p:childTnLst>
+                          </p:cTn>
+                        </p:par>
+                        <p:par>
+                          <p:cTn id="31" fill="hold">
+                            <p:stCondLst>
+                              <p:cond delay="2400"/>
+                            </p:stCondLst>
+                            <p:childTnLst>
+                              <p:par>
+                                <p:cTn id="32" presetID="1" presetClass="entr" presetSubtype="0" fill="hold" nodeType="afterEffect">
+                                  <p:stCondLst>
+                                    <p:cond delay="300"/>
+                                  </p:stCondLst>
+                                  <p:childTnLst>
+                                    <p:set>
+                                      <p:cBhvr>
+                                        <p:cTn id="33" dur="1" fill="hold">
+                                          <p:stCondLst>
+                                            <p:cond delay="0"/>
+                                          </p:stCondLst>
+                                        </p:cTn>
+                                        <p:tgtEl>
+                                          <p:spTgt spid="22"/>
+                                        </p:tgtEl>
+                                        <p:attrNameLst>
+                                          <p:attrName>style.visibility</p:attrName>
+                                        </p:attrNameLst>
+                                      </p:cBhvr>
+                                      <p:to>
+                                        <p:strVal val="visible"/>
+                                      </p:to>
+                                    </p:set>
+                                  </p:childTnLst>
+                                </p:cTn>
+                              </p:par>
+                            </p:childTnLst>
+                          </p:cTn>
+                        </p:par>
+                        <p:par>
+                          <p:cTn id="34" fill="hold">
+                            <p:stCondLst>
+                              <p:cond delay="2700"/>
+                            </p:stCondLst>
+                            <p:childTnLst>
+                              <p:par>
+                                <p:cTn id="35" presetID="1" presetClass="entr" presetSubtype="0" fill="hold" nodeType="afterEffect">
+                                  <p:stCondLst>
+                                    <p:cond delay="300"/>
+                                  </p:stCondLst>
+                                  <p:childTnLst>
+                                    <p:set>
+                                      <p:cBhvr>
+                                        <p:cTn id="36" dur="1" fill="hold">
+                                          <p:stCondLst>
+                                            <p:cond delay="0"/>
+                                          </p:stCondLst>
+                                        </p:cTn>
+                                        <p:tgtEl>
+                                          <p:spTgt spid="23"/>
+                                        </p:tgtEl>
+                                        <p:attrNameLst>
+                                          <p:attrName>style.visibility</p:attrName>
+                                        </p:attrNameLst>
+                                      </p:cBhvr>
+                                      <p:to>
+                                        <p:strVal val="visible"/>
+                                      </p:to>
+                                    </p:set>
+                                  </p:childTnLst>
+                                </p:cTn>
+                              </p:par>
+                            </p:childTnLst>
+                          </p:cTn>
+                        </p:par>
+                        <p:par>
+                          <p:cTn id="37" fill="hold">
+                            <p:stCondLst>
+                              <p:cond delay="3000"/>
+                            </p:stCondLst>
+                            <p:childTnLst>
+                              <p:par>
+                                <p:cTn id="38" presetID="1" presetClass="entr" presetSubtype="0" fill="hold" nodeType="afterEffect">
+                                  <p:stCondLst>
+                                    <p:cond delay="300"/>
+                                  </p:stCondLst>
+                                  <p:childTnLst>
+                                    <p:set>
+                                      <p:cBhvr>
+                                        <p:cTn id="39" dur="1" fill="hold">
+                                          <p:stCondLst>
+                                            <p:cond delay="0"/>
+                                          </p:stCondLst>
+                                        </p:cTn>
+                                        <p:tgtEl>
+                                          <p:spTgt spid="24"/>
+                                        </p:tgtEl>
+                                        <p:attrNameLst>
+                                          <p:attrName>style.visibility</p:attrName>
+                                        </p:attrNameLst>
+                                      </p:cBhvr>
+                                      <p:to>
+                                        <p:strVal val="visible"/>
+                                      </p:to>
+                                    </p:set>
+                                  </p:childTnLst>
+                                </p:cTn>
+                              </p:par>
+                            </p:childTnLst>
+                          </p:cTn>
+                        </p:par>
+                      </p:childTnLst>
+                    </p:cTn>
+                  </p:par>
+                </p:childTnLst>
+              </p:cTn>
+              <p:prevCondLst>
+                <p:cond evt="onPrev" delay="0">
+                  <p:tgtEl>
+                    <p:sldTgt/>
+                  </p:tgtEl>
+                </p:cond>
+              </p:prevCondLst>
+              <p:nextCondLst>
+                <p:cond evt="onNext" delay="0">
+                  <p:tgtEl>
+                    <p:sldTgt/>
+                  </p:tgtEl>
+                </p:cond>
+              </p:nextCondLst>
+            </p:seq>
+          </p:childTnLst>
+        </p:cTn>
+      </p:par>
+    </p:tnLst>
+  </p:timing>
+</p:sld>
+</file>
+
+<file path=ppt/slides/slide11.xml><?xml version="1.0" encoding="utf-8"?>
 <p:sld xmlns:a="http://schemas.openxmlformats.org/drawingml/2006/main" xmlns:r="http://schemas.openxmlformats.org/officeDocument/2006/relationships" xmlns:p="http://schemas.openxmlformats.org/presentationml/2006/main">
   <p:cSld>
     <p:spTree>
@@ -11715,7 +13533,7 @@
     </p:spTree>
     <p:extLst>
       <p:ext uri="{BB962C8B-B14F-4D97-AF65-F5344CB8AC3E}">
-        <p14:creationId xmlns:p14="http://schemas.microsoft.com/office/powerpoint/2010/main" val="1851836330"/>
+        <p14:creationId xmlns:p14="http://schemas.microsoft.com/office/powerpoint/2010/main" val="1161278182"/>
       </p:ext>
     </p:extLst>
   </p:cSld>
@@ -11966,7 +13784,7 @@
 </p:sld>
 </file>
 
-<file path=ppt/slides/slide11.xml><?xml version="1.0" encoding="utf-8"?>
+<file path=ppt/slides/slide12.xml><?xml version="1.0" encoding="utf-8"?>
 <p:sld xmlns:a="http://schemas.openxmlformats.org/drawingml/2006/main" xmlns:r="http://schemas.openxmlformats.org/officeDocument/2006/relationships" xmlns:p="http://schemas.openxmlformats.org/presentationml/2006/main">
   <p:cSld>
     <p:spTree>
@@ -12400,7 +14218,7 @@
     </p:spTree>
     <p:extLst>
       <p:ext uri="{BB962C8B-B14F-4D97-AF65-F5344CB8AC3E}">
-        <p14:creationId xmlns:p14="http://schemas.microsoft.com/office/powerpoint/2010/main" val="2593270781"/>
+        <p14:creationId xmlns:p14="http://schemas.microsoft.com/office/powerpoint/2010/main" val="2864475947"/>
       </p:ext>
     </p:extLst>
   </p:cSld>
@@ -12737,7 +14555,7 @@
 </p:sld>
 </file>
 
-<file path=ppt/slides/slide12.xml><?xml version="1.0" encoding="utf-8"?>
+<file path=ppt/slides/slide13.xml><?xml version="1.0" encoding="utf-8"?>
 <p:sld xmlns:a="http://schemas.openxmlformats.org/drawingml/2006/main" xmlns:r="http://schemas.openxmlformats.org/officeDocument/2006/relationships" xmlns:p="http://schemas.openxmlformats.org/presentationml/2006/main">
   <p:cSld>
     <p:spTree>
@@ -14619,7 +16437,7 @@
     </p:spTree>
     <p:extLst>
       <p:ext uri="{BB962C8B-B14F-4D97-AF65-F5344CB8AC3E}">
-        <p14:creationId xmlns:p14="http://schemas.microsoft.com/office/powerpoint/2010/main" val="1120730869"/>
+        <p14:creationId xmlns:p14="http://schemas.microsoft.com/office/powerpoint/2010/main" val="2892818275"/>
       </p:ext>
     </p:extLst>
   </p:cSld>
@@ -14844,7 +16662,7 @@
 </p:sld>
 </file>
 
-<file path=ppt/slides/slide13.xml><?xml version="1.0" encoding="utf-8"?>
+<file path=ppt/slides/slide14.xml><?xml version="1.0" encoding="utf-8"?>
 <p:sld xmlns:a="http://schemas.openxmlformats.org/drawingml/2006/main" xmlns:r="http://schemas.openxmlformats.org/officeDocument/2006/relationships" xmlns:p="http://schemas.openxmlformats.org/presentationml/2006/main">
   <p:cSld>
     <p:spTree>
@@ -15218,7 +17036,7 @@
     </p:spTree>
     <p:extLst>
       <p:ext uri="{BB962C8B-B14F-4D97-AF65-F5344CB8AC3E}">
-        <p14:creationId xmlns:p14="http://schemas.microsoft.com/office/powerpoint/2010/main" val="769665929"/>
+        <p14:creationId xmlns:p14="http://schemas.microsoft.com/office/powerpoint/2010/main" val="2050681224"/>
       </p:ext>
     </p:extLst>
   </p:cSld>
@@ -15393,7 +17211,7 @@
 </p:sld>
 </file>
 
-<file path=ppt/slides/slide14.xml><?xml version="1.0" encoding="utf-8"?>
+<file path=ppt/slides/slide15.xml><?xml version="1.0" encoding="utf-8"?>
 <p:sld xmlns:a="http://schemas.openxmlformats.org/drawingml/2006/main" xmlns:r="http://schemas.openxmlformats.org/officeDocument/2006/relationships" xmlns:p="http://schemas.openxmlformats.org/presentationml/2006/main">
   <p:cSld>
     <p:spTree>
@@ -15642,7 +17460,7 @@
     </p:spTree>
     <p:extLst>
       <p:ext uri="{BB962C8B-B14F-4D97-AF65-F5344CB8AC3E}">
-        <p14:creationId xmlns:p14="http://schemas.microsoft.com/office/powerpoint/2010/main" val="4214847900"/>
+        <p14:creationId xmlns:p14="http://schemas.microsoft.com/office/powerpoint/2010/main" val="2400933834"/>
       </p:ext>
     </p:extLst>
   </p:cSld>
@@ -15731,7 +17549,7 @@
 </p:sld>
 </file>
 
-<file path=ppt/slides/slide15.xml><?xml version="1.0" encoding="utf-8"?>
+<file path=ppt/slides/slide16.xml><?xml version="1.0" encoding="utf-8"?>
 <p:sld xmlns:a="http://schemas.openxmlformats.org/drawingml/2006/main" xmlns:r="http://schemas.openxmlformats.org/officeDocument/2006/relationships" xmlns:p="http://schemas.openxmlformats.org/presentationml/2006/main">
   <p:cSld>
     <p:spTree>
@@ -15819,7 +17637,7 @@
     </p:spTree>
     <p:extLst>
       <p:ext uri="{BB962C8B-B14F-4D97-AF65-F5344CB8AC3E}">
-        <p14:creationId xmlns:p14="http://schemas.microsoft.com/office/powerpoint/2010/main" val="1690805279"/>
+        <p14:creationId xmlns:p14="http://schemas.microsoft.com/office/powerpoint/2010/main" val="947962283"/>
       </p:ext>
     </p:extLst>
   </p:cSld>
@@ -15829,7 +17647,7 @@
 </p:sld>
 </file>
 
-<file path=ppt/slides/slide16.xml><?xml version="1.0" encoding="utf-8"?>
+<file path=ppt/slides/slide17.xml><?xml version="1.0" encoding="utf-8"?>
 <p:sld xmlns:a="http://schemas.openxmlformats.org/drawingml/2006/main" xmlns:r="http://schemas.openxmlformats.org/officeDocument/2006/relationships" xmlns:p="http://schemas.openxmlformats.org/presentationml/2006/main">
   <p:cSld>
     <p:spTree>
@@ -15879,7 +17697,7 @@
     </p:spTree>
     <p:extLst>
       <p:ext uri="{BB962C8B-B14F-4D97-AF65-F5344CB8AC3E}">
-        <p14:creationId xmlns:p14="http://schemas.microsoft.com/office/powerpoint/2010/main" val="3142504602"/>
+        <p14:creationId xmlns:p14="http://schemas.microsoft.com/office/powerpoint/2010/main" val="3273431772"/>
       </p:ext>
     </p:extLst>
   </p:cSld>
@@ -15889,7 +17707,7 @@
 </p:sld>
 </file>
 
-<file path=ppt/slides/slide17.xml><?xml version="1.0" encoding="utf-8"?>
+<file path=ppt/slides/slide18.xml><?xml version="1.0" encoding="utf-8"?>
 <p:sld xmlns:a="http://schemas.openxmlformats.org/drawingml/2006/main" xmlns:r="http://schemas.openxmlformats.org/officeDocument/2006/relationships" xmlns:p="http://schemas.openxmlformats.org/presentationml/2006/main">
   <p:cSld>
     <p:spTree>
@@ -16209,7 +18027,7 @@
     </p:spTree>
     <p:extLst>
       <p:ext uri="{BB962C8B-B14F-4D97-AF65-F5344CB8AC3E}">
-        <p14:creationId xmlns:p14="http://schemas.microsoft.com/office/powerpoint/2010/main" val="1138538932"/>
+        <p14:creationId xmlns:p14="http://schemas.microsoft.com/office/powerpoint/2010/main" val="1000822000"/>
       </p:ext>
     </p:extLst>
   </p:cSld>
@@ -16494,7 +18312,7 @@
 </p:sld>
 </file>
 
-<file path=ppt/slides/slide18.xml><?xml version="1.0" encoding="utf-8"?>
+<file path=ppt/slides/slide19.xml><?xml version="1.0" encoding="utf-8"?>
 <p:sld xmlns:a="http://schemas.openxmlformats.org/drawingml/2006/main" xmlns:r="http://schemas.openxmlformats.org/officeDocument/2006/relationships" xmlns:p="http://schemas.openxmlformats.org/presentationml/2006/main">
   <p:cSld>
     <p:spTree>
@@ -16695,7 +18513,7 @@
     </p:spTree>
     <p:extLst>
       <p:ext uri="{BB962C8B-B14F-4D97-AF65-F5344CB8AC3E}">
-        <p14:creationId xmlns:p14="http://schemas.microsoft.com/office/powerpoint/2010/main" val="2153048355"/>
+        <p14:creationId xmlns:p14="http://schemas.microsoft.com/office/powerpoint/2010/main" val="1880776132"/>
       </p:ext>
     </p:extLst>
   </p:cSld>
@@ -16818,7 +18636,67 @@
 </p:sld>
 </file>
 
-<file path=ppt/slides/slide19.xml><?xml version="1.0" encoding="utf-8"?>
+<file path=ppt/slides/slide2.xml><?xml version="1.0" encoding="utf-8"?>
+<p:sld xmlns:a="http://schemas.openxmlformats.org/drawingml/2006/main" xmlns:r="http://schemas.openxmlformats.org/officeDocument/2006/relationships" xmlns:p="http://schemas.openxmlformats.org/presentationml/2006/main">
+  <p:cSld>
+    <p:spTree>
+      <p:nvGrpSpPr>
+        <p:cNvPr id="1" name=""/>
+        <p:cNvGrpSpPr/>
+        <p:nvPr/>
+      </p:nvGrpSpPr>
+      <p:grpSpPr>
+        <a:xfrm>
+          <a:off x="0" y="0"/>
+          <a:ext cx="0" cy="0"/>
+          <a:chOff x="0" y="0"/>
+          <a:chExt cx="0" cy="0"/>
+        </a:xfrm>
+      </p:grpSpPr>
+      <p:pic>
+        <p:nvPicPr>
+          <p:cNvPr id="3" name="Picture 2" descr="Qr code&#10;&#10;Description automatically generated">
+            <a:extLst>
+              <a:ext uri="{FF2B5EF4-FFF2-40B4-BE49-F238E27FC236}">
+                <a16:creationId xmlns:a16="http://schemas.microsoft.com/office/drawing/2014/main" id="{10A61EA4-C650-3E1C-E23A-CDF6A34AE2D3}"/>
+              </a:ext>
+            </a:extLst>
+          </p:cNvPr>
+          <p:cNvPicPr>
+            <a:picLocks noChangeAspect="1"/>
+          </p:cNvPicPr>
+          <p:nvPr/>
+        </p:nvPicPr>
+        <p:blipFill>
+          <a:blip r:embed="rId3"/>
+          <a:stretch>
+            <a:fillRect/>
+          </a:stretch>
+        </p:blipFill>
+        <p:spPr>
+          <a:xfrm>
+            <a:off x="3627451" y="960451"/>
+            <a:ext cx="4937097" cy="4937097"/>
+          </a:xfrm>
+          <a:prstGeom prst="rect">
+            <a:avLst/>
+          </a:prstGeom>
+        </p:spPr>
+      </p:pic>
+    </p:spTree>
+    <p:extLst>
+      <p:ext uri="{BB962C8B-B14F-4D97-AF65-F5344CB8AC3E}">
+        <p14:creationId xmlns:p14="http://schemas.microsoft.com/office/powerpoint/2010/main" val="1805135008"/>
+      </p:ext>
+    </p:extLst>
+  </p:cSld>
+  <p:clrMapOvr>
+    <a:masterClrMapping/>
+  </p:clrMapOvr>
+</p:sld>
+</file>
+
+<file path=ppt/slides/slide20.xml><?xml version="1.0" encoding="utf-8"?>
 <p:sld xmlns:a="http://schemas.openxmlformats.org/drawingml/2006/main" xmlns:r="http://schemas.openxmlformats.org/officeDocument/2006/relationships" xmlns:p="http://schemas.openxmlformats.org/presentationml/2006/main">
   <p:cSld>
     <p:spTree>
@@ -17167,7 +19045,7 @@
     </p:spTree>
     <p:extLst>
       <p:ext uri="{BB962C8B-B14F-4D97-AF65-F5344CB8AC3E}">
-        <p14:creationId xmlns:p14="http://schemas.microsoft.com/office/powerpoint/2010/main" val="1130710033"/>
+        <p14:creationId xmlns:p14="http://schemas.microsoft.com/office/powerpoint/2010/main" val="1307218516"/>
       </p:ext>
     </p:extLst>
   </p:cSld>
@@ -17367,439 +19245,7 @@
 </p:sld>
 </file>
 
-<file path=ppt/slides/slide2.xml><?xml version="1.0" encoding="utf-8"?>
-<p:sld xmlns:a="http://schemas.openxmlformats.org/drawingml/2006/main" xmlns:r="http://schemas.openxmlformats.org/officeDocument/2006/relationships" xmlns:p="http://schemas.openxmlformats.org/presentationml/2006/main">
-  <p:cSld>
-    <p:spTree>
-      <p:nvGrpSpPr>
-        <p:cNvPr id="1" name=""/>
-        <p:cNvGrpSpPr/>
-        <p:nvPr/>
-      </p:nvGrpSpPr>
-      <p:grpSpPr>
-        <a:xfrm>
-          <a:off x="0" y="0"/>
-          <a:ext cx="0" cy="0"/>
-          <a:chOff x="0" y="0"/>
-          <a:chExt cx="0" cy="0"/>
-        </a:xfrm>
-      </p:grpSpPr>
-      <p:pic>
-        <p:nvPicPr>
-          <p:cNvPr id="1026" name="Picture 2" descr="What it takes to be a great problem solver in business - SmartCompany">
-            <a:extLst>
-              <a:ext uri="{FF2B5EF4-FFF2-40B4-BE49-F238E27FC236}">
-                <a16:creationId xmlns:a16="http://schemas.microsoft.com/office/drawing/2014/main" id="{6BE25C8B-5B1C-D3B6-B5CC-A0561D2313FB}"/>
-              </a:ext>
-            </a:extLst>
-          </p:cNvPr>
-          <p:cNvPicPr>
-            <a:picLocks noChangeAspect="1" noChangeArrowheads="1"/>
-          </p:cNvPicPr>
-          <p:nvPr/>
-        </p:nvPicPr>
-        <p:blipFill>
-          <a:blip r:embed="rId3">
-            <a:alphaModFix amt="35000"/>
-            <a:extLst>
-              <a:ext uri="{28A0092B-C50C-407E-A947-70E740481C1C}">
-                <a14:useLocalDpi xmlns:a14="http://schemas.microsoft.com/office/drawing/2010/main" val="0"/>
-              </a:ext>
-            </a:extLst>
-          </a:blip>
-          <a:srcRect/>
-          <a:stretch>
-            <a:fillRect/>
-          </a:stretch>
-        </p:blipFill>
-        <p:spPr bwMode="auto">
-          <a:xfrm>
-            <a:off x="0" y="0"/>
-            <a:ext cx="18618587" cy="9104243"/>
-          </a:xfrm>
-          <a:prstGeom prst="rect">
-            <a:avLst/>
-          </a:prstGeom>
-          <a:noFill/>
-          <a:extLst>
-            <a:ext uri="{909E8E84-426E-40DD-AFC4-6F175D3DCCD1}">
-              <a14:hiddenFill xmlns:a14="http://schemas.microsoft.com/office/drawing/2010/main">
-                <a:solidFill>
-                  <a:srgbClr val="FFFFFF"/>
-                </a:solidFill>
-              </a14:hiddenFill>
-            </a:ext>
-          </a:extLst>
-        </p:spPr>
-      </p:pic>
-      <p:sp>
-        <p:nvSpPr>
-          <p:cNvPr id="2" name="TextBox 1">
-            <a:extLst>
-              <a:ext uri="{FF2B5EF4-FFF2-40B4-BE49-F238E27FC236}">
-                <a16:creationId xmlns:a16="http://schemas.microsoft.com/office/drawing/2014/main" id="{5BEFA87A-E1E0-6AE3-160C-1FB0A8720035}"/>
-              </a:ext>
-            </a:extLst>
-          </p:cNvPr>
-          <p:cNvSpPr txBox="1"/>
-          <p:nvPr/>
-        </p:nvSpPr>
-        <p:spPr>
-          <a:xfrm>
-            <a:off x="3357769" y="1401417"/>
-            <a:ext cx="5476461" cy="861774"/>
-          </a:xfrm>
-          <a:prstGeom prst="rect">
-            <a:avLst/>
-          </a:prstGeom>
-          <a:noFill/>
-        </p:spPr>
-        <p:txBody>
-          <a:bodyPr wrap="square" rtlCol="0">
-            <a:spAutoFit/>
-          </a:bodyPr>
-          <a:lstStyle/>
-          <a:p>
-            <a:pPr lvl="1"/>
-            <a:r>
-              <a:rPr lang="en-US" sz="5000" dirty="0">
-                <a:latin typeface="Proxima Nova" panose="020B0604020202020204" charset="0"/>
-              </a:rPr>
-              <a:t>Business Problem</a:t>
-            </a:r>
-          </a:p>
-        </p:txBody>
-      </p:sp>
-      <p:grpSp>
-        <p:nvGrpSpPr>
-          <p:cNvPr id="6" name="Group 5">
-            <a:extLst>
-              <a:ext uri="{FF2B5EF4-FFF2-40B4-BE49-F238E27FC236}">
-                <a16:creationId xmlns:a16="http://schemas.microsoft.com/office/drawing/2014/main" id="{5FAFC37F-CB5B-EAE5-102E-D88AA3817F6A}"/>
-              </a:ext>
-            </a:extLst>
-          </p:cNvPr>
-          <p:cNvGrpSpPr/>
-          <p:nvPr/>
-        </p:nvGrpSpPr>
-        <p:grpSpPr>
-          <a:xfrm>
-            <a:off x="2699344" y="2716957"/>
-            <a:ext cx="3396655" cy="3555377"/>
-            <a:chOff x="2699344" y="2716957"/>
-            <a:chExt cx="3396655" cy="3555377"/>
-          </a:xfrm>
-        </p:grpSpPr>
-        <p:pic>
-          <p:nvPicPr>
-            <p:cNvPr id="4" name="Picture 3" descr="A white square with a black background&#10;&#10;Description automatically generated with low confidence">
-              <a:extLst>
-                <a:ext uri="{FF2B5EF4-FFF2-40B4-BE49-F238E27FC236}">
-                  <a16:creationId xmlns:a16="http://schemas.microsoft.com/office/drawing/2014/main" id="{2912A0A5-5EC2-7D3A-8EDA-F8A37B917335}"/>
-                </a:ext>
-              </a:extLst>
-            </p:cNvPr>
-            <p:cNvPicPr>
-              <a:picLocks noChangeAspect="1"/>
-            </p:cNvPicPr>
-            <p:nvPr/>
-          </p:nvPicPr>
-          <p:blipFill>
-            <a:blip r:embed="rId4"/>
-            <a:stretch>
-              <a:fillRect/>
-            </a:stretch>
-          </p:blipFill>
-          <p:spPr>
-            <a:xfrm>
-              <a:off x="2699344" y="2716957"/>
-              <a:ext cx="3396655" cy="3555377"/>
-            </a:xfrm>
-            <a:prstGeom prst="rect">
-              <a:avLst/>
-            </a:prstGeom>
-          </p:spPr>
-        </p:pic>
-        <p:sp>
-          <p:nvSpPr>
-            <p:cNvPr id="5" name="TextBox 4">
-              <a:extLst>
-                <a:ext uri="{FF2B5EF4-FFF2-40B4-BE49-F238E27FC236}">
-                  <a16:creationId xmlns:a16="http://schemas.microsoft.com/office/drawing/2014/main" id="{0B138891-9E4D-E5BF-7E99-C79568A9AF53}"/>
-                </a:ext>
-              </a:extLst>
-            </p:cNvPr>
-            <p:cNvSpPr txBox="1"/>
-            <p:nvPr/>
-          </p:nvSpPr>
-          <p:spPr>
-            <a:xfrm rot="20513030">
-              <a:off x="2901602" y="3162461"/>
-              <a:ext cx="2650857" cy="2400657"/>
-            </a:xfrm>
-            <a:prstGeom prst="rect">
-              <a:avLst/>
-            </a:prstGeom>
-            <a:noFill/>
-          </p:spPr>
-          <p:txBody>
-            <a:bodyPr wrap="square" rtlCol="0">
-              <a:spAutoFit/>
-            </a:bodyPr>
-            <a:lstStyle/>
-            <a:p>
-              <a:pPr algn="ctr"/>
-              <a:r>
-                <a:rPr lang="en-US" sz="3000" b="0" i="1" u="none" strike="noStrike" dirty="0">
-                  <a:solidFill>
-                    <a:srgbClr val="4472C4"/>
-                  </a:solidFill>
-                  <a:effectLst/>
-                  <a:latin typeface="Dreaming Outloud Pro" panose="020B0604020202020204" pitchFamily="66" charset="0"/>
-                  <a:cs typeface="Dreaming Outloud Pro" panose="020B0604020202020204" pitchFamily="66" charset="0"/>
-                </a:rPr>
-                <a:t>Being productive requires making code changes.</a:t>
-              </a:r>
-              <a:endParaRPr lang="en-US" sz="3000" dirty="0">
-                <a:latin typeface="Dreaming Outloud Pro" panose="020B0604020202020204" pitchFamily="66" charset="0"/>
-                <a:cs typeface="Dreaming Outloud Pro" panose="020B0604020202020204" pitchFamily="66" charset="0"/>
-              </a:endParaRPr>
-            </a:p>
-          </p:txBody>
-        </p:sp>
-      </p:grpSp>
-      <p:grpSp>
-        <p:nvGrpSpPr>
-          <p:cNvPr id="10" name="Group 9">
-            <a:extLst>
-              <a:ext uri="{FF2B5EF4-FFF2-40B4-BE49-F238E27FC236}">
-                <a16:creationId xmlns:a16="http://schemas.microsoft.com/office/drawing/2014/main" id="{9CC35AC9-F1B3-9269-2295-2189B14AB94C}"/>
-              </a:ext>
-            </a:extLst>
-          </p:cNvPr>
-          <p:cNvGrpSpPr/>
-          <p:nvPr/>
-        </p:nvGrpSpPr>
-        <p:grpSpPr>
-          <a:xfrm>
-            <a:off x="6573298" y="2585101"/>
-            <a:ext cx="3396655" cy="3555377"/>
-            <a:chOff x="6573298" y="2585101"/>
-            <a:chExt cx="3396655" cy="3555377"/>
-          </a:xfrm>
-        </p:grpSpPr>
-        <p:pic>
-          <p:nvPicPr>
-            <p:cNvPr id="9" name="Picture 8" descr="A white square with a black background&#10;&#10;Description automatically generated with low confidence">
-              <a:extLst>
-                <a:ext uri="{FF2B5EF4-FFF2-40B4-BE49-F238E27FC236}">
-                  <a16:creationId xmlns:a16="http://schemas.microsoft.com/office/drawing/2014/main" id="{EABD4091-B63F-6073-574B-8E2D38C1C1A5}"/>
-                </a:ext>
-              </a:extLst>
-            </p:cNvPr>
-            <p:cNvPicPr>
-              <a:picLocks noChangeAspect="1"/>
-            </p:cNvPicPr>
-            <p:nvPr/>
-          </p:nvPicPr>
-          <p:blipFill>
-            <a:blip r:embed="rId4"/>
-            <a:stretch>
-              <a:fillRect/>
-            </a:stretch>
-          </p:blipFill>
-          <p:spPr>
-            <a:xfrm rot="1562524">
-              <a:off x="6573298" y="2585101"/>
-              <a:ext cx="3396655" cy="3555377"/>
-            </a:xfrm>
-            <a:prstGeom prst="rect">
-              <a:avLst/>
-            </a:prstGeom>
-          </p:spPr>
-        </p:pic>
-        <p:sp>
-          <p:nvSpPr>
-            <p:cNvPr id="7" name="TextBox 6">
-              <a:extLst>
-                <a:ext uri="{FF2B5EF4-FFF2-40B4-BE49-F238E27FC236}">
-                  <a16:creationId xmlns:a16="http://schemas.microsoft.com/office/drawing/2014/main" id="{F4652D43-23B0-4EA7-324F-DFB9C6959BC6}"/>
-                </a:ext>
-              </a:extLst>
-            </p:cNvPr>
-            <p:cNvSpPr txBox="1"/>
-            <p:nvPr/>
-          </p:nvSpPr>
-          <p:spPr>
-            <a:xfrm rot="467409">
-              <a:off x="6890470" y="3682559"/>
-              <a:ext cx="2650857" cy="1015663"/>
-            </a:xfrm>
-            <a:prstGeom prst="rect">
-              <a:avLst/>
-            </a:prstGeom>
-            <a:noFill/>
-          </p:spPr>
-          <p:txBody>
-            <a:bodyPr wrap="square" rtlCol="0">
-              <a:spAutoFit/>
-            </a:bodyPr>
-            <a:lstStyle/>
-            <a:p>
-              <a:pPr algn="ctr"/>
-              <a:r>
-                <a:rPr lang="en-US" sz="3000" b="0" i="1" u="none" strike="noStrike" dirty="0">
-                  <a:solidFill>
-                    <a:srgbClr val="4472C4"/>
-                  </a:solidFill>
-                  <a:effectLst/>
-                  <a:latin typeface="Dreaming Outloud Pro" panose="020B0604020202020204" pitchFamily="66" charset="0"/>
-                  <a:cs typeface="Dreaming Outloud Pro" panose="020B0604020202020204" pitchFamily="66" charset="0"/>
-                </a:rPr>
-                <a:t>Any change adds risk.</a:t>
-              </a:r>
-              <a:endParaRPr lang="en-US" sz="3000" dirty="0">
-                <a:latin typeface="Dreaming Outloud Pro" panose="020B0604020202020204" pitchFamily="66" charset="0"/>
-                <a:cs typeface="Dreaming Outloud Pro" panose="020B0604020202020204" pitchFamily="66" charset="0"/>
-              </a:endParaRPr>
-            </a:p>
-          </p:txBody>
-        </p:sp>
-      </p:grpSp>
-    </p:spTree>
-    <p:extLst>
-      <p:ext uri="{BB962C8B-B14F-4D97-AF65-F5344CB8AC3E}">
-        <p14:creationId xmlns:p14="http://schemas.microsoft.com/office/powerpoint/2010/main" val="3416819241"/>
-      </p:ext>
-    </p:extLst>
-  </p:cSld>
-  <p:clrMapOvr>
-    <a:masterClrMapping/>
-  </p:clrMapOvr>
-  <p:timing>
-    <p:tnLst>
-      <p:par>
-        <p:cTn id="1" dur="indefinite" restart="never" nodeType="tmRoot">
-          <p:childTnLst>
-            <p:seq concurrent="1" nextAc="seek">
-              <p:cTn id="2" dur="indefinite" nodeType="mainSeq">
-                <p:childTnLst>
-                  <p:par>
-                    <p:cTn id="3" fill="hold">
-                      <p:stCondLst>
-                        <p:cond delay="indefinite"/>
-                      </p:stCondLst>
-                      <p:childTnLst>
-                        <p:par>
-                          <p:cTn id="4" fill="hold">
-                            <p:stCondLst>
-                              <p:cond delay="0"/>
-                            </p:stCondLst>
-                            <p:childTnLst>
-                              <p:par>
-                                <p:cTn id="5" presetID="1" presetClass="entr" presetSubtype="0" fill="hold" nodeType="clickEffect">
-                                  <p:stCondLst>
-                                    <p:cond delay="0"/>
-                                  </p:stCondLst>
-                                  <p:childTnLst>
-                                    <p:set>
-                                      <p:cBhvr>
-                                        <p:cTn id="6" dur="1" fill="hold">
-                                          <p:stCondLst>
-                                            <p:cond delay="0"/>
-                                          </p:stCondLst>
-                                        </p:cTn>
-                                        <p:tgtEl>
-                                          <p:spTgt spid="6"/>
-                                        </p:tgtEl>
-                                        <p:attrNameLst>
-                                          <p:attrName>style.visibility</p:attrName>
-                                        </p:attrNameLst>
-                                      </p:cBhvr>
-                                      <p:to>
-                                        <p:strVal val="visible"/>
-                                      </p:to>
-                                    </p:set>
-                                  </p:childTnLst>
-                                </p:cTn>
-                              </p:par>
-                            </p:childTnLst>
-                          </p:cTn>
-                        </p:par>
-                      </p:childTnLst>
-                    </p:cTn>
-                  </p:par>
-                  <p:par>
-                    <p:cTn id="7" fill="hold">
-                      <p:stCondLst>
-                        <p:cond delay="indefinite"/>
-                      </p:stCondLst>
-                      <p:childTnLst>
-                        <p:par>
-                          <p:cTn id="8" fill="hold">
-                            <p:stCondLst>
-                              <p:cond delay="0"/>
-                            </p:stCondLst>
-                            <p:childTnLst>
-                              <p:par>
-                                <p:cTn id="9" presetID="1" presetClass="entr" presetSubtype="0" fill="hold" nodeType="clickEffect">
-                                  <p:stCondLst>
-                                    <p:cond delay="0"/>
-                                  </p:stCondLst>
-                                  <p:childTnLst>
-                                    <p:set>
-                                      <p:cBhvr>
-                                        <p:cTn id="10" dur="1" fill="hold">
-                                          <p:stCondLst>
-                                            <p:cond delay="0"/>
-                                          </p:stCondLst>
-                                        </p:cTn>
-                                        <p:tgtEl>
-                                          <p:spTgt spid="10"/>
-                                        </p:tgtEl>
-                                        <p:attrNameLst>
-                                          <p:attrName>style.visibility</p:attrName>
-                                        </p:attrNameLst>
-                                      </p:cBhvr>
-                                      <p:to>
-                                        <p:strVal val="visible"/>
-                                      </p:to>
-                                    </p:set>
-                                  </p:childTnLst>
-                                </p:cTn>
-                              </p:par>
-                            </p:childTnLst>
-                          </p:cTn>
-                        </p:par>
-                      </p:childTnLst>
-                    </p:cTn>
-                  </p:par>
-                </p:childTnLst>
-              </p:cTn>
-              <p:prevCondLst>
-                <p:cond evt="onPrev" delay="0">
-                  <p:tgtEl>
-                    <p:sldTgt/>
-                  </p:tgtEl>
-                </p:cond>
-              </p:prevCondLst>
-              <p:nextCondLst>
-                <p:cond evt="onNext" delay="0">
-                  <p:tgtEl>
-                    <p:sldTgt/>
-                  </p:tgtEl>
-                </p:cond>
-              </p:nextCondLst>
-            </p:seq>
-          </p:childTnLst>
-        </p:cTn>
-      </p:par>
-    </p:tnLst>
-  </p:timing>
-</p:sld>
-</file>
-
-<file path=ppt/slides/slide20.xml><?xml version="1.0" encoding="utf-8"?>
+<file path=ppt/slides/slide21.xml><?xml version="1.0" encoding="utf-8"?>
 <p:sld xmlns:a="http://schemas.openxmlformats.org/drawingml/2006/main" xmlns:r="http://schemas.openxmlformats.org/officeDocument/2006/relationships" xmlns:p="http://schemas.openxmlformats.org/presentationml/2006/main">
   <p:cSld>
     <p:spTree>
@@ -18151,7 +19597,7 @@
     </p:spTree>
     <p:extLst>
       <p:ext uri="{BB962C8B-B14F-4D97-AF65-F5344CB8AC3E}">
-        <p14:creationId xmlns:p14="http://schemas.microsoft.com/office/powerpoint/2010/main" val="3692044763"/>
+        <p14:creationId xmlns:p14="http://schemas.microsoft.com/office/powerpoint/2010/main" val="3786354448"/>
       </p:ext>
     </p:extLst>
   </p:cSld>
@@ -18305,7 +19751,7 @@
 </p:sld>
 </file>
 
-<file path=ppt/slides/slide21.xml><?xml version="1.0" encoding="utf-8"?>
+<file path=ppt/slides/slide22.xml><?xml version="1.0" encoding="utf-8"?>
 <p:sld xmlns:a="http://schemas.openxmlformats.org/drawingml/2006/main" xmlns:r="http://schemas.openxmlformats.org/officeDocument/2006/relationships" xmlns:p="http://schemas.openxmlformats.org/presentationml/2006/main">
   <p:cSld>
     <p:spTree>
@@ -18815,7 +20261,7 @@
     </p:spTree>
     <p:extLst>
       <p:ext uri="{BB962C8B-B14F-4D97-AF65-F5344CB8AC3E}">
-        <p14:creationId xmlns:p14="http://schemas.microsoft.com/office/powerpoint/2010/main" val="3056925799"/>
+        <p14:creationId xmlns:p14="http://schemas.microsoft.com/office/powerpoint/2010/main" val="4292880062"/>
       </p:ext>
     </p:extLst>
   </p:cSld>
@@ -19186,7 +20632,7 @@
 </p:sld>
 </file>
 
-<file path=ppt/slides/slide22.xml><?xml version="1.0" encoding="utf-8"?>
+<file path=ppt/slides/slide23.xml><?xml version="1.0" encoding="utf-8"?>
 <p:sld xmlns:a="http://schemas.openxmlformats.org/drawingml/2006/main" xmlns:r="http://schemas.openxmlformats.org/officeDocument/2006/relationships" xmlns:p="http://schemas.openxmlformats.org/presentationml/2006/main">
   <p:cSld>
     <p:spTree>
@@ -19459,7 +20905,7 @@
     </p:spTree>
     <p:extLst>
       <p:ext uri="{BB962C8B-B14F-4D97-AF65-F5344CB8AC3E}">
-        <p14:creationId xmlns:p14="http://schemas.microsoft.com/office/powerpoint/2010/main" val="3405876512"/>
+        <p14:creationId xmlns:p14="http://schemas.microsoft.com/office/powerpoint/2010/main" val="3658788165"/>
       </p:ext>
     </p:extLst>
   </p:cSld>
@@ -19469,7 +20915,7 @@
 </p:sld>
 </file>
 
-<file path=ppt/slides/slide23.xml><?xml version="1.0" encoding="utf-8"?>
+<file path=ppt/slides/slide24.xml><?xml version="1.0" encoding="utf-8"?>
 <p:sld xmlns:a="http://schemas.openxmlformats.org/drawingml/2006/main" xmlns:r="http://schemas.openxmlformats.org/officeDocument/2006/relationships" xmlns:p="http://schemas.openxmlformats.org/presentationml/2006/main">
   <p:cSld>
     <p:spTree>
@@ -19799,7 +21245,7 @@
     </p:spTree>
     <p:extLst>
       <p:ext uri="{BB962C8B-B14F-4D97-AF65-F5344CB8AC3E}">
-        <p14:creationId xmlns:p14="http://schemas.microsoft.com/office/powerpoint/2010/main" val="2548712408"/>
+        <p14:creationId xmlns:p14="http://schemas.microsoft.com/office/powerpoint/2010/main" val="1574169066"/>
       </p:ext>
     </p:extLst>
   </p:cSld>
@@ -20046,7 +21492,7 @@
 </p:sld>
 </file>
 
-<file path=ppt/slides/slide24.xml><?xml version="1.0" encoding="utf-8"?>
+<file path=ppt/slides/slide25.xml><?xml version="1.0" encoding="utf-8"?>
 <p:sld xmlns:a="http://schemas.openxmlformats.org/drawingml/2006/main" xmlns:r="http://schemas.openxmlformats.org/officeDocument/2006/relationships" xmlns:p="http://schemas.openxmlformats.org/presentationml/2006/main">
   <p:cSld>
     <p:spTree>
@@ -20311,17 +21757,130 @@
     </p:spTree>
     <p:extLst>
       <p:ext uri="{BB962C8B-B14F-4D97-AF65-F5344CB8AC3E}">
-        <p14:creationId xmlns:p14="http://schemas.microsoft.com/office/powerpoint/2010/main" val="794722668"/>
+        <p14:creationId xmlns:p14="http://schemas.microsoft.com/office/powerpoint/2010/main" val="2887493250"/>
       </p:ext>
     </p:extLst>
   </p:cSld>
   <p:clrMapOvr>
     <a:masterClrMapping/>
   </p:clrMapOvr>
+  <p:timing>
+    <p:tnLst>
+      <p:par>
+        <p:cTn id="1" dur="indefinite" restart="never" nodeType="tmRoot">
+          <p:childTnLst>
+            <p:seq concurrent="1" nextAc="seek">
+              <p:cTn id="2" dur="indefinite" nodeType="mainSeq">
+                <p:childTnLst>
+                  <p:par>
+                    <p:cTn id="3" fill="hold">
+                      <p:stCondLst>
+                        <p:cond delay="indefinite"/>
+                      </p:stCondLst>
+                      <p:childTnLst>
+                        <p:par>
+                          <p:cTn id="4" fill="hold">
+                            <p:stCondLst>
+                              <p:cond delay="0"/>
+                            </p:stCondLst>
+                            <p:childTnLst>
+                              <p:par>
+                                <p:cTn id="5" presetID="1" presetClass="entr" presetSubtype="0" fill="hold" grpId="0" nodeType="clickEffect">
+                                  <p:stCondLst>
+                                    <p:cond delay="0"/>
+                                  </p:stCondLst>
+                                  <p:childTnLst>
+                                    <p:set>
+                                      <p:cBhvr>
+                                        <p:cTn id="6" dur="1" fill="hold">
+                                          <p:stCondLst>
+                                            <p:cond delay="0"/>
+                                          </p:stCondLst>
+                                        </p:cTn>
+                                        <p:tgtEl>
+                                          <p:spTgt spid="12">
+                                            <p:txEl>
+                                              <p:pRg st="0" end="0"/>
+                                            </p:txEl>
+                                          </p:spTgt>
+                                        </p:tgtEl>
+                                        <p:attrNameLst>
+                                          <p:attrName>style.visibility</p:attrName>
+                                        </p:attrNameLst>
+                                      </p:cBhvr>
+                                      <p:to>
+                                        <p:strVal val="visible"/>
+                                      </p:to>
+                                    </p:set>
+                                  </p:childTnLst>
+                                </p:cTn>
+                              </p:par>
+                              <p:par>
+                                <p:cTn id="7" presetID="1" presetClass="entr" presetSubtype="0" fill="hold" grpId="0" nodeType="withEffect">
+                                  <p:stCondLst>
+                                    <p:cond delay="0"/>
+                                  </p:stCondLst>
+                                  <p:childTnLst>
+                                    <p:set>
+                                      <p:cBhvr>
+                                        <p:cTn id="8" dur="1" fill="hold">
+                                          <p:stCondLst>
+                                            <p:cond delay="0"/>
+                                          </p:stCondLst>
+                                        </p:cTn>
+                                        <p:tgtEl>
+                                          <p:spTgt spid="12">
+                                            <p:txEl>
+                                              <p:pRg st="1" end="1"/>
+                                            </p:txEl>
+                                          </p:spTgt>
+                                        </p:tgtEl>
+                                        <p:attrNameLst>
+                                          <p:attrName>style.visibility</p:attrName>
+                                        </p:attrNameLst>
+                                      </p:cBhvr>
+                                      <p:to>
+                                        <p:strVal val="visible"/>
+                                      </p:to>
+                                    </p:set>
+                                  </p:childTnLst>
+                                </p:cTn>
+                              </p:par>
+                            </p:childTnLst>
+                          </p:cTn>
+                        </p:par>
+                      </p:childTnLst>
+                    </p:cTn>
+                  </p:par>
+                </p:childTnLst>
+              </p:cTn>
+              <p:prevCondLst>
+                <p:cond evt="onPrev" delay="0">
+                  <p:tgtEl>
+                    <p:sldTgt/>
+                  </p:tgtEl>
+                </p:cond>
+              </p:prevCondLst>
+              <p:nextCondLst>
+                <p:cond evt="onNext" delay="0">
+                  <p:tgtEl>
+                    <p:sldTgt/>
+                  </p:tgtEl>
+                </p:cond>
+              </p:nextCondLst>
+            </p:seq>
+          </p:childTnLst>
+        </p:cTn>
+      </p:par>
+    </p:tnLst>
+    <p:bldLst>
+      <p:bldP spid="12" grpId="0" uiExpand="1" build="p"/>
+    </p:bldLst>
+  </p:timing>
 </p:sld>
 </file>
 
-<file path=ppt/slides/slide25.xml><?xml version="1.0" encoding="utf-8"?>
+<file path=ppt/slides/slide26.xml><?xml version="1.0" encoding="utf-8"?>
 <p:sld xmlns:a="http://schemas.openxmlformats.org/drawingml/2006/main" xmlns:r="http://schemas.openxmlformats.org/officeDocument/2006/relationships" xmlns:p="http://schemas.openxmlformats.org/presentationml/2006/main">
   <p:cSld>
     <p:spTree>
@@ -20596,7 +22155,7 @@
     </p:spTree>
     <p:extLst>
       <p:ext uri="{BB962C8B-B14F-4D97-AF65-F5344CB8AC3E}">
-        <p14:creationId xmlns:p14="http://schemas.microsoft.com/office/powerpoint/2010/main" val="409901151"/>
+        <p14:creationId xmlns:p14="http://schemas.microsoft.com/office/powerpoint/2010/main" val="3777068570"/>
       </p:ext>
     </p:extLst>
   </p:cSld>
@@ -20750,7 +22309,7 @@
 </p:sld>
 </file>
 
-<file path=ppt/slides/slide26.xml><?xml version="1.0" encoding="utf-8"?>
+<file path=ppt/slides/slide27.xml><?xml version="1.0" encoding="utf-8"?>
 <p:sld xmlns:a="http://schemas.openxmlformats.org/drawingml/2006/main" xmlns:r="http://schemas.openxmlformats.org/officeDocument/2006/relationships" xmlns:p="http://schemas.openxmlformats.org/presentationml/2006/main">
   <p:cSld>
     <p:spTree>
@@ -20767,10 +22326,152 @@
           <a:chExt cx="0" cy="0"/>
         </a:xfrm>
       </p:grpSpPr>
+      <p:pic>
+        <p:nvPicPr>
+          <p:cNvPr id="2" name="Picture 1" descr="Graphical user interface, application&#10;&#10;Description automatically generated">
+            <a:extLst>
+              <a:ext uri="{FF2B5EF4-FFF2-40B4-BE49-F238E27FC236}">
+                <a16:creationId xmlns:a16="http://schemas.microsoft.com/office/drawing/2014/main" id="{7DA2060B-EC80-8220-7703-285257062A23}"/>
+              </a:ext>
+            </a:extLst>
+          </p:cNvPr>
+          <p:cNvPicPr>
+            <a:picLocks noChangeAspect="1"/>
+          </p:cNvPicPr>
+          <p:nvPr/>
+        </p:nvPicPr>
+        <p:blipFill>
+          <a:blip r:embed="rId3"/>
+          <a:stretch>
+            <a:fillRect/>
+          </a:stretch>
+        </p:blipFill>
+        <p:spPr>
+          <a:xfrm>
+            <a:off x="1219809" y="553583"/>
+            <a:ext cx="9752381" cy="4876190"/>
+          </a:xfrm>
+          <a:prstGeom prst="rect">
+            <a:avLst/>
+          </a:prstGeom>
+        </p:spPr>
+      </p:pic>
+      <p:sp>
+        <p:nvSpPr>
+          <p:cNvPr id="3" name="Rectangle 2">
+            <a:extLst>
+              <a:ext uri="{FF2B5EF4-FFF2-40B4-BE49-F238E27FC236}">
+                <a16:creationId xmlns:a16="http://schemas.microsoft.com/office/drawing/2014/main" id="{4AC75FB4-87EE-A0FE-94AF-A252BA202A0D}"/>
+              </a:ext>
+            </a:extLst>
+          </p:cNvPr>
+          <p:cNvSpPr/>
+          <p:nvPr/>
+        </p:nvSpPr>
+        <p:spPr>
+          <a:xfrm>
+            <a:off x="2093843" y="447565"/>
+            <a:ext cx="4399722" cy="1619774"/>
+          </a:xfrm>
+          <a:prstGeom prst="rect">
+            <a:avLst/>
+          </a:prstGeom>
+          <a:noFill/>
+          <a:ln w="50800">
+            <a:solidFill>
+              <a:schemeClr val="accent1"/>
+            </a:solidFill>
+          </a:ln>
+        </p:spPr>
+        <p:style>
+          <a:lnRef idx="2">
+            <a:schemeClr val="accent1">
+              <a:shade val="50000"/>
+            </a:schemeClr>
+          </a:lnRef>
+          <a:fillRef idx="1">
+            <a:schemeClr val="accent1"/>
+          </a:fillRef>
+          <a:effectRef idx="0">
+            <a:schemeClr val="accent1"/>
+          </a:effectRef>
+          <a:fontRef idx="minor">
+            <a:schemeClr val="lt1"/>
+          </a:fontRef>
+        </p:style>
+        <p:txBody>
+          <a:bodyPr rtlCol="0" anchor="ctr"/>
+          <a:lstStyle/>
+          <a:p>
+            <a:pPr algn="ctr"/>
+            <a:endParaRPr lang="en-US"/>
+          </a:p>
+        </p:txBody>
+      </p:sp>
     </p:spTree>
     <p:extLst>
       <p:ext uri="{BB962C8B-B14F-4D97-AF65-F5344CB8AC3E}">
-        <p14:creationId xmlns:p14="http://schemas.microsoft.com/office/powerpoint/2010/main" val="3868919929"/>
+        <p14:creationId xmlns:p14="http://schemas.microsoft.com/office/powerpoint/2010/main" val="164265485"/>
+      </p:ext>
+    </p:extLst>
+  </p:cSld>
+  <p:clrMapOvr>
+    <a:masterClrMapping/>
+  </p:clrMapOvr>
+</p:sld>
+</file>
+
+<file path=ppt/slides/slide28.xml><?xml version="1.0" encoding="utf-8"?>
+<p:sld xmlns:a="http://schemas.openxmlformats.org/drawingml/2006/main" xmlns:r="http://schemas.openxmlformats.org/officeDocument/2006/relationships" xmlns:p="http://schemas.openxmlformats.org/presentationml/2006/main">
+  <p:cSld>
+    <p:spTree>
+      <p:nvGrpSpPr>
+        <p:cNvPr id="1" name=""/>
+        <p:cNvGrpSpPr/>
+        <p:nvPr/>
+      </p:nvGrpSpPr>
+      <p:grpSpPr>
+        <a:xfrm>
+          <a:off x="0" y="0"/>
+          <a:ext cx="0" cy="0"/>
+          <a:chOff x="0" y="0"/>
+          <a:chExt cx="0" cy="0"/>
+        </a:xfrm>
+      </p:grpSpPr>
+      <p:pic>
+        <p:nvPicPr>
+          <p:cNvPr id="3" name="Picture 2" descr="Qr code&#10;&#10;Description automatically generated">
+            <a:extLst>
+              <a:ext uri="{FF2B5EF4-FFF2-40B4-BE49-F238E27FC236}">
+                <a16:creationId xmlns:a16="http://schemas.microsoft.com/office/drawing/2014/main" id="{10A61EA4-C650-3E1C-E23A-CDF6A34AE2D3}"/>
+              </a:ext>
+            </a:extLst>
+          </p:cNvPr>
+          <p:cNvPicPr>
+            <a:picLocks noChangeAspect="1"/>
+          </p:cNvPicPr>
+          <p:nvPr/>
+        </p:nvPicPr>
+        <p:blipFill>
+          <a:blip r:embed="rId3"/>
+          <a:stretch>
+            <a:fillRect/>
+          </a:stretch>
+        </p:blipFill>
+        <p:spPr>
+          <a:xfrm>
+            <a:off x="3627451" y="960451"/>
+            <a:ext cx="4937097" cy="4937097"/>
+          </a:xfrm>
+          <a:prstGeom prst="rect">
+            <a:avLst/>
+          </a:prstGeom>
+        </p:spPr>
+      </p:pic>
+    </p:spTree>
+    <p:extLst>
+      <p:ext uri="{BB962C8B-B14F-4D97-AF65-F5344CB8AC3E}">
+        <p14:creationId xmlns:p14="http://schemas.microsoft.com/office/powerpoint/2010/main" val="348347707"/>
       </p:ext>
     </p:extLst>
   </p:cSld>
@@ -20797,6 +22498,436 @@
           <a:chExt cx="0" cy="0"/>
         </a:xfrm>
       </p:grpSpPr>
+      <p:pic>
+        <p:nvPicPr>
+          <p:cNvPr id="1026" name="Picture 2" descr="What it takes to be a great problem solver in business - SmartCompany">
+            <a:extLst>
+              <a:ext uri="{FF2B5EF4-FFF2-40B4-BE49-F238E27FC236}">
+                <a16:creationId xmlns:a16="http://schemas.microsoft.com/office/drawing/2014/main" id="{6BE25C8B-5B1C-D3B6-B5CC-A0561D2313FB}"/>
+              </a:ext>
+            </a:extLst>
+          </p:cNvPr>
+          <p:cNvPicPr>
+            <a:picLocks noChangeAspect="1" noChangeArrowheads="1"/>
+          </p:cNvPicPr>
+          <p:nvPr/>
+        </p:nvPicPr>
+        <p:blipFill rotWithShape="1">
+          <a:blip r:embed="rId3">
+            <a:alphaModFix amt="35000"/>
+            <a:extLst>
+              <a:ext uri="{28A0092B-C50C-407E-A947-70E740481C1C}">
+                <a14:useLocalDpi xmlns:a14="http://schemas.microsoft.com/office/drawing/2010/main" val="0"/>
+              </a:ext>
+            </a:extLst>
+          </a:blip>
+          <a:srcRect r="34517" b="24673"/>
+          <a:stretch/>
+        </p:blipFill>
+        <p:spPr bwMode="auto">
+          <a:xfrm>
+            <a:off x="1" y="1"/>
+            <a:ext cx="12192000" cy="6858000"/>
+          </a:xfrm>
+          <a:prstGeom prst="rect">
+            <a:avLst/>
+          </a:prstGeom>
+          <a:noFill/>
+          <a:extLst>
+            <a:ext uri="{909E8E84-426E-40DD-AFC4-6F175D3DCCD1}">
+              <a14:hiddenFill xmlns:a14="http://schemas.microsoft.com/office/drawing/2010/main">
+                <a:solidFill>
+                  <a:srgbClr val="FFFFFF"/>
+                </a:solidFill>
+              </a14:hiddenFill>
+            </a:ext>
+          </a:extLst>
+        </p:spPr>
+      </p:pic>
+      <p:sp>
+        <p:nvSpPr>
+          <p:cNvPr id="2" name="TextBox 1">
+            <a:extLst>
+              <a:ext uri="{FF2B5EF4-FFF2-40B4-BE49-F238E27FC236}">
+                <a16:creationId xmlns:a16="http://schemas.microsoft.com/office/drawing/2014/main" id="{5BEFA87A-E1E0-6AE3-160C-1FB0A8720035}"/>
+              </a:ext>
+            </a:extLst>
+          </p:cNvPr>
+          <p:cNvSpPr txBox="1"/>
+          <p:nvPr/>
+        </p:nvSpPr>
+        <p:spPr>
+          <a:xfrm>
+            <a:off x="3357769" y="1401417"/>
+            <a:ext cx="5476461" cy="861774"/>
+          </a:xfrm>
+          <a:prstGeom prst="rect">
+            <a:avLst/>
+          </a:prstGeom>
+          <a:noFill/>
+        </p:spPr>
+        <p:txBody>
+          <a:bodyPr wrap="square" rtlCol="0">
+            <a:spAutoFit/>
+          </a:bodyPr>
+          <a:lstStyle/>
+          <a:p>
+            <a:pPr lvl="1"/>
+            <a:r>
+              <a:rPr lang="en-US" sz="5000" dirty="0">
+                <a:latin typeface="Proxima Nova" panose="020B0604020202020204" charset="0"/>
+              </a:rPr>
+              <a:t>Business Problem</a:t>
+            </a:r>
+          </a:p>
+        </p:txBody>
+      </p:sp>
+      <p:grpSp>
+        <p:nvGrpSpPr>
+          <p:cNvPr id="6" name="Group 5">
+            <a:extLst>
+              <a:ext uri="{FF2B5EF4-FFF2-40B4-BE49-F238E27FC236}">
+                <a16:creationId xmlns:a16="http://schemas.microsoft.com/office/drawing/2014/main" id="{5FAFC37F-CB5B-EAE5-102E-D88AA3817F6A}"/>
+              </a:ext>
+            </a:extLst>
+          </p:cNvPr>
+          <p:cNvGrpSpPr/>
+          <p:nvPr/>
+        </p:nvGrpSpPr>
+        <p:grpSpPr>
+          <a:xfrm>
+            <a:off x="2699344" y="2716957"/>
+            <a:ext cx="3396655" cy="3555377"/>
+            <a:chOff x="2699344" y="2716957"/>
+            <a:chExt cx="3396655" cy="3555377"/>
+          </a:xfrm>
+        </p:grpSpPr>
+        <p:pic>
+          <p:nvPicPr>
+            <p:cNvPr id="4" name="Picture 3" descr="A white square with a black background&#10;&#10;Description automatically generated with low confidence">
+              <a:extLst>
+                <a:ext uri="{FF2B5EF4-FFF2-40B4-BE49-F238E27FC236}">
+                  <a16:creationId xmlns:a16="http://schemas.microsoft.com/office/drawing/2014/main" id="{2912A0A5-5EC2-7D3A-8EDA-F8A37B917335}"/>
+                </a:ext>
+              </a:extLst>
+            </p:cNvPr>
+            <p:cNvPicPr>
+              <a:picLocks noChangeAspect="1"/>
+            </p:cNvPicPr>
+            <p:nvPr/>
+          </p:nvPicPr>
+          <p:blipFill>
+            <a:blip r:embed="rId4"/>
+            <a:stretch>
+              <a:fillRect/>
+            </a:stretch>
+          </p:blipFill>
+          <p:spPr>
+            <a:xfrm>
+              <a:off x="2699344" y="2716957"/>
+              <a:ext cx="3396655" cy="3555377"/>
+            </a:xfrm>
+            <a:prstGeom prst="rect">
+              <a:avLst/>
+            </a:prstGeom>
+          </p:spPr>
+        </p:pic>
+        <p:sp>
+          <p:nvSpPr>
+            <p:cNvPr id="5" name="TextBox 4">
+              <a:extLst>
+                <a:ext uri="{FF2B5EF4-FFF2-40B4-BE49-F238E27FC236}">
+                  <a16:creationId xmlns:a16="http://schemas.microsoft.com/office/drawing/2014/main" id="{0B138891-9E4D-E5BF-7E99-C79568A9AF53}"/>
+                </a:ext>
+              </a:extLst>
+            </p:cNvPr>
+            <p:cNvSpPr txBox="1"/>
+            <p:nvPr/>
+          </p:nvSpPr>
+          <p:spPr>
+            <a:xfrm rot="20513030">
+              <a:off x="2901602" y="3162461"/>
+              <a:ext cx="2650857" cy="2400657"/>
+            </a:xfrm>
+            <a:prstGeom prst="rect">
+              <a:avLst/>
+            </a:prstGeom>
+            <a:noFill/>
+          </p:spPr>
+          <p:txBody>
+            <a:bodyPr wrap="square" rtlCol="0">
+              <a:spAutoFit/>
+            </a:bodyPr>
+            <a:lstStyle/>
+            <a:p>
+              <a:pPr algn="ctr"/>
+              <a:r>
+                <a:rPr lang="en-US" sz="3000" b="0" i="1" u="none" strike="noStrike" dirty="0">
+                  <a:solidFill>
+                    <a:srgbClr val="4472C4"/>
+                  </a:solidFill>
+                  <a:effectLst/>
+                  <a:latin typeface="Dreaming Outloud Pro" panose="020B0604020202020204" pitchFamily="66" charset="0"/>
+                  <a:cs typeface="Dreaming Outloud Pro" panose="020B0604020202020204" pitchFamily="66" charset="0"/>
+                </a:rPr>
+                <a:t>Being productive requires making code changes.</a:t>
+              </a:r>
+              <a:endParaRPr lang="en-US" sz="3000" dirty="0">
+                <a:latin typeface="Dreaming Outloud Pro" panose="020B0604020202020204" pitchFamily="66" charset="0"/>
+                <a:cs typeface="Dreaming Outloud Pro" panose="020B0604020202020204" pitchFamily="66" charset="0"/>
+              </a:endParaRPr>
+            </a:p>
+          </p:txBody>
+        </p:sp>
+      </p:grpSp>
+      <p:grpSp>
+        <p:nvGrpSpPr>
+          <p:cNvPr id="10" name="Group 9">
+            <a:extLst>
+              <a:ext uri="{FF2B5EF4-FFF2-40B4-BE49-F238E27FC236}">
+                <a16:creationId xmlns:a16="http://schemas.microsoft.com/office/drawing/2014/main" id="{9CC35AC9-F1B3-9269-2295-2189B14AB94C}"/>
+              </a:ext>
+            </a:extLst>
+          </p:cNvPr>
+          <p:cNvGrpSpPr/>
+          <p:nvPr/>
+        </p:nvGrpSpPr>
+        <p:grpSpPr>
+          <a:xfrm>
+            <a:off x="6573298" y="2585101"/>
+            <a:ext cx="3396655" cy="3555377"/>
+            <a:chOff x="6573298" y="2585101"/>
+            <a:chExt cx="3396655" cy="3555377"/>
+          </a:xfrm>
+        </p:grpSpPr>
+        <p:pic>
+          <p:nvPicPr>
+            <p:cNvPr id="9" name="Picture 8" descr="A white square with a black background&#10;&#10;Description automatically generated with low confidence">
+              <a:extLst>
+                <a:ext uri="{FF2B5EF4-FFF2-40B4-BE49-F238E27FC236}">
+                  <a16:creationId xmlns:a16="http://schemas.microsoft.com/office/drawing/2014/main" id="{EABD4091-B63F-6073-574B-8E2D38C1C1A5}"/>
+                </a:ext>
+              </a:extLst>
+            </p:cNvPr>
+            <p:cNvPicPr>
+              <a:picLocks noChangeAspect="1"/>
+            </p:cNvPicPr>
+            <p:nvPr/>
+          </p:nvPicPr>
+          <p:blipFill>
+            <a:blip r:embed="rId4"/>
+            <a:stretch>
+              <a:fillRect/>
+            </a:stretch>
+          </p:blipFill>
+          <p:spPr>
+            <a:xfrm rot="1562524">
+              <a:off x="6573298" y="2585101"/>
+              <a:ext cx="3396655" cy="3555377"/>
+            </a:xfrm>
+            <a:prstGeom prst="rect">
+              <a:avLst/>
+            </a:prstGeom>
+          </p:spPr>
+        </p:pic>
+        <p:sp>
+          <p:nvSpPr>
+            <p:cNvPr id="7" name="TextBox 6">
+              <a:extLst>
+                <a:ext uri="{FF2B5EF4-FFF2-40B4-BE49-F238E27FC236}">
+                  <a16:creationId xmlns:a16="http://schemas.microsoft.com/office/drawing/2014/main" id="{F4652D43-23B0-4EA7-324F-DFB9C6959BC6}"/>
+                </a:ext>
+              </a:extLst>
+            </p:cNvPr>
+            <p:cNvSpPr txBox="1"/>
+            <p:nvPr/>
+          </p:nvSpPr>
+          <p:spPr>
+            <a:xfrm rot="467409">
+              <a:off x="6890470" y="3682559"/>
+              <a:ext cx="2650857" cy="1015663"/>
+            </a:xfrm>
+            <a:prstGeom prst="rect">
+              <a:avLst/>
+            </a:prstGeom>
+            <a:noFill/>
+          </p:spPr>
+          <p:txBody>
+            <a:bodyPr wrap="square" rtlCol="0">
+              <a:spAutoFit/>
+            </a:bodyPr>
+            <a:lstStyle/>
+            <a:p>
+              <a:pPr algn="ctr"/>
+              <a:r>
+                <a:rPr lang="en-US" sz="3000" b="0" i="1" u="none" strike="noStrike" dirty="0">
+                  <a:solidFill>
+                    <a:srgbClr val="4472C4"/>
+                  </a:solidFill>
+                  <a:effectLst/>
+                  <a:latin typeface="Dreaming Outloud Pro" panose="020B0604020202020204" pitchFamily="66" charset="0"/>
+                  <a:cs typeface="Dreaming Outloud Pro" panose="020B0604020202020204" pitchFamily="66" charset="0"/>
+                </a:rPr>
+                <a:t>Any change adds risk.</a:t>
+              </a:r>
+              <a:endParaRPr lang="en-US" sz="3000" dirty="0">
+                <a:latin typeface="Dreaming Outloud Pro" panose="020B0604020202020204" pitchFamily="66" charset="0"/>
+                <a:cs typeface="Dreaming Outloud Pro" panose="020B0604020202020204" pitchFamily="66" charset="0"/>
+              </a:endParaRPr>
+            </a:p>
+          </p:txBody>
+        </p:sp>
+      </p:grpSp>
+    </p:spTree>
+    <p:extLst>
+      <p:ext uri="{BB962C8B-B14F-4D97-AF65-F5344CB8AC3E}">
+        <p14:creationId xmlns:p14="http://schemas.microsoft.com/office/powerpoint/2010/main" val="2662365990"/>
+      </p:ext>
+    </p:extLst>
+  </p:cSld>
+  <p:clrMapOvr>
+    <a:masterClrMapping/>
+  </p:clrMapOvr>
+  <p:timing>
+    <p:tnLst>
+      <p:par>
+        <p:cTn id="1" dur="indefinite" restart="never" nodeType="tmRoot">
+          <p:childTnLst>
+            <p:seq concurrent="1" nextAc="seek">
+              <p:cTn id="2" dur="indefinite" nodeType="mainSeq">
+                <p:childTnLst>
+                  <p:par>
+                    <p:cTn id="3" fill="hold">
+                      <p:stCondLst>
+                        <p:cond delay="indefinite"/>
+                      </p:stCondLst>
+                      <p:childTnLst>
+                        <p:par>
+                          <p:cTn id="4" fill="hold">
+                            <p:stCondLst>
+                              <p:cond delay="0"/>
+                            </p:stCondLst>
+                            <p:childTnLst>
+                              <p:par>
+                                <p:cTn id="5" presetID="1" presetClass="entr" presetSubtype="0" fill="hold" nodeType="clickEffect">
+                                  <p:stCondLst>
+                                    <p:cond delay="0"/>
+                                  </p:stCondLst>
+                                  <p:childTnLst>
+                                    <p:set>
+                                      <p:cBhvr>
+                                        <p:cTn id="6" dur="1" fill="hold">
+                                          <p:stCondLst>
+                                            <p:cond delay="0"/>
+                                          </p:stCondLst>
+                                        </p:cTn>
+                                        <p:tgtEl>
+                                          <p:spTgt spid="6"/>
+                                        </p:tgtEl>
+                                        <p:attrNameLst>
+                                          <p:attrName>style.visibility</p:attrName>
+                                        </p:attrNameLst>
+                                      </p:cBhvr>
+                                      <p:to>
+                                        <p:strVal val="visible"/>
+                                      </p:to>
+                                    </p:set>
+                                  </p:childTnLst>
+                                </p:cTn>
+                              </p:par>
+                            </p:childTnLst>
+                          </p:cTn>
+                        </p:par>
+                      </p:childTnLst>
+                    </p:cTn>
+                  </p:par>
+                  <p:par>
+                    <p:cTn id="7" fill="hold">
+                      <p:stCondLst>
+                        <p:cond delay="indefinite"/>
+                      </p:stCondLst>
+                      <p:childTnLst>
+                        <p:par>
+                          <p:cTn id="8" fill="hold">
+                            <p:stCondLst>
+                              <p:cond delay="0"/>
+                            </p:stCondLst>
+                            <p:childTnLst>
+                              <p:par>
+                                <p:cTn id="9" presetID="1" presetClass="entr" presetSubtype="0" fill="hold" nodeType="clickEffect">
+                                  <p:stCondLst>
+                                    <p:cond delay="0"/>
+                                  </p:stCondLst>
+                                  <p:childTnLst>
+                                    <p:set>
+                                      <p:cBhvr>
+                                        <p:cTn id="10" dur="1" fill="hold">
+                                          <p:stCondLst>
+                                            <p:cond delay="0"/>
+                                          </p:stCondLst>
+                                        </p:cTn>
+                                        <p:tgtEl>
+                                          <p:spTgt spid="10"/>
+                                        </p:tgtEl>
+                                        <p:attrNameLst>
+                                          <p:attrName>style.visibility</p:attrName>
+                                        </p:attrNameLst>
+                                      </p:cBhvr>
+                                      <p:to>
+                                        <p:strVal val="visible"/>
+                                      </p:to>
+                                    </p:set>
+                                  </p:childTnLst>
+                                </p:cTn>
+                              </p:par>
+                            </p:childTnLst>
+                          </p:cTn>
+                        </p:par>
+                      </p:childTnLst>
+                    </p:cTn>
+                  </p:par>
+                </p:childTnLst>
+              </p:cTn>
+              <p:prevCondLst>
+                <p:cond evt="onPrev" delay="0">
+                  <p:tgtEl>
+                    <p:sldTgt/>
+                  </p:tgtEl>
+                </p:cond>
+              </p:prevCondLst>
+              <p:nextCondLst>
+                <p:cond evt="onNext" delay="0">
+                  <p:tgtEl>
+                    <p:sldTgt/>
+                  </p:tgtEl>
+                </p:cond>
+              </p:nextCondLst>
+            </p:seq>
+          </p:childTnLst>
+        </p:cTn>
+      </p:par>
+    </p:tnLst>
+  </p:timing>
+</p:sld>
+</file>
+
+<file path=ppt/slides/slide4.xml><?xml version="1.0" encoding="utf-8"?>
+<p:sld xmlns:a="http://schemas.openxmlformats.org/drawingml/2006/main" xmlns:r="http://schemas.openxmlformats.org/officeDocument/2006/relationships" xmlns:p="http://schemas.openxmlformats.org/presentationml/2006/main">
+  <p:cSld>
+    <p:spTree>
+      <p:nvGrpSpPr>
+        <p:cNvPr id="1" name=""/>
+        <p:cNvGrpSpPr/>
+        <p:nvPr/>
+      </p:nvGrpSpPr>
+      <p:grpSpPr>
+        <a:xfrm>
+          <a:off x="0" y="0"/>
+          <a:ext cx="0" cy="0"/>
+          <a:chOff x="0" y="0"/>
+          <a:chExt cx="0" cy="0"/>
+        </a:xfrm>
+      </p:grpSpPr>
       <p:graphicFrame>
         <p:nvGraphicFramePr>
           <p:cNvPr id="2" name="Diagram 1">
@@ -20807,13 +22938,7 @@
             </a:extLst>
           </p:cNvPr>
           <p:cNvGraphicFramePr/>
-          <p:nvPr>
-            <p:extLst>
-              <p:ext uri="{D42A27DB-BD31-4B8C-83A1-F6EECF244321}">
-                <p14:modId xmlns:p14="http://schemas.microsoft.com/office/powerpoint/2010/main" val="4220073568"/>
-              </p:ext>
-            </p:extLst>
-          </p:nvPr>
+          <p:nvPr/>
         </p:nvGraphicFramePr>
         <p:xfrm>
           <a:off x="2032000" y="719666"/>
@@ -20828,7 +22953,7 @@
     </p:spTree>
     <p:extLst>
       <p:ext uri="{BB962C8B-B14F-4D97-AF65-F5344CB8AC3E}">
-        <p14:creationId xmlns:p14="http://schemas.microsoft.com/office/powerpoint/2010/main" val="3693929611"/>
+        <p14:creationId xmlns:p14="http://schemas.microsoft.com/office/powerpoint/2010/main" val="1040771911"/>
       </p:ext>
     </p:extLst>
   </p:cSld>
@@ -20838,7 +22963,7 @@
 </p:sld>
 </file>
 
-<file path=ppt/slides/slide4.xml><?xml version="1.0" encoding="utf-8"?>
+<file path=ppt/slides/slide5.xml><?xml version="1.0" encoding="utf-8"?>
 <p:sld xmlns:a="http://schemas.openxmlformats.org/drawingml/2006/main" xmlns:r="http://schemas.openxmlformats.org/officeDocument/2006/relationships" xmlns:p="http://schemas.openxmlformats.org/presentationml/2006/main">
   <p:cSld>
     <p:spTree>
@@ -20941,7 +23066,7 @@
     </p:spTree>
     <p:extLst>
       <p:ext uri="{BB962C8B-B14F-4D97-AF65-F5344CB8AC3E}">
-        <p14:creationId xmlns:p14="http://schemas.microsoft.com/office/powerpoint/2010/main" val="2166673305"/>
+        <p14:creationId xmlns:p14="http://schemas.microsoft.com/office/powerpoint/2010/main" val="4125813471"/>
       </p:ext>
     </p:extLst>
   </p:cSld>
@@ -20951,7 +23076,7 @@
 </p:sld>
 </file>
 
-<file path=ppt/slides/slide5.xml><?xml version="1.0" encoding="utf-8"?>
+<file path=ppt/slides/slide6.xml><?xml version="1.0" encoding="utf-8"?>
 <p:sld xmlns:a="http://schemas.openxmlformats.org/drawingml/2006/main" xmlns:r="http://schemas.openxmlformats.org/officeDocument/2006/relationships" xmlns:p="http://schemas.openxmlformats.org/presentationml/2006/main">
   <p:cSld>
     <p:spTree>
@@ -21091,7 +23216,7 @@
     </p:spTree>
     <p:extLst>
       <p:ext uri="{BB962C8B-B14F-4D97-AF65-F5344CB8AC3E}">
-        <p14:creationId xmlns:p14="http://schemas.microsoft.com/office/powerpoint/2010/main" val="2442951992"/>
+        <p14:creationId xmlns:p14="http://schemas.microsoft.com/office/powerpoint/2010/main" val="2528466987"/>
       </p:ext>
     </p:extLst>
   </p:cSld>
@@ -21101,7 +23226,7 @@
 </p:sld>
 </file>
 
-<file path=ppt/slides/slide6.xml><?xml version="1.0" encoding="utf-8"?>
+<file path=ppt/slides/slide7.xml><?xml version="1.0" encoding="utf-8"?>
 <p:sld xmlns:a="http://schemas.openxmlformats.org/drawingml/2006/main" xmlns:r="http://schemas.openxmlformats.org/officeDocument/2006/relationships" xmlns:p="http://schemas.openxmlformats.org/presentationml/2006/main">
   <p:cSld>
     <p:spTree>
@@ -21331,7 +23456,7 @@
     </p:spTree>
     <p:extLst>
       <p:ext uri="{BB962C8B-B14F-4D97-AF65-F5344CB8AC3E}">
-        <p14:creationId xmlns:p14="http://schemas.microsoft.com/office/powerpoint/2010/main" val="2429239937"/>
+        <p14:creationId xmlns:p14="http://schemas.microsoft.com/office/powerpoint/2010/main" val="3933123163"/>
       </p:ext>
     </p:extLst>
   </p:cSld>
@@ -21341,7 +23466,7 @@
 </p:sld>
 </file>
 
-<file path=ppt/slides/slide7.xml><?xml version="1.0" encoding="utf-8"?>
+<file path=ppt/slides/slide8.xml><?xml version="1.0" encoding="utf-8"?>
 <p:sld xmlns:a="http://schemas.openxmlformats.org/drawingml/2006/main" xmlns:r="http://schemas.openxmlformats.org/officeDocument/2006/relationships" xmlns:p="http://schemas.openxmlformats.org/presentationml/2006/main">
   <p:cSld>
     <p:spTree>
@@ -21503,7 +23628,7 @@
     </p:spTree>
     <p:extLst>
       <p:ext uri="{BB962C8B-B14F-4D97-AF65-F5344CB8AC3E}">
-        <p14:creationId xmlns:p14="http://schemas.microsoft.com/office/powerpoint/2010/main" val="3388742471"/>
+        <p14:creationId xmlns:p14="http://schemas.microsoft.com/office/powerpoint/2010/main" val="112752844"/>
       </p:ext>
     </p:extLst>
   </p:cSld>
@@ -21513,7 +23638,7 @@
 </p:sld>
 </file>
 
-<file path=ppt/slides/slide8.xml><?xml version="1.0" encoding="utf-8"?>
+<file path=ppt/slides/slide9.xml><?xml version="1.0" encoding="utf-8"?>
 <p:sld xmlns:a="http://schemas.openxmlformats.org/drawingml/2006/main" xmlns:r="http://schemas.openxmlformats.org/officeDocument/2006/relationships" xmlns:p="http://schemas.openxmlformats.org/presentationml/2006/main">
   <p:cSld>
     <p:spTree>
@@ -21664,7 +23789,7 @@
         </p:nvSpPr>
         <p:spPr>
           <a:xfrm>
-            <a:off x="1828800" y="148424"/>
+            <a:off x="2078832" y="241292"/>
             <a:ext cx="8237692" cy="2894181"/>
           </a:xfrm>
           <a:prstGeom prst="rect">
@@ -21705,7 +23830,7 @@
     </p:spTree>
     <p:extLst>
       <p:ext uri="{BB962C8B-B14F-4D97-AF65-F5344CB8AC3E}">
-        <p14:creationId xmlns:p14="http://schemas.microsoft.com/office/powerpoint/2010/main" val="1674819036"/>
+        <p14:creationId xmlns:p14="http://schemas.microsoft.com/office/powerpoint/2010/main" val="2717139445"/>
       </p:ext>
     </p:extLst>
   </p:cSld>
@@ -21832,7 +23957,7 @@
                             </p:stCondLst>
                             <p:childTnLst>
                               <p:par>
-                                <p:cTn id="13" presetID="1" presetClass="entr" presetSubtype="0" fill="hold" grpId="0" nodeType="clickEffect">
+                                <p:cTn id="13" presetID="1" presetClass="exit" presetSubtype="0" fill="hold" grpId="0" nodeType="clickEffect">
                                   <p:stCondLst>
                                     <p:cond delay="0"/>
                                   </p:stCondLst>
@@ -21852,7 +23977,7 @@
                                         </p:attrNameLst>
                                       </p:cBhvr>
                                       <p:to>
-                                        <p:strVal val="visible"/>
+                                        <p:strVal val="hidden"/>
                                       </p:to>
                                     </p:set>
                                   </p:childTnLst>
@@ -21888,914 +24013,6 @@
     <p:bldLst>
       <p:bldP spid="17" grpId="0" animBg="1"/>
     </p:bldLst>
-  </p:timing>
-</p:sld>
-</file>
-
-<file path=ppt/slides/slide9.xml><?xml version="1.0" encoding="utf-8"?>
-<p:sld xmlns:a="http://schemas.openxmlformats.org/drawingml/2006/main" xmlns:r="http://schemas.openxmlformats.org/officeDocument/2006/relationships" xmlns:p="http://schemas.openxmlformats.org/presentationml/2006/main">
-  <p:cSld>
-    <p:spTree>
-      <p:nvGrpSpPr>
-        <p:cNvPr id="1" name=""/>
-        <p:cNvGrpSpPr/>
-        <p:nvPr/>
-      </p:nvGrpSpPr>
-      <p:grpSpPr>
-        <a:xfrm>
-          <a:off x="0" y="0"/>
-          <a:ext cx="0" cy="0"/>
-          <a:chOff x="0" y="0"/>
-          <a:chExt cx="0" cy="0"/>
-        </a:xfrm>
-      </p:grpSpPr>
-      <p:pic>
-        <p:nvPicPr>
-          <p:cNvPr id="2050" name="Picture 2" descr="Free PDF Editor Download | Foxit Software">
-            <a:extLst>
-              <a:ext uri="{FF2B5EF4-FFF2-40B4-BE49-F238E27FC236}">
-                <a16:creationId xmlns:a16="http://schemas.microsoft.com/office/drawing/2014/main" id="{DC1AEDFA-DC4F-AB36-7F9D-155118B1CDD8}"/>
-              </a:ext>
-            </a:extLst>
-          </p:cNvPr>
-          <p:cNvPicPr>
-            <a:picLocks noChangeAspect="1" noChangeArrowheads="1"/>
-          </p:cNvPicPr>
-          <p:nvPr/>
-        </p:nvPicPr>
-        <p:blipFill>
-          <a:blip r:embed="rId3">
-            <a:extLst>
-              <a:ext uri="{28A0092B-C50C-407E-A947-70E740481C1C}">
-                <a14:useLocalDpi xmlns:a14="http://schemas.microsoft.com/office/drawing/2010/main" val="0"/>
-              </a:ext>
-            </a:extLst>
-          </a:blip>
-          <a:srcRect/>
-          <a:stretch>
-            <a:fillRect/>
-          </a:stretch>
-        </p:blipFill>
-        <p:spPr bwMode="auto">
-          <a:xfrm>
-            <a:off x="4444385" y="1181432"/>
-            <a:ext cx="3303229" cy="3303229"/>
-          </a:xfrm>
-          <a:prstGeom prst="rect">
-            <a:avLst/>
-          </a:prstGeom>
-          <a:noFill/>
-          <a:extLst>
-            <a:ext uri="{909E8E84-426E-40DD-AFC4-6F175D3DCCD1}">
-              <a14:hiddenFill xmlns:a14="http://schemas.microsoft.com/office/drawing/2010/main">
-                <a:solidFill>
-                  <a:srgbClr val="FFFFFF"/>
-                </a:solidFill>
-              </a14:hiddenFill>
-            </a:ext>
-          </a:extLst>
-        </p:spPr>
-      </p:pic>
-      <p:pic>
-        <p:nvPicPr>
-          <p:cNvPr id="10" name="Picture 9" descr="A drawing of a cat&#10;&#10;Description automatically generated with low confidence">
-            <a:extLst>
-              <a:ext uri="{FF2B5EF4-FFF2-40B4-BE49-F238E27FC236}">
-                <a16:creationId xmlns:a16="http://schemas.microsoft.com/office/drawing/2014/main" id="{06D272AB-EACC-3400-9595-6FBA8A29784E}"/>
-              </a:ext>
-            </a:extLst>
-          </p:cNvPr>
-          <p:cNvPicPr>
-            <a:picLocks noChangeAspect="1"/>
-          </p:cNvPicPr>
-          <p:nvPr/>
-        </p:nvPicPr>
-        <p:blipFill>
-          <a:blip r:embed="rId4"/>
-          <a:stretch>
-            <a:fillRect/>
-          </a:stretch>
-        </p:blipFill>
-        <p:spPr>
-          <a:xfrm>
-            <a:off x="3802187" y="4566286"/>
-            <a:ext cx="1872532" cy="1872532"/>
-          </a:xfrm>
-          <a:prstGeom prst="rect">
-            <a:avLst/>
-          </a:prstGeom>
-        </p:spPr>
-      </p:pic>
-      <p:pic>
-        <p:nvPicPr>
-          <p:cNvPr id="14" name="Picture 13" descr="A drawing of a cat&#10;&#10;Description automatically generated with low confidence">
-            <a:extLst>
-              <a:ext uri="{FF2B5EF4-FFF2-40B4-BE49-F238E27FC236}">
-                <a16:creationId xmlns:a16="http://schemas.microsoft.com/office/drawing/2014/main" id="{4E901542-3FF6-A8F3-5A34-54611AA86783}"/>
-              </a:ext>
-            </a:extLst>
-          </p:cNvPr>
-          <p:cNvPicPr>
-            <a:picLocks noChangeAspect="1"/>
-          </p:cNvPicPr>
-          <p:nvPr/>
-        </p:nvPicPr>
-        <p:blipFill>
-          <a:blip r:embed="rId4"/>
-          <a:stretch>
-            <a:fillRect/>
-          </a:stretch>
-        </p:blipFill>
-        <p:spPr>
-          <a:xfrm>
-            <a:off x="747128" y="719718"/>
-            <a:ext cx="1872532" cy="1872532"/>
-          </a:xfrm>
-          <a:prstGeom prst="rect">
-            <a:avLst/>
-          </a:prstGeom>
-        </p:spPr>
-      </p:pic>
-      <p:pic>
-        <p:nvPicPr>
-          <p:cNvPr id="15" name="Picture 14" descr="A drawing of a cat&#10;&#10;Description automatically generated with low confidence">
-            <a:extLst>
-              <a:ext uri="{FF2B5EF4-FFF2-40B4-BE49-F238E27FC236}">
-                <a16:creationId xmlns:a16="http://schemas.microsoft.com/office/drawing/2014/main" id="{61D06C74-8EDC-B075-0AE4-FF793A939FB5}"/>
-              </a:ext>
-            </a:extLst>
-          </p:cNvPr>
-          <p:cNvPicPr>
-            <a:picLocks noChangeAspect="1"/>
-          </p:cNvPicPr>
-          <p:nvPr/>
-        </p:nvPicPr>
-        <p:blipFill>
-          <a:blip r:embed="rId4"/>
-          <a:stretch>
-            <a:fillRect/>
-          </a:stretch>
-        </p:blipFill>
-        <p:spPr>
-          <a:xfrm>
-            <a:off x="5626912" y="4146192"/>
-            <a:ext cx="1872532" cy="1872532"/>
-          </a:xfrm>
-          <a:prstGeom prst="rect">
-            <a:avLst/>
-          </a:prstGeom>
-        </p:spPr>
-      </p:pic>
-      <p:pic>
-        <p:nvPicPr>
-          <p:cNvPr id="16" name="Picture 15" descr="A drawing of a cat&#10;&#10;Description automatically generated with low confidence">
-            <a:extLst>
-              <a:ext uri="{FF2B5EF4-FFF2-40B4-BE49-F238E27FC236}">
-                <a16:creationId xmlns:a16="http://schemas.microsoft.com/office/drawing/2014/main" id="{E303F9E6-A0BC-8A72-DC93-909066024D1B}"/>
-              </a:ext>
-            </a:extLst>
-          </p:cNvPr>
-          <p:cNvPicPr>
-            <a:picLocks noChangeAspect="1"/>
-          </p:cNvPicPr>
-          <p:nvPr/>
-        </p:nvPicPr>
-        <p:blipFill>
-          <a:blip r:embed="rId4"/>
-          <a:stretch>
-            <a:fillRect/>
-          </a:stretch>
-        </p:blipFill>
-        <p:spPr>
-          <a:xfrm>
-            <a:off x="2643730" y="3002530"/>
-            <a:ext cx="1872532" cy="1872532"/>
-          </a:xfrm>
-          <a:prstGeom prst="rect">
-            <a:avLst/>
-          </a:prstGeom>
-        </p:spPr>
-      </p:pic>
-      <p:pic>
-        <p:nvPicPr>
-          <p:cNvPr id="17" name="Picture 16" descr="A drawing of a cat&#10;&#10;Description automatically generated with low confidence">
-            <a:extLst>
-              <a:ext uri="{FF2B5EF4-FFF2-40B4-BE49-F238E27FC236}">
-                <a16:creationId xmlns:a16="http://schemas.microsoft.com/office/drawing/2014/main" id="{280CB34A-E919-807E-7F0C-635602F6B8F4}"/>
-              </a:ext>
-            </a:extLst>
-          </p:cNvPr>
-          <p:cNvPicPr>
-            <a:picLocks noChangeAspect="1"/>
-          </p:cNvPicPr>
-          <p:nvPr/>
-        </p:nvPicPr>
-        <p:blipFill>
-          <a:blip r:embed="rId4"/>
-          <a:stretch>
-            <a:fillRect/>
-          </a:stretch>
-        </p:blipFill>
-        <p:spPr>
-          <a:xfrm>
-            <a:off x="7797231" y="2300414"/>
-            <a:ext cx="1872532" cy="1872532"/>
-          </a:xfrm>
-          <a:prstGeom prst="rect">
-            <a:avLst/>
-          </a:prstGeom>
-        </p:spPr>
-      </p:pic>
-      <p:pic>
-        <p:nvPicPr>
-          <p:cNvPr id="18" name="Picture 17" descr="A drawing of a cat&#10;&#10;Description automatically generated with low confidence">
-            <a:extLst>
-              <a:ext uri="{FF2B5EF4-FFF2-40B4-BE49-F238E27FC236}">
-                <a16:creationId xmlns:a16="http://schemas.microsoft.com/office/drawing/2014/main" id="{C61EBA90-74D6-90D8-1750-8ADFD69A8916}"/>
-              </a:ext>
-            </a:extLst>
-          </p:cNvPr>
-          <p:cNvPicPr>
-            <a:picLocks noChangeAspect="1"/>
-          </p:cNvPicPr>
-          <p:nvPr/>
-        </p:nvPicPr>
-        <p:blipFill>
-          <a:blip r:embed="rId4"/>
-          <a:stretch>
-            <a:fillRect/>
-          </a:stretch>
-        </p:blipFill>
-        <p:spPr>
-          <a:xfrm>
-            <a:off x="7673828" y="4566286"/>
-            <a:ext cx="1872532" cy="1872532"/>
-          </a:xfrm>
-          <a:prstGeom prst="rect">
-            <a:avLst/>
-          </a:prstGeom>
-        </p:spPr>
-      </p:pic>
-      <p:pic>
-        <p:nvPicPr>
-          <p:cNvPr id="19" name="Picture 18" descr="A drawing of a cat&#10;&#10;Description automatically generated with low confidence">
-            <a:extLst>
-              <a:ext uri="{FF2B5EF4-FFF2-40B4-BE49-F238E27FC236}">
-                <a16:creationId xmlns:a16="http://schemas.microsoft.com/office/drawing/2014/main" id="{DEE1A522-FD4C-1255-BE2B-344DECA07D29}"/>
-              </a:ext>
-            </a:extLst>
-          </p:cNvPr>
-          <p:cNvPicPr>
-            <a:picLocks noChangeAspect="1"/>
-          </p:cNvPicPr>
-          <p:nvPr/>
-        </p:nvPicPr>
-        <p:blipFill>
-          <a:blip r:embed="rId4"/>
-          <a:stretch>
-            <a:fillRect/>
-          </a:stretch>
-        </p:blipFill>
-        <p:spPr>
-          <a:xfrm>
-            <a:off x="9321073" y="719718"/>
-            <a:ext cx="1872532" cy="1872532"/>
-          </a:xfrm>
-          <a:prstGeom prst="rect">
-            <a:avLst/>
-          </a:prstGeom>
-        </p:spPr>
-      </p:pic>
-      <p:pic>
-        <p:nvPicPr>
-          <p:cNvPr id="20" name="Picture 19" descr="A drawing of a cat&#10;&#10;Description automatically generated with low confidence">
-            <a:extLst>
-              <a:ext uri="{FF2B5EF4-FFF2-40B4-BE49-F238E27FC236}">
-                <a16:creationId xmlns:a16="http://schemas.microsoft.com/office/drawing/2014/main" id="{B689B904-1443-904B-5DE3-A2A56F0B991F}"/>
-              </a:ext>
-            </a:extLst>
-          </p:cNvPr>
-          <p:cNvPicPr>
-            <a:picLocks noChangeAspect="1"/>
-          </p:cNvPicPr>
-          <p:nvPr/>
-        </p:nvPicPr>
-        <p:blipFill>
-          <a:blip r:embed="rId4"/>
-          <a:stretch>
-            <a:fillRect/>
-          </a:stretch>
-        </p:blipFill>
-        <p:spPr>
-          <a:xfrm>
-            <a:off x="2323799" y="1106126"/>
-            <a:ext cx="1872532" cy="1872532"/>
-          </a:xfrm>
-          <a:prstGeom prst="rect">
-            <a:avLst/>
-          </a:prstGeom>
-        </p:spPr>
-      </p:pic>
-      <p:pic>
-        <p:nvPicPr>
-          <p:cNvPr id="21" name="Picture 20" descr="A drawing of a cat&#10;&#10;Description automatically generated with low confidence">
-            <a:extLst>
-              <a:ext uri="{FF2B5EF4-FFF2-40B4-BE49-F238E27FC236}">
-                <a16:creationId xmlns:a16="http://schemas.microsoft.com/office/drawing/2014/main" id="{5C02B571-16CE-762D-1A9C-9E719D82F7D1}"/>
-              </a:ext>
-            </a:extLst>
-          </p:cNvPr>
-          <p:cNvPicPr>
-            <a:picLocks noChangeAspect="1"/>
-          </p:cNvPicPr>
-          <p:nvPr/>
-        </p:nvPicPr>
-        <p:blipFill>
-          <a:blip r:embed="rId4"/>
-          <a:stretch>
-            <a:fillRect/>
-          </a:stretch>
-        </p:blipFill>
-        <p:spPr>
-          <a:xfrm>
-            <a:off x="561381" y="3260659"/>
-            <a:ext cx="1872532" cy="1872532"/>
-          </a:xfrm>
-          <a:prstGeom prst="rect">
-            <a:avLst/>
-          </a:prstGeom>
-        </p:spPr>
-      </p:pic>
-      <p:pic>
-        <p:nvPicPr>
-          <p:cNvPr id="22" name="Picture 21" descr="A drawing of a cat&#10;&#10;Description automatically generated with low confidence">
-            <a:extLst>
-              <a:ext uri="{FF2B5EF4-FFF2-40B4-BE49-F238E27FC236}">
-                <a16:creationId xmlns:a16="http://schemas.microsoft.com/office/drawing/2014/main" id="{57129020-4F29-4FD4-2F53-C54F3FE2448C}"/>
-              </a:ext>
-            </a:extLst>
-          </p:cNvPr>
-          <p:cNvPicPr>
-            <a:picLocks noChangeAspect="1"/>
-          </p:cNvPicPr>
-          <p:nvPr/>
-        </p:nvPicPr>
-        <p:blipFill>
-          <a:blip r:embed="rId4"/>
-          <a:stretch>
-            <a:fillRect/>
-          </a:stretch>
-        </p:blipFill>
-        <p:spPr>
-          <a:xfrm>
-            <a:off x="1676962" y="4878624"/>
-            <a:ext cx="1872532" cy="1872532"/>
-          </a:xfrm>
-          <a:prstGeom prst="rect">
-            <a:avLst/>
-          </a:prstGeom>
-        </p:spPr>
-      </p:pic>
-      <p:pic>
-        <p:nvPicPr>
-          <p:cNvPr id="23" name="Picture 22" descr="A drawing of a cat&#10;&#10;Description automatically generated with low confidence">
-            <a:extLst>
-              <a:ext uri="{FF2B5EF4-FFF2-40B4-BE49-F238E27FC236}">
-                <a16:creationId xmlns:a16="http://schemas.microsoft.com/office/drawing/2014/main" id="{1C679985-9B34-192A-8F90-CC7291A5B4C9}"/>
-              </a:ext>
-            </a:extLst>
-          </p:cNvPr>
-          <p:cNvPicPr>
-            <a:picLocks noChangeAspect="1"/>
-          </p:cNvPicPr>
-          <p:nvPr/>
-        </p:nvPicPr>
-        <p:blipFill>
-          <a:blip r:embed="rId4"/>
-          <a:stretch>
-            <a:fillRect/>
-          </a:stretch>
-        </p:blipFill>
-        <p:spPr>
-          <a:xfrm>
-            <a:off x="9324970" y="3318305"/>
-            <a:ext cx="1872532" cy="1872532"/>
-          </a:xfrm>
-          <a:prstGeom prst="rect">
-            <a:avLst/>
-          </a:prstGeom>
-        </p:spPr>
-      </p:pic>
-      <p:pic>
-        <p:nvPicPr>
-          <p:cNvPr id="24" name="Picture 23" descr="A drawing of a cat&#10;&#10;Description automatically generated with low confidence">
-            <a:extLst>
-              <a:ext uri="{FF2B5EF4-FFF2-40B4-BE49-F238E27FC236}">
-                <a16:creationId xmlns:a16="http://schemas.microsoft.com/office/drawing/2014/main" id="{47BBB0E3-C820-590C-1FE7-F59764EC1922}"/>
-              </a:ext>
-            </a:extLst>
-          </p:cNvPr>
-          <p:cNvPicPr>
-            <a:picLocks noChangeAspect="1"/>
-          </p:cNvPicPr>
-          <p:nvPr/>
-        </p:nvPicPr>
-        <p:blipFill>
-          <a:blip r:embed="rId4"/>
-          <a:stretch>
-            <a:fillRect/>
-          </a:stretch>
-        </p:blipFill>
-        <p:spPr>
-          <a:xfrm>
-            <a:off x="7573269" y="468695"/>
-            <a:ext cx="1872532" cy="1872532"/>
-          </a:xfrm>
-          <a:prstGeom prst="rect">
-            <a:avLst/>
-          </a:prstGeom>
-        </p:spPr>
-      </p:pic>
-    </p:spTree>
-    <p:extLst>
-      <p:ext uri="{BB962C8B-B14F-4D97-AF65-F5344CB8AC3E}">
-        <p14:creationId xmlns:p14="http://schemas.microsoft.com/office/powerpoint/2010/main" val="730481017"/>
-      </p:ext>
-    </p:extLst>
-  </p:cSld>
-  <p:clrMapOvr>
-    <a:masterClrMapping/>
-  </p:clrMapOvr>
-  <p:timing>
-    <p:tnLst>
-      <p:par>
-        <p:cTn id="1" dur="indefinite" restart="never" nodeType="tmRoot">
-          <p:childTnLst>
-            <p:seq concurrent="1" nextAc="seek">
-              <p:cTn id="2" dur="indefinite" nodeType="mainSeq">
-                <p:childTnLst>
-                  <p:par>
-                    <p:cTn id="3" fill="hold">
-                      <p:stCondLst>
-                        <p:cond delay="indefinite"/>
-                      </p:stCondLst>
-                      <p:childTnLst>
-                        <p:par>
-                          <p:cTn id="4" fill="hold">
-                            <p:stCondLst>
-                              <p:cond delay="0"/>
-                            </p:stCondLst>
-                            <p:childTnLst>
-                              <p:par>
-                                <p:cTn id="5" presetID="1" presetClass="entr" presetSubtype="0" fill="hold" nodeType="clickEffect">
-                                  <p:stCondLst>
-                                    <p:cond delay="0"/>
-                                  </p:stCondLst>
-                                  <p:childTnLst>
-                                    <p:set>
-                                      <p:cBhvr>
-                                        <p:cTn id="6" dur="1" fill="hold">
-                                          <p:stCondLst>
-                                            <p:cond delay="0"/>
-                                          </p:stCondLst>
-                                        </p:cTn>
-                                        <p:tgtEl>
-                                          <p:spTgt spid="14"/>
-                                        </p:tgtEl>
-                                        <p:attrNameLst>
-                                          <p:attrName>style.visibility</p:attrName>
-                                        </p:attrNameLst>
-                                      </p:cBhvr>
-                                      <p:to>
-                                        <p:strVal val="visible"/>
-                                      </p:to>
-                                    </p:set>
-                                  </p:childTnLst>
-                                </p:cTn>
-                              </p:par>
-                            </p:childTnLst>
-                          </p:cTn>
-                        </p:par>
-                        <p:par>
-                          <p:cTn id="7" fill="hold">
-                            <p:stCondLst>
-                              <p:cond delay="0"/>
-                            </p:stCondLst>
-                            <p:childTnLst>
-                              <p:par>
-                                <p:cTn id="8" presetID="1" presetClass="entr" presetSubtype="0" fill="hold" nodeType="afterEffect">
-                                  <p:stCondLst>
-                                    <p:cond delay="300"/>
-                                  </p:stCondLst>
-                                  <p:childTnLst>
-                                    <p:set>
-                                      <p:cBhvr>
-                                        <p:cTn id="9" dur="1" fill="hold">
-                                          <p:stCondLst>
-                                            <p:cond delay="0"/>
-                                          </p:stCondLst>
-                                        </p:cTn>
-                                        <p:tgtEl>
-                                          <p:spTgt spid="10"/>
-                                        </p:tgtEl>
-                                        <p:attrNameLst>
-                                          <p:attrName>style.visibility</p:attrName>
-                                        </p:attrNameLst>
-                                      </p:cBhvr>
-                                      <p:to>
-                                        <p:strVal val="visible"/>
-                                      </p:to>
-                                    </p:set>
-                                  </p:childTnLst>
-                                </p:cTn>
-                              </p:par>
-                            </p:childTnLst>
-                          </p:cTn>
-                        </p:par>
-                        <p:par>
-                          <p:cTn id="10" fill="hold">
-                            <p:stCondLst>
-                              <p:cond delay="300"/>
-                            </p:stCondLst>
-                            <p:childTnLst>
-                              <p:par>
-                                <p:cTn id="11" presetID="1" presetClass="entr" presetSubtype="0" fill="hold" nodeType="afterEffect">
-                                  <p:stCondLst>
-                                    <p:cond delay="300"/>
-                                  </p:stCondLst>
-                                  <p:childTnLst>
-                                    <p:set>
-                                      <p:cBhvr>
-                                        <p:cTn id="12" dur="1" fill="hold">
-                                          <p:stCondLst>
-                                            <p:cond delay="0"/>
-                                          </p:stCondLst>
-                                        </p:cTn>
-                                        <p:tgtEl>
-                                          <p:spTgt spid="15"/>
-                                        </p:tgtEl>
-                                        <p:attrNameLst>
-                                          <p:attrName>style.visibility</p:attrName>
-                                        </p:attrNameLst>
-                                      </p:cBhvr>
-                                      <p:to>
-                                        <p:strVal val="visible"/>
-                                      </p:to>
-                                    </p:set>
-                                  </p:childTnLst>
-                                </p:cTn>
-                              </p:par>
-                            </p:childTnLst>
-                          </p:cTn>
-                        </p:par>
-                        <p:par>
-                          <p:cTn id="13" fill="hold">
-                            <p:stCondLst>
-                              <p:cond delay="600"/>
-                            </p:stCondLst>
-                            <p:childTnLst>
-                              <p:par>
-                                <p:cTn id="14" presetID="1" presetClass="entr" presetSubtype="0" fill="hold" nodeType="afterEffect">
-                                  <p:stCondLst>
-                                    <p:cond delay="300"/>
-                                  </p:stCondLst>
-                                  <p:childTnLst>
-                                    <p:set>
-                                      <p:cBhvr>
-                                        <p:cTn id="15" dur="1" fill="hold">
-                                          <p:stCondLst>
-                                            <p:cond delay="0"/>
-                                          </p:stCondLst>
-                                        </p:cTn>
-                                        <p:tgtEl>
-                                          <p:spTgt spid="16"/>
-                                        </p:tgtEl>
-                                        <p:attrNameLst>
-                                          <p:attrName>style.visibility</p:attrName>
-                                        </p:attrNameLst>
-                                      </p:cBhvr>
-                                      <p:to>
-                                        <p:strVal val="visible"/>
-                                      </p:to>
-                                    </p:set>
-                                  </p:childTnLst>
-                                </p:cTn>
-                              </p:par>
-                            </p:childTnLst>
-                          </p:cTn>
-                        </p:par>
-                        <p:par>
-                          <p:cTn id="16" fill="hold">
-                            <p:stCondLst>
-                              <p:cond delay="900"/>
-                            </p:stCondLst>
-                            <p:childTnLst>
-                              <p:par>
-                                <p:cTn id="17" presetID="1" presetClass="entr" presetSubtype="0" fill="hold" nodeType="afterEffect">
-                                  <p:stCondLst>
-                                    <p:cond delay="300"/>
-                                  </p:stCondLst>
-                                  <p:childTnLst>
-                                    <p:set>
-                                      <p:cBhvr>
-                                        <p:cTn id="18" dur="1" fill="hold">
-                                          <p:stCondLst>
-                                            <p:cond delay="0"/>
-                                          </p:stCondLst>
-                                        </p:cTn>
-                                        <p:tgtEl>
-                                          <p:spTgt spid="17"/>
-                                        </p:tgtEl>
-                                        <p:attrNameLst>
-                                          <p:attrName>style.visibility</p:attrName>
-                                        </p:attrNameLst>
-                                      </p:cBhvr>
-                                      <p:to>
-                                        <p:strVal val="visible"/>
-                                      </p:to>
-                                    </p:set>
-                                  </p:childTnLst>
-                                </p:cTn>
-                              </p:par>
-                            </p:childTnLst>
-                          </p:cTn>
-                        </p:par>
-                        <p:par>
-                          <p:cTn id="19" fill="hold">
-                            <p:stCondLst>
-                              <p:cond delay="1200"/>
-                            </p:stCondLst>
-                            <p:childTnLst>
-                              <p:par>
-                                <p:cTn id="20" presetID="1" presetClass="entr" presetSubtype="0" fill="hold" nodeType="afterEffect">
-                                  <p:stCondLst>
-                                    <p:cond delay="300"/>
-                                  </p:stCondLst>
-                                  <p:childTnLst>
-                                    <p:set>
-                                      <p:cBhvr>
-                                        <p:cTn id="21" dur="1" fill="hold">
-                                          <p:stCondLst>
-                                            <p:cond delay="0"/>
-                                          </p:stCondLst>
-                                        </p:cTn>
-                                        <p:tgtEl>
-                                          <p:spTgt spid="18"/>
-                                        </p:tgtEl>
-                                        <p:attrNameLst>
-                                          <p:attrName>style.visibility</p:attrName>
-                                        </p:attrNameLst>
-                                      </p:cBhvr>
-                                      <p:to>
-                                        <p:strVal val="visible"/>
-                                      </p:to>
-                                    </p:set>
-                                  </p:childTnLst>
-                                </p:cTn>
-                              </p:par>
-                            </p:childTnLst>
-                          </p:cTn>
-                        </p:par>
-                        <p:par>
-                          <p:cTn id="22" fill="hold">
-                            <p:stCondLst>
-                              <p:cond delay="1500"/>
-                            </p:stCondLst>
-                            <p:childTnLst>
-                              <p:par>
-                                <p:cTn id="23" presetID="1" presetClass="entr" presetSubtype="0" fill="hold" nodeType="afterEffect">
-                                  <p:stCondLst>
-                                    <p:cond delay="300"/>
-                                  </p:stCondLst>
-                                  <p:childTnLst>
-                                    <p:set>
-                                      <p:cBhvr>
-                                        <p:cTn id="24" dur="1" fill="hold">
-                                          <p:stCondLst>
-                                            <p:cond delay="0"/>
-                                          </p:stCondLst>
-                                        </p:cTn>
-                                        <p:tgtEl>
-                                          <p:spTgt spid="19"/>
-                                        </p:tgtEl>
-                                        <p:attrNameLst>
-                                          <p:attrName>style.visibility</p:attrName>
-                                        </p:attrNameLst>
-                                      </p:cBhvr>
-                                      <p:to>
-                                        <p:strVal val="visible"/>
-                                      </p:to>
-                                    </p:set>
-                                  </p:childTnLst>
-                                </p:cTn>
-                              </p:par>
-                            </p:childTnLst>
-                          </p:cTn>
-                        </p:par>
-                        <p:par>
-                          <p:cTn id="25" fill="hold">
-                            <p:stCondLst>
-                              <p:cond delay="1800"/>
-                            </p:stCondLst>
-                            <p:childTnLst>
-                              <p:par>
-                                <p:cTn id="26" presetID="1" presetClass="entr" presetSubtype="0" fill="hold" nodeType="afterEffect">
-                                  <p:stCondLst>
-                                    <p:cond delay="300"/>
-                                  </p:stCondLst>
-                                  <p:childTnLst>
-                                    <p:set>
-                                      <p:cBhvr>
-                                        <p:cTn id="27" dur="1" fill="hold">
-                                          <p:stCondLst>
-                                            <p:cond delay="0"/>
-                                          </p:stCondLst>
-                                        </p:cTn>
-                                        <p:tgtEl>
-                                          <p:spTgt spid="20"/>
-                                        </p:tgtEl>
-                                        <p:attrNameLst>
-                                          <p:attrName>style.visibility</p:attrName>
-                                        </p:attrNameLst>
-                                      </p:cBhvr>
-                                      <p:to>
-                                        <p:strVal val="visible"/>
-                                      </p:to>
-                                    </p:set>
-                                  </p:childTnLst>
-                                </p:cTn>
-                              </p:par>
-                            </p:childTnLst>
-                          </p:cTn>
-                        </p:par>
-                        <p:par>
-                          <p:cTn id="28" fill="hold">
-                            <p:stCondLst>
-                              <p:cond delay="2100"/>
-                            </p:stCondLst>
-                            <p:childTnLst>
-                              <p:par>
-                                <p:cTn id="29" presetID="1" presetClass="entr" presetSubtype="0" fill="hold" nodeType="afterEffect">
-                                  <p:stCondLst>
-                                    <p:cond delay="300"/>
-                                  </p:stCondLst>
-                                  <p:childTnLst>
-                                    <p:set>
-                                      <p:cBhvr>
-                                        <p:cTn id="30" dur="1" fill="hold">
-                                          <p:stCondLst>
-                                            <p:cond delay="0"/>
-                                          </p:stCondLst>
-                                        </p:cTn>
-                                        <p:tgtEl>
-                                          <p:spTgt spid="21"/>
-                                        </p:tgtEl>
-                                        <p:attrNameLst>
-                                          <p:attrName>style.visibility</p:attrName>
-                                        </p:attrNameLst>
-                                      </p:cBhvr>
-                                      <p:to>
-                                        <p:strVal val="visible"/>
-                                      </p:to>
-                                    </p:set>
-                                  </p:childTnLst>
-                                </p:cTn>
-                              </p:par>
-                            </p:childTnLst>
-                          </p:cTn>
-                        </p:par>
-                        <p:par>
-                          <p:cTn id="31" fill="hold">
-                            <p:stCondLst>
-                              <p:cond delay="2400"/>
-                            </p:stCondLst>
-                            <p:childTnLst>
-                              <p:par>
-                                <p:cTn id="32" presetID="1" presetClass="entr" presetSubtype="0" fill="hold" nodeType="afterEffect">
-                                  <p:stCondLst>
-                                    <p:cond delay="300"/>
-                                  </p:stCondLst>
-                                  <p:childTnLst>
-                                    <p:set>
-                                      <p:cBhvr>
-                                        <p:cTn id="33" dur="1" fill="hold">
-                                          <p:stCondLst>
-                                            <p:cond delay="0"/>
-                                          </p:stCondLst>
-                                        </p:cTn>
-                                        <p:tgtEl>
-                                          <p:spTgt spid="22"/>
-                                        </p:tgtEl>
-                                        <p:attrNameLst>
-                                          <p:attrName>style.visibility</p:attrName>
-                                        </p:attrNameLst>
-                                      </p:cBhvr>
-                                      <p:to>
-                                        <p:strVal val="visible"/>
-                                      </p:to>
-                                    </p:set>
-                                  </p:childTnLst>
-                                </p:cTn>
-                              </p:par>
-                            </p:childTnLst>
-                          </p:cTn>
-                        </p:par>
-                        <p:par>
-                          <p:cTn id="34" fill="hold">
-                            <p:stCondLst>
-                              <p:cond delay="2700"/>
-                            </p:stCondLst>
-                            <p:childTnLst>
-                              <p:par>
-                                <p:cTn id="35" presetID="1" presetClass="entr" presetSubtype="0" fill="hold" nodeType="afterEffect">
-                                  <p:stCondLst>
-                                    <p:cond delay="300"/>
-                                  </p:stCondLst>
-                                  <p:childTnLst>
-                                    <p:set>
-                                      <p:cBhvr>
-                                        <p:cTn id="36" dur="1" fill="hold">
-                                          <p:stCondLst>
-                                            <p:cond delay="0"/>
-                                          </p:stCondLst>
-                                        </p:cTn>
-                                        <p:tgtEl>
-                                          <p:spTgt spid="23"/>
-                                        </p:tgtEl>
-                                        <p:attrNameLst>
-                                          <p:attrName>style.visibility</p:attrName>
-                                        </p:attrNameLst>
-                                      </p:cBhvr>
-                                      <p:to>
-                                        <p:strVal val="visible"/>
-                                      </p:to>
-                                    </p:set>
-                                  </p:childTnLst>
-                                </p:cTn>
-                              </p:par>
-                            </p:childTnLst>
-                          </p:cTn>
-                        </p:par>
-                        <p:par>
-                          <p:cTn id="37" fill="hold">
-                            <p:stCondLst>
-                              <p:cond delay="3000"/>
-                            </p:stCondLst>
-                            <p:childTnLst>
-                              <p:par>
-                                <p:cTn id="38" presetID="1" presetClass="entr" presetSubtype="0" fill="hold" nodeType="afterEffect">
-                                  <p:stCondLst>
-                                    <p:cond delay="300"/>
-                                  </p:stCondLst>
-                                  <p:childTnLst>
-                                    <p:set>
-                                      <p:cBhvr>
-                                        <p:cTn id="39" dur="1" fill="hold">
-                                          <p:stCondLst>
-                                            <p:cond delay="0"/>
-                                          </p:stCondLst>
-                                        </p:cTn>
-                                        <p:tgtEl>
-                                          <p:spTgt spid="24"/>
-                                        </p:tgtEl>
-                                        <p:attrNameLst>
-                                          <p:attrName>style.visibility</p:attrName>
-                                        </p:attrNameLst>
-                                      </p:cBhvr>
-                                      <p:to>
-                                        <p:strVal val="visible"/>
-                                      </p:to>
-                                    </p:set>
-                                  </p:childTnLst>
-                                </p:cTn>
-                              </p:par>
-                            </p:childTnLst>
-                          </p:cTn>
-                        </p:par>
-                      </p:childTnLst>
-                    </p:cTn>
-                  </p:par>
-                </p:childTnLst>
-              </p:cTn>
-              <p:prevCondLst>
-                <p:cond evt="onPrev" delay="0">
-                  <p:tgtEl>
-                    <p:sldTgt/>
-                  </p:tgtEl>
-                </p:cond>
-              </p:prevCondLst>
-              <p:nextCondLst>
-                <p:cond evt="onNext" delay="0">
-                  <p:tgtEl>
-                    <p:sldTgt/>
-                  </p:tgtEl>
-                </p:cond>
-              </p:nextCondLst>
-            </p:seq>
-          </p:childTnLst>
-        </p:cTn>
-      </p:par>
-    </p:tnLst>
   </p:timing>
 </p:sld>
 </file>
